--- a/poster.pptx
+++ b/poster.pptx
@@ -5,7 +5,7 @@
     <p:sldMasterId id="2147483648" r:id="rId1"/>
   </p:sldMasterIdLst>
   <p:notesMasterIdLst>
-    <p:notesMasterId r:id="rId15"/>
+    <p:notesMasterId r:id="rId14"/>
   </p:notesMasterIdLst>
   <p:sldIdLst>
     <p:sldId id="256" r:id="rId2"/>
@@ -20,10 +20,9 @@
     <p:sldId id="262" r:id="rId11"/>
     <p:sldId id="263" r:id="rId12"/>
     <p:sldId id="264" r:id="rId13"/>
-    <p:sldId id="265" r:id="rId14"/>
   </p:sldIdLst>
   <p:sldSz cx="9144000" cy="6858000" type="screen4x3"/>
-  <p:notesSz cx="6858000" cy="9144000"/>
+  <p:notesSz cx="6789738" cy="9929813"/>
   <p:defaultTextStyle>
     <a:defPPr>
       <a:defRPr lang="he-IL"/>
@@ -156,8 +155,8 @@
         </p:nvSpPr>
         <p:spPr>
           <a:xfrm>
-            <a:off x="3886200" y="0"/>
-            <a:ext cx="2971800" cy="457200"/>
+            <a:off x="3847518" y="0"/>
+            <a:ext cx="2942220" cy="496491"/>
           </a:xfrm>
           <a:prstGeom prst="rect">
             <a:avLst/>
@@ -187,8 +186,8 @@
         </p:nvSpPr>
         <p:spPr>
           <a:xfrm>
-            <a:off x="1588" y="0"/>
-            <a:ext cx="2971800" cy="457200"/>
+            <a:off x="1572" y="0"/>
+            <a:ext cx="2942220" cy="496491"/>
           </a:xfrm>
           <a:prstGeom prst="rect">
             <a:avLst/>
@@ -222,8 +221,8 @@
         </p:nvSpPr>
         <p:spPr>
           <a:xfrm>
-            <a:off x="1143000" y="685800"/>
-            <a:ext cx="4572000" cy="3429000"/>
+            <a:off x="912813" y="744538"/>
+            <a:ext cx="4964112" cy="3724275"/>
           </a:xfrm>
           <a:prstGeom prst="rect">
             <a:avLst/>
@@ -255,8 +254,8 @@
         </p:nvSpPr>
         <p:spPr>
           <a:xfrm>
-            <a:off x="685800" y="4343400"/>
-            <a:ext cx="5486400" cy="4114800"/>
+            <a:off x="678974" y="4716661"/>
+            <a:ext cx="5431790" cy="4468416"/>
           </a:xfrm>
           <a:prstGeom prst="rect">
             <a:avLst/>
@@ -315,8 +314,8 @@
         </p:nvSpPr>
         <p:spPr>
           <a:xfrm>
-            <a:off x="3886200" y="8685213"/>
-            <a:ext cx="2971800" cy="457200"/>
+            <a:off x="3847518" y="9431599"/>
+            <a:ext cx="2942220" cy="496491"/>
           </a:xfrm>
           <a:prstGeom prst="rect">
             <a:avLst/>
@@ -346,8 +345,8 @@
         </p:nvSpPr>
         <p:spPr>
           <a:xfrm>
-            <a:off x="1588" y="8685213"/>
-            <a:ext cx="2971800" cy="457200"/>
+            <a:off x="1572" y="9431599"/>
+            <a:ext cx="2942220" cy="496491"/>
           </a:xfrm>
           <a:prstGeom prst="rect">
             <a:avLst/>
@@ -3616,8 +3615,8 @@
           </a:p>
         </p:txBody>
       </p:sp>
-      <mc:AlternateContent xmlns:mc="http://schemas.openxmlformats.org/markup-compatibility/2006">
-        <mc:Choice xmlns:a14="http://schemas.microsoft.com/office/drawing/2010/main" Requires="a14">
+      <mc:AlternateContent xmlns:mc="http://schemas.openxmlformats.org/markup-compatibility/2006" xmlns:a14="http://schemas.microsoft.com/office/drawing/2010/main">
+        <mc:Choice Requires="a14">
           <p:sp>
             <p:nvSpPr>
               <p:cNvPr id="5" name="Title 1"/>
@@ -3704,7 +3703,7 @@
             </p:txBody>
           </p:sp>
         </mc:Choice>
-        <mc:Fallback>
+        <mc:Fallback xmlns="">
           <p:sp>
             <p:nvSpPr>
               <p:cNvPr id="5" name="Title 1"/>
@@ -3743,8 +3742,8 @@
           </p:sp>
         </mc:Fallback>
       </mc:AlternateContent>
-      <mc:AlternateContent xmlns:mc="http://schemas.openxmlformats.org/markup-compatibility/2006">
-        <mc:Choice xmlns:a14="http://schemas.microsoft.com/office/drawing/2010/main" Requires="a14">
+      <mc:AlternateContent xmlns:mc="http://schemas.openxmlformats.org/markup-compatibility/2006" xmlns:a14="http://schemas.microsoft.com/office/drawing/2010/main">
+        <mc:Choice Requires="a14">
           <p:sp>
             <p:nvSpPr>
               <p:cNvPr id="6" name="Title 1"/>
@@ -3854,7 +3853,7 @@
             </p:txBody>
           </p:sp>
         </mc:Choice>
-        <mc:Fallback>
+        <mc:Fallback xmlns="">
           <p:sp>
             <p:nvSpPr>
               <p:cNvPr id="6" name="Title 1"/>
@@ -3985,8 +3984,8 @@
           </a:p>
         </p:txBody>
       </p:sp>
-      <mc:AlternateContent xmlns:mc="http://schemas.openxmlformats.org/markup-compatibility/2006">
-        <mc:Choice xmlns:a14="http://schemas.microsoft.com/office/drawing/2010/main" Requires="a14">
+      <mc:AlternateContent xmlns:mc="http://schemas.openxmlformats.org/markup-compatibility/2006" xmlns:a14="http://schemas.microsoft.com/office/drawing/2010/main">
+        <mc:Choice Requires="a14">
           <p:sp>
             <p:nvSpPr>
               <p:cNvPr id="9" name="Title 1"/>
@@ -4067,7 +4066,7 @@
             </p:txBody>
           </p:sp>
         </mc:Choice>
-        <mc:Fallback>
+        <mc:Fallback xmlns="">
           <p:sp>
             <p:nvSpPr>
               <p:cNvPr id="9" name="Title 1"/>
@@ -4191,7 +4190,7 @@
       </p:grpSpPr>
       <p:pic>
         <p:nvPicPr>
-          <p:cNvPr id="3075" name="Picture 3" descr="H:\physics\lab\sc3.git\figs\dH_mean_dx_j_int_rand_frac_0.0001.png"/>
+          <p:cNvPr id="3074" name="Picture 2" descr="H:\physics\lab\sc3.git\figs\current_density_cross_section_frac_0.0001.png"/>
           <p:cNvPicPr>
             <a:picLocks noChangeAspect="1" noChangeArrowheads="1"/>
           </p:cNvPicPr>
@@ -4212,8 +4211,49 @@
         </p:blipFill>
         <p:spPr bwMode="auto">
           <a:xfrm>
-            <a:off x="3851920" y="4117139"/>
-            <a:ext cx="5491255" cy="2740861"/>
+            <a:off x="-1210932" y="-171400"/>
+            <a:ext cx="6863052" cy="3425569"/>
+          </a:xfrm>
+          <a:prstGeom prst="rect">
+            <a:avLst/>
+          </a:prstGeom>
+          <a:noFill/>
+          <a:extLst>
+            <a:ext uri="{909E8E84-426E-40DD-AFC4-6F175D3DCCD1}">
+              <a14:hiddenFill xmlns:a14="http://schemas.microsoft.com/office/drawing/2010/main">
+                <a:solidFill>
+                  <a:srgbClr val="FFFFFF"/>
+                </a:solidFill>
+              </a14:hiddenFill>
+            </a:ext>
+          </a:extLst>
+        </p:spPr>
+      </p:pic>
+      <p:pic>
+        <p:nvPicPr>
+          <p:cNvPr id="3075" name="Picture 3" descr="H:\physics\lab\sc3.git\figs\dH_mean_dx_j_int_rand_frac_0.0001.png"/>
+          <p:cNvPicPr>
+            <a:picLocks noChangeAspect="1" noChangeArrowheads="1"/>
+          </p:cNvPicPr>
+          <p:nvPr/>
+        </p:nvPicPr>
+        <p:blipFill>
+          <a:blip r:embed="rId3" cstate="print">
+            <a:extLst>
+              <a:ext uri="{28A0092B-C50C-407E-A947-70E740481C1C}">
+                <a14:useLocalDpi xmlns:a14="http://schemas.microsoft.com/office/drawing/2010/main" val="0"/>
+              </a:ext>
+            </a:extLst>
+          </a:blip>
+          <a:srcRect/>
+          <a:stretch>
+            <a:fillRect/>
+          </a:stretch>
+        </p:blipFill>
+        <p:spPr bwMode="auto">
+          <a:xfrm>
+            <a:off x="2555776" y="3470193"/>
+            <a:ext cx="6787399" cy="3387808"/>
           </a:xfrm>
           <a:prstGeom prst="rect">
             <a:avLst/>
@@ -4473,47 +4513,6 @@
           </p:sp>
         </mc:Fallback>
       </mc:AlternateContent>
-      <p:pic>
-        <p:nvPicPr>
-          <p:cNvPr id="3074" name="Picture 2" descr="H:\physics\lab\sc3.git\figs\current_density_cross_section_frac_0.0001.png"/>
-          <p:cNvPicPr>
-            <a:picLocks noChangeAspect="1" noChangeArrowheads="1"/>
-          </p:cNvPicPr>
-          <p:nvPr/>
-        </p:nvPicPr>
-        <p:blipFill>
-          <a:blip r:embed="rId5" cstate="print">
-            <a:extLst>
-              <a:ext uri="{28A0092B-C50C-407E-A947-70E740481C1C}">
-                <a14:useLocalDpi xmlns:a14="http://schemas.microsoft.com/office/drawing/2010/main" val="0"/>
-              </a:ext>
-            </a:extLst>
-          </a:blip>
-          <a:srcRect/>
-          <a:stretch>
-            <a:fillRect/>
-          </a:stretch>
-        </p:blipFill>
-        <p:spPr bwMode="auto">
-          <a:xfrm>
-            <a:off x="-684584" y="2060848"/>
-            <a:ext cx="5626392" cy="2808312"/>
-          </a:xfrm>
-          <a:prstGeom prst="rect">
-            <a:avLst/>
-          </a:prstGeom>
-          <a:noFill/>
-          <a:extLst>
-            <a:ext uri="{909E8E84-426E-40DD-AFC4-6F175D3DCCD1}">
-              <a14:hiddenFill xmlns:a14="http://schemas.microsoft.com/office/drawing/2010/main">
-                <a:solidFill>
-                  <a:srgbClr val="FFFFFF"/>
-                </a:solidFill>
-              </a14:hiddenFill>
-            </a:ext>
-          </a:extLst>
-        </p:spPr>
-      </p:pic>
     </p:spTree>
     <p:extLst>
       <p:ext uri="{BB962C8B-B14F-4D97-AF65-F5344CB8AC3E}">
@@ -4551,8 +4550,8 @@
           <a:chExt cx="0" cy="0"/>
         </a:xfrm>
       </p:grpSpPr>
-      <mc:AlternateContent xmlns:mc="http://schemas.openxmlformats.org/markup-compatibility/2006" xmlns:a14="http://schemas.microsoft.com/office/drawing/2010/main">
-        <mc:Choice Requires="a14">
+      <mc:AlternateContent xmlns:mc="http://schemas.openxmlformats.org/markup-compatibility/2006">
+        <mc:Choice xmlns:a14="http://schemas.microsoft.com/office/drawing/2010/main" Requires="a14">
           <p:sp>
             <p:nvSpPr>
               <p:cNvPr id="3" name="Content Placeholder 2"/>
@@ -4563,28 +4562,71 @@
                 <p:ph idx="1"/>
               </p:nvPr>
             </p:nvSpPr>
-            <p:spPr/>
+            <p:spPr>
+              <a:xfrm>
+                <a:off x="457200" y="3501008"/>
+                <a:ext cx="8229600" cy="2625155"/>
+              </a:xfrm>
+            </p:spPr>
             <p:txBody>
               <a:bodyPr>
-                <a:normAutofit lnSpcReduction="10000"/>
+                <a:normAutofit fontScale="92500"/>
               </a:bodyPr>
               <a:lstStyle/>
               <a:p>
-                <a:endParaRPr lang="en-US" dirty="0" smtClean="0"/>
-              </a:p>
-              <a:p>
-                <a:endParaRPr lang="en-US" dirty="0"/>
-              </a:p>
-              <a:p>
-                <a:endParaRPr lang="en-US" dirty="0" smtClean="0"/>
-              </a:p>
-              <a:p>
-                <a:endParaRPr lang="en-US" dirty="0"/>
+                <a:r>
+                  <a:rPr lang="he-IL" dirty="0" smtClean="0"/>
+                  <a:t>עפ"י </a:t>
+                </a:r>
+                <a:r>
+                  <a:rPr lang="he-IL" dirty="0"/>
+                  <a:t>התוצאות למערכת כיוון מועדף, כנראה </a:t>
+                </a:r>
+                <a14:m>
+                  <m:oMath xmlns:m="http://schemas.openxmlformats.org/officeDocument/2006/math">
+                    <m:sSub>
+                      <m:sSubPr>
+                        <m:ctrlPr>
+                          <a:rPr lang="en-US" i="1">
+                            <a:latin typeface="Cambria Math"/>
+                          </a:rPr>
+                        </m:ctrlPr>
+                      </m:sSubPr>
+                      <m:e>
+                        <m:r>
+                          <a:rPr lang="en-US" i="1">
+                            <a:latin typeface="Cambria Math"/>
+                          </a:rPr>
+                          <m:t>𝐻</m:t>
+                        </m:r>
+                      </m:e>
+                      <m:sub>
+                        <m:r>
+                          <a:rPr lang="en-US" i="1">
+                            <a:latin typeface="Cambria Math"/>
+                          </a:rPr>
+                          <m:t>𝑐𝑜𝑖𝑙</m:t>
+                        </m:r>
+                      </m:sub>
+                    </m:sSub>
+                    <m:r>
+                      <a:rPr lang="en-US" i="1">
+                        <a:latin typeface="Cambria Math"/>
+                      </a:rPr>
+                      <m:t> </m:t>
+                    </m:r>
+                  </m:oMath>
+                </a14:m>
+                <a:endParaRPr lang="he-IL" dirty="0" smtClean="0"/>
               </a:p>
               <a:p>
                 <a:r>
                   <a:rPr lang="he-IL" dirty="0" smtClean="0"/>
-                  <a:t>נמדדה השפעת </a:t>
+                  <a:t>נמדדה </a:t>
+                </a:r>
+                <a:r>
+                  <a:rPr lang="he-IL" dirty="0" smtClean="0"/>
+                  <a:t>השפעת </a:t>
                 </a:r>
                 <a14:m>
                   <m:oMath xmlns:m="http://schemas.openxmlformats.org/officeDocument/2006/math">
@@ -4636,15 +4678,7 @@
               <a:p>
                 <a:r>
                   <a:rPr lang="he-IL" dirty="0" smtClean="0"/>
-                  <a:t>מקור ההספק</a:t>
-                </a:r>
-                <a:r>
-                  <a:rPr lang="he-IL" dirty="0"/>
-                  <a:t> </a:t>
-                </a:r>
-                <a:r>
-                  <a:rPr lang="he-IL" dirty="0" smtClean="0"/>
-                  <a:t>(</a:t>
+                  <a:t>ייתכן כי אין </a:t>
                 </a:r>
                 <a:r>
                   <a:rPr lang="he-IL" dirty="0" err="1" smtClean="0"/>
@@ -4652,14 +4686,122 @@
                 </a:r>
                 <a:r>
                   <a:rPr lang="he-IL" dirty="0" smtClean="0"/>
-                  <a:t>)</a:t>
+                  <a:t> ללא </a:t>
                 </a:r>
-              </a:p>
-              <a:p>
+                <a14:m>
+                  <m:oMath xmlns:m="http://schemas.openxmlformats.org/officeDocument/2006/math">
+                    <m:sSub>
+                      <m:sSubPr>
+                        <m:ctrlPr>
+                          <a:rPr lang="en-US" b="0" i="1" smtClean="0">
+                            <a:latin typeface="Cambria Math"/>
+                          </a:rPr>
+                        </m:ctrlPr>
+                      </m:sSubPr>
+                      <m:e>
+                        <m:r>
+                          <a:rPr lang="en-US" b="0" i="1" smtClean="0">
+                            <a:latin typeface="Cambria Math"/>
+                          </a:rPr>
+                          <m:t>𝐼</m:t>
+                        </m:r>
+                      </m:e>
+                      <m:sub>
+                        <m:r>
+                          <a:rPr lang="en-US" b="0" i="1" smtClean="0">
+                            <a:latin typeface="Cambria Math"/>
+                          </a:rPr>
+                          <m:t>𝑖𝑛𝑡</m:t>
+                        </m:r>
+                      </m:sub>
+                    </m:sSub>
+                  </m:oMath>
+                </a14:m>
                 <a:r>
                   <a:rPr lang="he-IL" dirty="0" smtClean="0"/>
-                  <a:t>כיווניות במערכת</a:t>
+                  <a:t>, בהתאם למודל </a:t>
                 </a:r>
+                <a:r>
+                  <a:rPr lang="en-US" dirty="0" smtClean="0"/>
+                  <a:t>SB</a:t>
+                </a:r>
+                <a:r>
+                  <a:rPr lang="he-IL" dirty="0" smtClean="0"/>
+                  <a:t>. תנועת מערבולות משרה שדה חשמלי, המקוזז ע"י הצטברות מטען. </a:t>
+                </a:r>
+                <a14:m>
+                  <m:oMath xmlns:m="http://schemas.openxmlformats.org/officeDocument/2006/math">
+                    <m:sSub>
+                      <m:sSubPr>
+                        <m:ctrlPr>
+                          <a:rPr lang="he-IL" b="0" i="1" smtClean="0">
+                            <a:latin typeface="Cambria Math"/>
+                          </a:rPr>
+                        </m:ctrlPr>
+                      </m:sSubPr>
+                      <m:e>
+                        <m:r>
+                          <a:rPr lang="en-US" b="0" i="1" smtClean="0">
+                            <a:latin typeface="Cambria Math"/>
+                          </a:rPr>
+                          <m:t>𝑊</m:t>
+                        </m:r>
+                      </m:e>
+                      <m:sub>
+                        <m:r>
+                          <a:rPr lang="en-US" b="0" i="1" smtClean="0">
+                            <a:latin typeface="Cambria Math"/>
+                          </a:rPr>
+                          <m:t>𝑑𝑖𝑠𝑠𝑖𝑝𝑎𝑡𝑖𝑜𝑛</m:t>
+                        </m:r>
+                      </m:sub>
+                    </m:sSub>
+                    <m:r>
+                      <a:rPr lang="en-US" b="0" i="1" smtClean="0">
+                        <a:latin typeface="Cambria Math"/>
+                      </a:rPr>
+                      <m:t>∝</m:t>
+                    </m:r>
+                    <m:sSub>
+                      <m:sSubPr>
+                        <m:ctrlPr>
+                          <a:rPr lang="en-US" b="0" i="1" smtClean="0">
+                            <a:latin typeface="Cambria Math"/>
+                          </a:rPr>
+                        </m:ctrlPr>
+                      </m:sSubPr>
+                      <m:e>
+                        <m:r>
+                          <a:rPr lang="en-US" b="0" i="1" smtClean="0">
+                            <a:latin typeface="Cambria Math"/>
+                          </a:rPr>
+                          <m:t>𝐽</m:t>
+                        </m:r>
+                      </m:e>
+                      <m:sub>
+                        <m:r>
+                          <a:rPr lang="en-US" b="0" i="1" smtClean="0">
+                            <a:latin typeface="Cambria Math"/>
+                          </a:rPr>
+                          <m:t>𝑖𝑛𝑡</m:t>
+                        </m:r>
+                      </m:sub>
+                    </m:sSub>
+                    <m:r>
+                      <a:rPr lang="en-US" b="0" i="1" smtClean="0">
+                        <a:latin typeface="Cambria Math"/>
+                      </a:rPr>
+                      <m:t>=</m:t>
+                    </m:r>
+                    <m:r>
+                      <a:rPr lang="en-US" b="0" i="1" smtClean="0">
+                        <a:latin typeface="Cambria Math"/>
+                      </a:rPr>
+                      <m:t>0</m:t>
+                    </m:r>
+                  </m:oMath>
+                </a14:m>
+                <a:endParaRPr lang="he-IL" dirty="0" smtClean="0"/>
               </a:p>
               <a:p>
                 <a:endParaRPr lang="he-IL" dirty="0" smtClean="0"/>
@@ -4667,7 +4809,7 @@
             </p:txBody>
           </p:sp>
         </mc:Choice>
-        <mc:Fallback xmlns="">
+        <mc:Fallback>
           <p:sp>
             <p:nvSpPr>
               <p:cNvPr id="3" name="Content Placeholder 2"/>
@@ -4679,10 +4821,14 @@
               </p:nvPr>
             </p:nvSpPr>
             <p:spPr>
+              <a:xfrm>
+                <a:off x="457200" y="3501008"/>
+                <a:ext cx="8229600" cy="2625155"/>
+              </a:xfrm>
               <a:blipFill rotWithShape="1">
                 <a:blip r:embed="rId2"/>
                 <a:stretch>
-                  <a:fillRect r="-1778"/>
+                  <a:fillRect l="-222" t="-3016" r="-1556" b="-4408"/>
                 </a:stretch>
               </a:blipFill>
             </p:spPr>
@@ -4857,7 +5003,7 @@
             </p:spPr>
             <p:txBody>
               <a:bodyPr>
-                <a:normAutofit fontScale="55000" lnSpcReduction="20000"/>
+                <a:noAutofit/>
               </a:bodyPr>
               <a:lstStyle/>
               <a:p>
@@ -4866,14 +5012,14 @@
                     <m:sSub>
                       <m:sSubPr>
                         <m:ctrlPr>
-                          <a:rPr lang="en-US" b="0" i="1" smtClean="0">
+                          <a:rPr lang="en-US" sz="2000" b="0" i="1" smtClean="0">
                             <a:latin typeface="Cambria Math"/>
                           </a:rPr>
                         </m:ctrlPr>
                       </m:sSubPr>
                       <m:e>
                         <m:r>
-                          <a:rPr lang="en-US" b="0" i="1" smtClean="0">
+                          <a:rPr lang="en-US" sz="2000" b="0" i="1" smtClean="0">
                             <a:latin typeface="Cambria Math"/>
                           </a:rPr>
                           <m:t>𝐼</m:t>
@@ -4881,7 +5027,7 @@
                       </m:e>
                       <m:sub>
                         <m:r>
-                          <a:rPr lang="en-US" b="0" i="1" smtClean="0">
+                          <a:rPr lang="en-US" sz="2000" b="0" i="1" smtClean="0">
                             <a:latin typeface="Cambria Math"/>
                           </a:rPr>
                           <m:t>𝑖𝑛𝑡</m:t>
@@ -4891,11 +5037,11 @@
                   </m:oMath>
                 </a14:m>
                 <a:r>
-                  <a:rPr lang="he-IL" dirty="0" smtClean="0"/>
+                  <a:rPr lang="he-IL" sz="2000" dirty="0" smtClean="0"/>
                   <a:t> שכמעט מוציא </a:t>
                 </a:r>
                 <a:r>
-                  <a:rPr lang="he-IL" dirty="0"/>
+                  <a:rPr lang="he-IL" sz="2000" dirty="0"/>
                   <a:t>מערבולות מתוך הבורות, </a:t>
                 </a:r>
                 <a14:m>
@@ -4903,14 +5049,14 @@
                     <m:sSub>
                       <m:sSubPr>
                         <m:ctrlPr>
-                          <a:rPr lang="he-IL" b="0" i="1" smtClean="0">
+                          <a:rPr lang="he-IL" sz="2000" b="0" i="1" smtClean="0">
                             <a:latin typeface="Cambria Math"/>
                           </a:rPr>
                         </m:ctrlPr>
                       </m:sSubPr>
                       <m:e>
                         <m:r>
-                          <a:rPr lang="en-US" b="0" i="1" smtClean="0">
+                          <a:rPr lang="en-US" sz="2000" b="0" i="1" smtClean="0">
                             <a:latin typeface="Cambria Math"/>
                           </a:rPr>
                           <m:t>𝐼</m:t>
@@ -4918,7 +5064,7 @@
                       </m:e>
                       <m:sub>
                         <m:r>
-                          <a:rPr lang="en-US" b="0" i="1" smtClean="0">
+                          <a:rPr lang="en-US" sz="2000" b="0" i="1" smtClean="0">
                             <a:latin typeface="Cambria Math"/>
                           </a:rPr>
                           <m:t>𝑒𝑥𝑡</m:t>
@@ -4928,30 +5074,30 @@
                   </m:oMath>
                 </a14:m>
                 <a:r>
-                  <a:rPr lang="he-IL" dirty="0" smtClean="0"/>
+                  <a:rPr lang="he-IL" sz="2000" dirty="0" smtClean="0"/>
                   <a:t> שמעביר אותן </a:t>
                 </a:r>
                 <a:r>
-                  <a:rPr lang="he-IL" dirty="0"/>
+                  <a:rPr lang="he-IL" sz="2000" dirty="0"/>
                   <a:t>את </a:t>
                 </a:r>
                 <a:r>
-                  <a:rPr lang="he-IL" dirty="0" smtClean="0"/>
+                  <a:rPr lang="he-IL" sz="2000" dirty="0" smtClean="0"/>
                   <a:t>הסף.</a:t>
                 </a:r>
                 <a:r>
-                  <a:rPr lang="en-US" dirty="0" smtClean="0"/>
+                  <a:rPr lang="en-US" sz="2000" dirty="0" smtClean="0"/>
                   <a:t/>
                 </a:r>
                 <a:br>
-                  <a:rPr lang="en-US" dirty="0" smtClean="0"/>
+                  <a:rPr lang="en-US" sz="2000" dirty="0" smtClean="0"/>
                 </a:br>
                 <a:r>
-                  <a:rPr lang="he-IL" dirty="0" smtClean="0"/>
+                  <a:rPr lang="he-IL" sz="2000" dirty="0" smtClean="0"/>
                   <a:t>לא ייתכן: בכל </a:t>
                 </a:r>
                 <a:r>
-                  <a:rPr lang="he-IL" dirty="0"/>
+                  <a:rPr lang="he-IL" sz="2000" dirty="0"/>
                   <a:t>הכיוונים של </a:t>
                 </a:r>
                 <a14:m>
@@ -4959,14 +5105,14 @@
                     <m:sSub>
                       <m:sSubPr>
                         <m:ctrlPr>
-                          <a:rPr lang="en-US" i="1">
+                          <a:rPr lang="en-US" sz="2000" i="1">
                             <a:latin typeface="Cambria Math"/>
                           </a:rPr>
                         </m:ctrlPr>
                       </m:sSubPr>
                       <m:e>
                         <m:r>
-                          <a:rPr lang="en-US" i="1">
+                          <a:rPr lang="en-US" sz="2000" i="1">
                             <a:latin typeface="Cambria Math"/>
                           </a:rPr>
                           <m:t>𝐼</m:t>
@@ -4974,7 +5120,7 @@
                       </m:e>
                       <m:sub>
                         <m:r>
-                          <a:rPr lang="en-US" i="1">
+                          <a:rPr lang="en-US" sz="2000" i="1">
                             <a:latin typeface="Cambria Math"/>
                           </a:rPr>
                           <m:t>𝑖𝑛𝑡</m:t>
@@ -4982,7 +5128,7 @@
                       </m:sub>
                     </m:sSub>
                     <m:r>
-                      <a:rPr lang="en-US" i="1">
+                      <a:rPr lang="en-US" sz="2000" i="1">
                         <a:latin typeface="Cambria Math"/>
                       </a:rPr>
                       <m:t> </m:t>
@@ -4990,7 +5136,7 @@
                   </m:oMath>
                 </a14:m>
                 <a:r>
-                  <a:rPr lang="he-IL" dirty="0" smtClean="0"/>
+                  <a:rPr lang="he-IL" sz="2000" dirty="0" smtClean="0"/>
                   <a:t>, </a:t>
                 </a:r>
                 <a14:m>
@@ -4998,14 +5144,14 @@
                     <m:sSub>
                       <m:sSubPr>
                         <m:ctrlPr>
-                          <a:rPr lang="he-IL" i="1">
+                          <a:rPr lang="he-IL" sz="2000" i="1">
                             <a:latin typeface="Cambria Math"/>
                           </a:rPr>
                         </m:ctrlPr>
                       </m:sSubPr>
                       <m:e>
                         <m:r>
-                          <a:rPr lang="en-US" i="1">
+                          <a:rPr lang="en-US" sz="2000" i="1">
                             <a:latin typeface="Cambria Math"/>
                           </a:rPr>
                           <m:t>𝐼</m:t>
@@ -5013,7 +5159,7 @@
                       </m:e>
                       <m:sub>
                         <m:r>
-                          <a:rPr lang="en-US" i="1">
+                          <a:rPr lang="en-US" sz="2000" i="1">
                             <a:latin typeface="Cambria Math"/>
                           </a:rPr>
                           <m:t>𝑒𝑥𝑡</m:t>
@@ -5021,7 +5167,7 @@
                       </m:sub>
                     </m:sSub>
                     <m:r>
-                      <a:rPr lang="en-US" i="1">
+                      <a:rPr lang="en-US" sz="2000" i="1">
                         <a:latin typeface="Cambria Math"/>
                       </a:rPr>
                       <m:t> </m:t>
@@ -5029,7 +5175,7 @@
                   </m:oMath>
                 </a14:m>
                 <a:r>
-                  <a:rPr lang="he-IL" dirty="0" smtClean="0"/>
+                  <a:rPr lang="he-IL" sz="2000" dirty="0" smtClean="0"/>
                   <a:t> נוצר מתח</a:t>
                 </a:r>
               </a:p>
@@ -5039,14 +5185,14 @@
                     <m:sSub>
                       <m:sSubPr>
                         <m:ctrlPr>
-                          <a:rPr lang="he-IL" i="1">
+                          <a:rPr lang="he-IL" sz="2000" i="1">
                             <a:latin typeface="Cambria Math"/>
                           </a:rPr>
                         </m:ctrlPr>
                       </m:sSubPr>
                       <m:e>
                         <m:r>
-                          <a:rPr lang="en-US" i="1">
+                          <a:rPr lang="en-US" sz="2000" i="1">
                             <a:latin typeface="Cambria Math"/>
                           </a:rPr>
                           <m:t>𝐼</m:t>
@@ -5054,7 +5200,7 @@
                       </m:e>
                       <m:sub>
                         <m:r>
-                          <a:rPr lang="en-US" i="1">
+                          <a:rPr lang="en-US" sz="2000" i="1">
                             <a:latin typeface="Cambria Math"/>
                           </a:rPr>
                           <m:t>𝑒𝑥𝑡</m:t>
@@ -5064,46 +5210,52 @@
                   </m:oMath>
                 </a14:m>
                 <a:r>
-                  <a:rPr lang="he-IL" dirty="0" smtClean="0"/>
+                  <a:rPr lang="he-IL" sz="2000" dirty="0" smtClean="0"/>
                   <a:t> יוצר עוד מערבולות נטו, או מעביר אותן מצד לצד והן מאכלסות בורות רדודים</a:t>
                 </a:r>
                 <a:r>
-                  <a:rPr lang="en-US" dirty="0" smtClean="0"/>
+                  <a:rPr lang="en-US" sz="2000" dirty="0" smtClean="0"/>
                   <a:t/>
                 </a:r>
                 <a:br>
-                  <a:rPr lang="en-US" dirty="0" smtClean="0"/>
+                  <a:rPr lang="en-US" sz="2000" dirty="0" smtClean="0"/>
                 </a:br>
                 <a:r>
-                  <a:rPr lang="he-IL" dirty="0" smtClean="0"/>
+                  <a:rPr lang="he-IL" sz="2000" dirty="0" smtClean="0"/>
                   <a:t>לא סביר:</a:t>
                 </a:r>
                 <a:r>
-                  <a:rPr lang="en-US" dirty="0" smtClean="0"/>
+                  <a:rPr lang="en-US" sz="2000" dirty="0" smtClean="0"/>
                   <a:t> </a:t>
                 </a:r>
                 <a:r>
-                  <a:rPr lang="he-IL" dirty="0" smtClean="0"/>
+                  <a:rPr lang="he-IL" sz="2000" dirty="0" smtClean="0"/>
                   <a:t> </a:t>
                 </a:r>
                 <a14:m>
                   <m:oMath xmlns:m="http://schemas.openxmlformats.org/officeDocument/2006/math">
                     <m:r>
-                      <a:rPr lang="he-IL" i="1" dirty="0" smtClean="0">
+                      <a:rPr lang="he-IL" sz="2000" i="1" dirty="0" smtClean="0">
                         <a:latin typeface="Cambria Math"/>
                       </a:rPr>
                       <m:t>10</m:t>
                     </m:r>
                     <m:r>
-                      <a:rPr lang="he-IL" i="1" dirty="0" smtClean="0">
+                      <a:rPr lang="he-IL" sz="2000" i="1" dirty="0" smtClean="0">
                         <a:latin typeface="Cambria Math"/>
                       </a:rPr>
-                      <m:t>%&gt;</m:t>
+                      <m:t>%</m:t>
+                    </m:r>
+                    <m:r>
+                      <a:rPr lang="he-IL" sz="2000" i="1" dirty="0" smtClean="0">
+                        <a:latin typeface="Cambria Math"/>
+                      </a:rPr>
+                      <m:t>&gt;</m:t>
                     </m:r>
                     <m:f>
                       <m:fPr>
                         <m:ctrlPr>
-                          <a:rPr lang="en-US" b="0" i="1" dirty="0" smtClean="0">
+                          <a:rPr lang="en-US" sz="2000" b="0" i="1" dirty="0" smtClean="0">
                             <a:latin typeface="Cambria Math"/>
                           </a:rPr>
                         </m:ctrlPr>
@@ -5113,13 +5265,13 @@
                           <m:rPr>
                             <m:sty m:val="p"/>
                           </m:rPr>
-                          <a:rPr lang="he-IL" b="0" i="0" dirty="0" smtClean="0">
+                          <a:rPr lang="he-IL" sz="2000" b="0" i="0" dirty="0" smtClean="0">
                             <a:latin typeface="Cambria Math"/>
                           </a:rPr>
                           <m:t>Δ</m:t>
                         </m:r>
                         <m:r>
-                          <a:rPr lang="en-US" b="0" i="1" dirty="0" smtClean="0">
+                          <a:rPr lang="en-US" sz="2000" b="0" i="1" dirty="0" smtClean="0">
                             <a:latin typeface="Cambria Math"/>
                           </a:rPr>
                           <m:t>𝐻</m:t>
@@ -5127,7 +5279,7 @@
                       </m:num>
                       <m:den>
                         <m:r>
-                          <a:rPr lang="en-US" b="0" i="1" dirty="0" smtClean="0">
+                          <a:rPr lang="en-US" sz="2000" b="0" i="1" dirty="0" smtClean="0">
                             <a:latin typeface="Cambria Math"/>
                           </a:rPr>
                           <m:t>𝐻</m:t>
@@ -5137,7 +5289,7 @@
                   </m:oMath>
                 </a14:m>
                 <a:r>
-                  <a:rPr lang="he-IL" dirty="0" smtClean="0"/>
+                  <a:rPr lang="he-IL" sz="2000" dirty="0" smtClean="0"/>
                   <a:t> </a:t>
                 </a:r>
               </a:p>
@@ -5147,14 +5299,14 @@
                     <m:sSub>
                       <m:sSubPr>
                         <m:ctrlPr>
-                          <a:rPr lang="en-US" i="1">
+                          <a:rPr lang="en-US" sz="2000" i="1">
                             <a:latin typeface="Cambria Math"/>
                           </a:rPr>
                         </m:ctrlPr>
                       </m:sSubPr>
                       <m:e>
                         <m:r>
-                          <a:rPr lang="en-US" i="1">
+                          <a:rPr lang="en-US" sz="2000" i="1">
                             <a:latin typeface="Cambria Math"/>
                           </a:rPr>
                           <m:t>𝐼</m:t>
@@ -5162,7 +5314,7 @@
                       </m:e>
                       <m:sub>
                         <m:r>
-                          <a:rPr lang="en-US" i="1">
+                          <a:rPr lang="en-US" sz="2000" i="1">
                             <a:latin typeface="Cambria Math"/>
                           </a:rPr>
                           <m:t>𝑖𝑛𝑡</m:t>
@@ -5172,7 +5324,7 @@
                   </m:oMath>
                 </a14:m>
                 <a:r>
-                  <a:rPr lang="he-IL" dirty="0" smtClean="0"/>
+                  <a:rPr lang="he-IL" sz="2000" dirty="0" smtClean="0"/>
                   <a:t> שמוציא את המערבולות מהבורות לאיזשהו כיוון, </a:t>
                 </a:r>
                 <a14:m>
@@ -5180,14 +5332,14 @@
                     <m:sSub>
                       <m:sSubPr>
                         <m:ctrlPr>
-                          <a:rPr lang="he-IL" i="1">
+                          <a:rPr lang="he-IL" sz="2000" i="1">
                             <a:latin typeface="Cambria Math"/>
                           </a:rPr>
                         </m:ctrlPr>
                       </m:sSubPr>
                       <m:e>
                         <m:r>
-                          <a:rPr lang="en-US" i="1">
+                          <a:rPr lang="en-US" sz="2000" i="1">
                             <a:latin typeface="Cambria Math"/>
                           </a:rPr>
                           <m:t>𝐼</m:t>
@@ -5195,7 +5347,7 @@
                       </m:e>
                       <m:sub>
                         <m:r>
-                          <a:rPr lang="en-US" i="1">
+                          <a:rPr lang="en-US" sz="2000" i="1">
                             <a:latin typeface="Cambria Math"/>
                           </a:rPr>
                           <m:t>𝑒𝑥𝑡</m:t>
@@ -5205,18 +5357,18 @@
                   </m:oMath>
                 </a14:m>
                 <a:r>
-                  <a:rPr lang="he-IL" dirty="0" smtClean="0"/>
+                  <a:rPr lang="he-IL" sz="2000" dirty="0" smtClean="0"/>
                   <a:t> מניע אותן לרוחב הדוגמא</a:t>
                 </a:r>
                 <a:r>
-                  <a:rPr lang="en-US" dirty="0" smtClean="0"/>
+                  <a:rPr lang="en-US" sz="2000" dirty="0" smtClean="0"/>
                   <a:t/>
                 </a:r>
                 <a:br>
-                  <a:rPr lang="en-US" dirty="0" smtClean="0"/>
+                  <a:rPr lang="en-US" sz="2000" dirty="0" smtClean="0"/>
                 </a:br>
                 <a:r>
-                  <a:rPr lang="he-IL" dirty="0" smtClean="0"/>
+                  <a:rPr lang="he-IL" sz="2000" dirty="0" smtClean="0"/>
                   <a:t>אפשרי: בתנאי ש- </a:t>
                 </a:r>
                 <a14:m>
@@ -5224,14 +5376,14 @@
                     <m:sSub>
                       <m:sSubPr>
                         <m:ctrlPr>
-                          <a:rPr lang="en-US" i="1">
+                          <a:rPr lang="en-US" sz="2000" i="1">
                             <a:latin typeface="Cambria Math"/>
                           </a:rPr>
                         </m:ctrlPr>
                       </m:sSubPr>
                       <m:e>
                         <m:r>
-                          <a:rPr lang="en-US" i="1">
+                          <a:rPr lang="en-US" sz="2000" i="1">
                             <a:latin typeface="Cambria Math"/>
                           </a:rPr>
                           <m:t>𝐼</m:t>
@@ -5239,7 +5391,7 @@
                       </m:e>
                       <m:sub>
                         <m:r>
-                          <a:rPr lang="en-US" i="1">
+                          <a:rPr lang="en-US" sz="2000" i="1">
                             <a:latin typeface="Cambria Math"/>
                           </a:rPr>
                           <m:t>𝑖𝑛𝑡</m:t>
@@ -5249,7 +5401,7 @@
                   </m:oMath>
                 </a14:m>
                 <a:r>
-                  <a:rPr lang="he-IL" dirty="0" smtClean="0"/>
+                  <a:rPr lang="he-IL" sz="2000" dirty="0" smtClean="0"/>
                   <a:t> מתפלג בערוצים צרים על פני הרבה פחות מ- </a:t>
                 </a:r>
                 <a14:m>
@@ -5257,14 +5409,14 @@
                     <m:sSup>
                       <m:sSupPr>
                         <m:ctrlPr>
-                          <a:rPr lang="he-IL" b="0" i="1" smtClean="0">
+                          <a:rPr lang="he-IL" sz="2000" b="0" i="1" smtClean="0">
                             <a:latin typeface="Cambria Math"/>
                           </a:rPr>
                         </m:ctrlPr>
                       </m:sSupPr>
                       <m:e>
                         <m:r>
-                          <a:rPr lang="he-IL" b="0" i="1" smtClean="0">
+                          <a:rPr lang="he-IL" sz="2000" b="0" i="1" smtClean="0">
                             <a:latin typeface="Cambria Math"/>
                           </a:rPr>
                           <m:t>10</m:t>
@@ -5272,13 +5424,13 @@
                       </m:e>
                       <m:sup>
                         <m:r>
-                          <a:rPr lang="he-IL" b="0" i="1" smtClean="0">
+                          <a:rPr lang="he-IL" sz="2000" b="0" i="1" smtClean="0">
                             <a:latin typeface="Cambria Math"/>
                           </a:rPr>
                           <m:t>−</m:t>
                         </m:r>
                         <m:r>
-                          <a:rPr lang="he-IL" b="0" i="1" smtClean="0">
+                          <a:rPr lang="he-IL" sz="2000" b="0" i="1" smtClean="0">
                             <a:latin typeface="Cambria Math"/>
                           </a:rPr>
                           <m:t>4</m:t>
@@ -5288,17 +5440,12 @@
                   </m:oMath>
                 </a14:m>
                 <a:r>
-                  <a:rPr lang="he-IL" dirty="0" smtClean="0"/>
-                  <a:t> </a:t>
+                  <a:rPr lang="he-IL" sz="2000" dirty="0" smtClean="0"/>
+                  <a:t> מחתך הדוגמה</a:t>
                 </a:r>
-                <a:r>
-                  <a:rPr lang="he-IL" smtClean="0"/>
-                  <a:t>מחתך הדוגמה</a:t>
-                </a:r>
-                <a:endParaRPr lang="he-IL" dirty="0" smtClean="0"/>
               </a:p>
               <a:p>
-                <a:endParaRPr lang="he-IL" dirty="0"/>
+                <a:endParaRPr lang="he-IL" sz="2000" dirty="0"/>
               </a:p>
             </p:txBody>
           </p:sp>
@@ -5322,7 +5469,7 @@
               <a:blipFill rotWithShape="1">
                 <a:blip r:embed="rId2"/>
                 <a:stretch>
-                  <a:fillRect t="-4035" r="-519"/>
+                  <a:fillRect t="-1729" r="-741" b="-51585"/>
                 </a:stretch>
               </a:blipFill>
             </p:spPr>
@@ -5349,8 +5496,8 @@
         </p:nvSpPr>
         <p:spPr>
           <a:xfrm>
-            <a:off x="683568" y="3789040"/>
-            <a:ext cx="7776864" cy="369332"/>
+            <a:off x="683568" y="4366939"/>
+            <a:ext cx="7776864" cy="584775"/>
           </a:xfrm>
           <a:prstGeom prst="rect">
             <a:avLst/>
@@ -5363,11 +5510,32 @@
           </a:bodyPr>
           <a:lstStyle/>
           <a:p>
+            <a:pPr algn="ctr"/>
             <a:r>
-              <a:rPr lang="he-IL" dirty="0" smtClean="0"/>
-              <a:t>ניסויי המשך</a:t>
+              <a:rPr lang="he-IL" sz="3200" dirty="0">
+                <a:latin typeface="+mj-lt"/>
+                <a:ea typeface="+mj-ea"/>
+                <a:cs typeface="+mj-cs"/>
+              </a:rPr>
+              <a:t>ניסויי</a:t>
             </a:r>
-            <a:endParaRPr lang="he-IL" dirty="0"/>
+            <a:r>
+              <a:rPr lang="he-IL" sz="3200" dirty="0" smtClean="0"/>
+              <a:t> </a:t>
+            </a:r>
+            <a:r>
+              <a:rPr lang="he-IL" sz="3200" dirty="0">
+                <a:latin typeface="+mj-lt"/>
+                <a:ea typeface="+mj-ea"/>
+                <a:cs typeface="+mj-cs"/>
+              </a:rPr>
+              <a:t>המשך</a:t>
+            </a:r>
+            <a:endParaRPr lang="he-IL" sz="3200" dirty="0">
+              <a:latin typeface="+mj-lt"/>
+              <a:ea typeface="+mj-ea"/>
+              <a:cs typeface="+mj-cs"/>
+            </a:endParaRPr>
           </a:p>
         </p:txBody>
       </p:sp>
@@ -5388,96 +5556,357 @@
           </a:xfrm>
         </p:spPr>
         <p:txBody>
-          <a:bodyPr/>
+          <a:bodyPr>
+            <a:normAutofit/>
+          </a:bodyPr>
           <a:lstStyle/>
           <a:p>
             <a:r>
-              <a:rPr lang="he-IL" dirty="0" smtClean="0"/>
+              <a:rPr lang="he-IL" sz="3200" dirty="0" smtClean="0"/>
               <a:t>מודלים אפשריים לתוצאות</a:t>
             </a:r>
-            <a:endParaRPr lang="he-IL" dirty="0"/>
+            <a:endParaRPr lang="he-IL" sz="3200" dirty="0"/>
           </a:p>
         </p:txBody>
       </p:sp>
+      <mc:AlternateContent xmlns:mc="http://schemas.openxmlformats.org/markup-compatibility/2006">
+        <mc:Choice xmlns:a14="http://schemas.microsoft.com/office/drawing/2010/main" Requires="a14">
+          <p:sp>
+            <p:nvSpPr>
+              <p:cNvPr id="2" name="TextBox 1"/>
+              <p:cNvSpPr txBox="1"/>
+              <p:nvPr/>
+            </p:nvSpPr>
+            <p:spPr>
+              <a:xfrm>
+                <a:off x="1297335" y="4941168"/>
+                <a:ext cx="7344816" cy="1754326"/>
+              </a:xfrm>
+              <a:prstGeom prst="rect">
+                <a:avLst/>
+              </a:prstGeom>
+              <a:noFill/>
+            </p:spPr>
+            <p:txBody>
+              <a:bodyPr wrap="square" rtlCol="1">
+                <a:spAutoFit/>
+              </a:bodyPr>
+              <a:lstStyle/>
+              <a:p>
+                <a:pPr marL="285750" indent="-285750">
+                  <a:buFont typeface="Arial" pitchFamily="34" charset="0"/>
+                  <a:buChar char="•"/>
+                </a:pPr>
+                <a:r>
+                  <a:rPr lang="he-IL" sz="2400" dirty="0" smtClean="0"/>
+                  <a:t>למפות את </a:t>
+                </a:r>
+                <a14:m>
+                  <m:oMath xmlns:m="http://schemas.openxmlformats.org/officeDocument/2006/math">
+                    <m:r>
+                      <a:rPr lang="en-US" sz="2400" b="0" i="1" smtClean="0">
+                        <a:latin typeface="Cambria Math"/>
+                      </a:rPr>
+                      <m:t>𝑉</m:t>
+                    </m:r>
+                  </m:oMath>
+                </a14:m>
+                <a:r>
+                  <a:rPr lang="he-IL" sz="2400" dirty="0" smtClean="0"/>
+                  <a:t> תחת שינוי הפרמטרים: </a:t>
+                </a:r>
+                <a14:m>
+                  <m:oMath xmlns:m="http://schemas.openxmlformats.org/officeDocument/2006/math">
+                    <m:r>
+                      <a:rPr lang="en-US" sz="2400" b="0" i="1" smtClean="0">
+                        <a:latin typeface="Cambria Math"/>
+                      </a:rPr>
+                      <m:t>𝑇</m:t>
+                    </m:r>
+                    <m:r>
+                      <a:rPr lang="en-US" sz="2400" b="0" i="1" smtClean="0">
+                        <a:latin typeface="Cambria Math"/>
+                      </a:rPr>
+                      <m:t>,</m:t>
+                    </m:r>
+                    <m:sSub>
+                      <m:sSubPr>
+                        <m:ctrlPr>
+                          <a:rPr lang="en-US" sz="2400" b="0" i="1" smtClean="0">
+                            <a:latin typeface="Cambria Math"/>
+                          </a:rPr>
+                        </m:ctrlPr>
+                      </m:sSubPr>
+                      <m:e>
+                        <m:r>
+                          <a:rPr lang="en-US" sz="2400" b="0" i="1" smtClean="0">
+                            <a:latin typeface="Cambria Math"/>
+                          </a:rPr>
+                          <m:t>𝐻</m:t>
+                        </m:r>
+                      </m:e>
+                      <m:sub>
+                        <m:r>
+                          <a:rPr lang="en-US" sz="2400" b="0" i="1" smtClean="0">
+                            <a:latin typeface="Cambria Math"/>
+                          </a:rPr>
+                          <m:t>𝑐𝑜𝑖𝑙</m:t>
+                        </m:r>
+                      </m:sub>
+                    </m:sSub>
+                    <m:r>
+                      <a:rPr lang="en-US" sz="2400" b="0" i="1" smtClean="0">
+                        <a:latin typeface="Cambria Math"/>
+                      </a:rPr>
+                      <m:t> ,</m:t>
+                    </m:r>
+                    <m:sSub>
+                      <m:sSubPr>
+                        <m:ctrlPr>
+                          <a:rPr lang="en-US" sz="2400" b="0" i="1" smtClean="0">
+                            <a:latin typeface="Cambria Math"/>
+                          </a:rPr>
+                        </m:ctrlPr>
+                      </m:sSubPr>
+                      <m:e>
+                        <m:r>
+                          <a:rPr lang="en-US" sz="2400" b="0" i="1" smtClean="0">
+                            <a:latin typeface="Cambria Math"/>
+                          </a:rPr>
+                          <m:t>𝐼</m:t>
+                        </m:r>
+                      </m:e>
+                      <m:sub>
+                        <m:r>
+                          <a:rPr lang="en-US" sz="2400" b="0" i="1" smtClean="0">
+                            <a:latin typeface="Cambria Math"/>
+                          </a:rPr>
+                          <m:t>𝑖𝑛𝑡</m:t>
+                        </m:r>
+                      </m:sub>
+                    </m:sSub>
+                  </m:oMath>
+                </a14:m>
+                <a:r>
+                  <a:rPr lang="he-IL" sz="2400" dirty="0" smtClean="0"/>
+                  <a:t> (כולל שינוי סימן ב- </a:t>
+                </a:r>
+                <a14:m>
+                  <m:oMath xmlns:m="http://schemas.openxmlformats.org/officeDocument/2006/math">
+                    <m:sSub>
+                      <m:sSubPr>
+                        <m:ctrlPr>
+                          <a:rPr lang="he-IL" sz="2400" b="0" i="1" smtClean="0">
+                            <a:latin typeface="Cambria Math"/>
+                          </a:rPr>
+                        </m:ctrlPr>
+                      </m:sSubPr>
+                      <m:e>
+                        <m:r>
+                          <a:rPr lang="en-US" sz="2400" b="0" i="1" smtClean="0">
+                            <a:latin typeface="Cambria Math"/>
+                          </a:rPr>
+                          <m:t>𝐻</m:t>
+                        </m:r>
+                      </m:e>
+                      <m:sub>
+                        <m:r>
+                          <a:rPr lang="en-US" sz="2400" b="0" i="1" smtClean="0">
+                            <a:latin typeface="Cambria Math"/>
+                          </a:rPr>
+                          <m:t>𝑐𝑜𝑖𝑙</m:t>
+                        </m:r>
+                      </m:sub>
+                    </m:sSub>
+                  </m:oMath>
+                </a14:m>
+                <a:r>
+                  <a:rPr lang="he-IL" sz="2400" dirty="0" smtClean="0"/>
+                  <a:t>)</a:t>
+                </a:r>
+              </a:p>
+              <a:p>
+                <a:pPr marL="285750" indent="-285750">
+                  <a:buFont typeface="Arial" pitchFamily="34" charset="0"/>
+                  <a:buChar char="•"/>
+                </a:pPr>
+                <a:r>
+                  <a:rPr lang="he-IL" sz="2000" dirty="0" smtClean="0"/>
+                  <a:t>האם ב- </a:t>
+                </a:r>
+                <a14:m>
+                  <m:oMath xmlns:m="http://schemas.openxmlformats.org/officeDocument/2006/math">
+                    <m:r>
+                      <a:rPr lang="en-US" sz="2000" b="0" i="1" smtClean="0">
+                        <a:latin typeface="Cambria Math"/>
+                      </a:rPr>
+                      <m:t>𝑇</m:t>
+                    </m:r>
+                    <m:r>
+                      <a:rPr lang="en-US" sz="2000" b="0" i="1" smtClean="0">
+                        <a:latin typeface="Cambria Math"/>
+                      </a:rPr>
+                      <m:t>≈</m:t>
+                    </m:r>
+                    <m:sSub>
+                      <m:sSubPr>
+                        <m:ctrlPr>
+                          <a:rPr lang="en-US" sz="2000" b="0" i="1" smtClean="0">
+                            <a:latin typeface="Cambria Math"/>
+                          </a:rPr>
+                        </m:ctrlPr>
+                      </m:sSubPr>
+                      <m:e>
+                        <m:r>
+                          <a:rPr lang="en-US" sz="2000" b="0" i="1" smtClean="0">
+                            <a:latin typeface="Cambria Math"/>
+                          </a:rPr>
+                          <m:t>𝑇</m:t>
+                        </m:r>
+                      </m:e>
+                      <m:sub>
+                        <m:r>
+                          <a:rPr lang="en-US" sz="2000" b="0" i="1" smtClean="0">
+                            <a:latin typeface="Cambria Math"/>
+                          </a:rPr>
+                          <m:t>𝑐</m:t>
+                        </m:r>
+                      </m:sub>
+                    </m:sSub>
+                  </m:oMath>
+                </a14:m>
+                <a:r>
+                  <a:rPr lang="he-IL" sz="2000" dirty="0" smtClean="0"/>
+                  <a:t> , </a:t>
+                </a:r>
+                <a14:m>
+                  <m:oMath xmlns:m="http://schemas.openxmlformats.org/officeDocument/2006/math">
+                    <m:sSub>
+                      <m:sSubPr>
+                        <m:ctrlPr>
+                          <a:rPr lang="he-IL" sz="2000" b="0" i="1" smtClean="0">
+                            <a:latin typeface="Cambria Math"/>
+                          </a:rPr>
+                        </m:ctrlPr>
+                      </m:sSubPr>
+                      <m:e>
+                        <m:r>
+                          <a:rPr lang="en-US" sz="2000" b="0" i="1" smtClean="0">
+                            <a:latin typeface="Cambria Math"/>
+                          </a:rPr>
+                          <m:t>𝐼</m:t>
+                        </m:r>
+                      </m:e>
+                      <m:sub>
+                        <m:r>
+                          <a:rPr lang="en-US" sz="2000" b="0" i="1" smtClean="0">
+                            <a:latin typeface="Cambria Math"/>
+                          </a:rPr>
+                          <m:t>𝑖𝑛𝑡</m:t>
+                        </m:r>
+                      </m:sub>
+                    </m:sSub>
+                    <m:r>
+                      <a:rPr lang="en-US" sz="2000" b="0" i="1" smtClean="0">
+                        <a:latin typeface="Cambria Math"/>
+                      </a:rPr>
+                      <m:t>=</m:t>
+                    </m:r>
+                    <m:r>
+                      <a:rPr lang="en-US" sz="2000" b="0" i="1" smtClean="0">
+                        <a:latin typeface="Cambria Math"/>
+                      </a:rPr>
+                      <m:t>0</m:t>
+                    </m:r>
+                  </m:oMath>
+                </a14:m>
+                <a:r>
+                  <a:rPr lang="he-IL" sz="2000" dirty="0" smtClean="0"/>
+                  <a:t> נוכל לקבל </a:t>
+                </a:r>
+                <a14:m>
+                  <m:oMath xmlns:m="http://schemas.openxmlformats.org/officeDocument/2006/math">
+                    <m:r>
+                      <a:rPr lang="en-US" sz="2000" b="0" i="1" smtClean="0">
+                        <a:latin typeface="Cambria Math"/>
+                      </a:rPr>
+                      <m:t>𝑉</m:t>
+                    </m:r>
+                    <m:r>
+                      <a:rPr lang="he-IL" sz="2000" b="0" i="1" smtClean="0">
+                        <a:latin typeface="Cambria Math"/>
+                      </a:rPr>
+                      <m:t>≠</m:t>
+                    </m:r>
+                    <m:r>
+                      <a:rPr lang="en-US" sz="2000" b="0" i="1" smtClean="0">
+                        <a:latin typeface="Cambria Math"/>
+                      </a:rPr>
+                      <m:t>0</m:t>
+                    </m:r>
+                  </m:oMath>
+                </a14:m>
+                <a:r>
+                  <a:rPr lang="he-IL" sz="2000" dirty="0" smtClean="0"/>
+                  <a:t>?</a:t>
+                </a:r>
+              </a:p>
+              <a:p>
+                <a:pPr marL="285750" indent="-285750">
+                  <a:buFont typeface="Arial" pitchFamily="34" charset="0"/>
+                  <a:buChar char="•"/>
+                </a:pPr>
+                <a:r>
+                  <a:rPr lang="he-IL" sz="2000" dirty="0" smtClean="0"/>
+                  <a:t>להשתמש בהתקן מדידה עם תיל מצד אחד בלבד (להבדיל בין יצירת מערבולות נטו להעברה)</a:t>
+                </a:r>
+              </a:p>
+            </p:txBody>
+          </p:sp>
+        </mc:Choice>
+        <mc:Fallback>
+          <p:sp>
+            <p:nvSpPr>
+              <p:cNvPr id="2" name="TextBox 1"/>
+              <p:cNvSpPr txBox="1">
+                <a:spLocks noRot="1" noChangeAspect="1" noMove="1" noResize="1" noEditPoints="1" noAdjustHandles="1" noChangeArrowheads="1" noChangeShapeType="1" noTextEdit="1"/>
+              </p:cNvSpPr>
+              <p:nvPr/>
+            </p:nvSpPr>
+            <p:spPr>
+              <a:xfrm>
+                <a:off x="1297335" y="4941168"/>
+                <a:ext cx="7344816" cy="1754326"/>
+              </a:xfrm>
+              <a:prstGeom prst="rect">
+                <a:avLst/>
+              </a:prstGeom>
+              <a:blipFill rotWithShape="1">
+                <a:blip r:embed="rId3"/>
+                <a:stretch>
+                  <a:fillRect t="-2439" r="-1162" b="-5923"/>
+                </a:stretch>
+              </a:blipFill>
+            </p:spPr>
+            <p:txBody>
+              <a:bodyPr/>
+              <a:lstStyle/>
+              <a:p>
+                <a:r>
+                  <a:rPr lang="he-IL">
+                    <a:noFill/>
+                  </a:rPr>
+                  <a:t> </a:t>
+                </a:r>
+              </a:p>
+            </p:txBody>
+          </p:sp>
+        </mc:Fallback>
+      </mc:AlternateContent>
     </p:spTree>
     <p:extLst>
       <p:ext uri="{BB962C8B-B14F-4D97-AF65-F5344CB8AC3E}">
         <p14:creationId xmlns:p14="http://schemas.microsoft.com/office/powerpoint/2010/main" val="1614180779"/>
-      </p:ext>
-    </p:extLst>
-  </p:cSld>
-  <p:clrMapOvr>
-    <a:masterClrMapping/>
-  </p:clrMapOvr>
-  <p:timing>
-    <p:tnLst>
-      <p:par>
-        <p:cTn id="1" dur="indefinite" restart="never" nodeType="tmRoot"/>
-      </p:par>
-    </p:tnLst>
-  </p:timing>
-</p:sld>
-</file>
-
-<file path=ppt/slides/slide13.xml><?xml version="1.0" encoding="utf-8"?>
-<p:sld xmlns:a="http://schemas.openxmlformats.org/drawingml/2006/main" xmlns:r="http://schemas.openxmlformats.org/officeDocument/2006/relationships" xmlns:p="http://schemas.openxmlformats.org/presentationml/2006/main">
-  <p:cSld>
-    <p:spTree>
-      <p:nvGrpSpPr>
-        <p:cNvPr id="1" name=""/>
-        <p:cNvGrpSpPr/>
-        <p:nvPr/>
-      </p:nvGrpSpPr>
-      <p:grpSpPr>
-        <a:xfrm>
-          <a:off x="0" y="0"/>
-          <a:ext cx="0" cy="0"/>
-          <a:chOff x="0" y="0"/>
-          <a:chExt cx="0" cy="0"/>
-        </a:xfrm>
-      </p:grpSpPr>
-      <p:sp>
-        <p:nvSpPr>
-          <p:cNvPr id="2" name="Title 1"/>
-          <p:cNvSpPr>
-            <a:spLocks noGrp="1"/>
-          </p:cNvSpPr>
-          <p:nvPr>
-            <p:ph type="title"/>
-          </p:nvPr>
-        </p:nvSpPr>
-        <p:spPr/>
-        <p:txBody>
-          <a:bodyPr/>
-          <a:lstStyle/>
-          <a:p>
-            <a:endParaRPr lang="he-IL"/>
-          </a:p>
-        </p:txBody>
-      </p:sp>
-      <p:sp>
-        <p:nvSpPr>
-          <p:cNvPr id="3" name="Content Placeholder 2"/>
-          <p:cNvSpPr>
-            <a:spLocks noGrp="1"/>
-          </p:cNvSpPr>
-          <p:nvPr>
-            <p:ph idx="1"/>
-          </p:nvPr>
-        </p:nvSpPr>
-        <p:spPr/>
-        <p:txBody>
-          <a:bodyPr/>
-          <a:lstStyle/>
-          <a:p>
-            <a:endParaRPr lang="he-IL"/>
-          </a:p>
-        </p:txBody>
-      </p:sp>
-    </p:spTree>
-    <p:extLst>
-      <p:ext uri="{BB962C8B-B14F-4D97-AF65-F5344CB8AC3E}">
-        <p14:creationId xmlns:p14="http://schemas.microsoft.com/office/powerpoint/2010/main" val="2177154049"/>
       </p:ext>
     </p:extLst>
   </p:cSld>
@@ -5585,7 +6014,17 @@
           <a:p>
             <a:r>
               <a:rPr lang="he-IL" dirty="0" smtClean="0"/>
-              <a:t>כוח במעלה השדה או מורד?</a:t>
+              <a:t>כוח במעלה השדה או מורד</a:t>
+            </a:r>
+            <a:r>
+              <a:rPr lang="he-IL" dirty="0" smtClean="0"/>
+              <a:t>?</a:t>
+            </a:r>
+          </a:p>
+          <a:p>
+            <a:r>
+              <a:rPr lang="he-IL" dirty="0" smtClean="0"/>
+              <a:t>לוותר בולטים?</a:t>
             </a:r>
             <a:endParaRPr lang="he-IL" dirty="0"/>
           </a:p>
@@ -5748,8 +6187,8 @@
           </a:extLst>
         </p:spPr>
       </p:pic>
-      <mc:AlternateContent xmlns:mc="http://schemas.openxmlformats.org/markup-compatibility/2006">
-        <mc:Choice xmlns:a14="http://schemas.microsoft.com/office/drawing/2010/main" Requires="a14">
+      <mc:AlternateContent xmlns:mc="http://schemas.openxmlformats.org/markup-compatibility/2006" xmlns:a14="http://schemas.microsoft.com/office/drawing/2010/main">
+        <mc:Choice Requires="a14">
           <p:sp>
             <p:nvSpPr>
               <p:cNvPr id="3" name="Content Placeholder 2"/>
@@ -6005,7 +6444,7 @@
             </p:txBody>
           </p:sp>
         </mc:Choice>
-        <mc:Fallback>
+        <mc:Fallback xmlns="">
           <p:sp>
             <p:nvSpPr>
               <p:cNvPr id="3" name="Content Placeholder 2"/>
@@ -6080,8 +6519,8 @@
           <a:chExt cx="0" cy="0"/>
         </a:xfrm>
       </p:grpSpPr>
-      <mc:AlternateContent xmlns:mc="http://schemas.openxmlformats.org/markup-compatibility/2006">
-        <mc:Choice xmlns:a14="http://schemas.microsoft.com/office/drawing/2010/main" Requires="a14">
+      <mc:AlternateContent xmlns:mc="http://schemas.openxmlformats.org/markup-compatibility/2006" xmlns:a14="http://schemas.microsoft.com/office/drawing/2010/main">
+        <mc:Choice Requires="a14">
           <p:sp>
             <p:nvSpPr>
               <p:cNvPr id="3" name="Content Placeholder 2"/>
@@ -6530,7 +6969,7 @@
             </p:txBody>
           </p:sp>
         </mc:Choice>
-        <mc:Fallback>
+        <mc:Fallback xmlns="">
           <p:sp>
             <p:nvSpPr>
               <p:cNvPr id="3" name="Content Placeholder 2"/>
@@ -6605,82 +7044,146 @@
           <a:chExt cx="0" cy="0"/>
         </a:xfrm>
       </p:grpSpPr>
-      <p:sp>
-        <p:nvSpPr>
-          <p:cNvPr id="3" name="Content Placeholder 2"/>
-          <p:cNvSpPr>
-            <a:spLocks noGrp="1"/>
-          </p:cNvSpPr>
-          <p:nvPr>
-            <p:ph idx="1"/>
-          </p:nvPr>
-        </p:nvSpPr>
-        <p:spPr>
-          <a:xfrm>
-            <a:off x="4725245" y="836712"/>
-            <a:ext cx="4311251" cy="5260909"/>
-          </a:xfrm>
-        </p:spPr>
-        <p:txBody>
-          <a:bodyPr/>
-          <a:lstStyle/>
-          <a:p>
-            <a:r>
-              <a:rPr lang="he-IL" dirty="0" smtClean="0"/>
-              <a:t>על מוליך מסוג </a:t>
-            </a:r>
-            <a:r>
-              <a:rPr lang="en-US" dirty="0" err="1" smtClean="0"/>
-              <a:t>BiPbSrCaCuO</a:t>
-            </a:r>
-            <a:r>
-              <a:rPr lang="he-IL" dirty="0" smtClean="0"/>
-              <a:t> בתוך התקן</a:t>
-            </a:r>
-            <a:endParaRPr lang="en-US" dirty="0" smtClean="0"/>
-          </a:p>
-          <a:p>
-            <a:r>
-              <a:rPr lang="he-IL" dirty="0" smtClean="0"/>
-              <a:t>מדידת </a:t>
-            </a:r>
-            <a:r>
-              <a:rPr lang="en-US" dirty="0" smtClean="0"/>
-              <a:t>V(I)</a:t>
-            </a:r>
-            <a:r>
-              <a:rPr lang="he-IL" dirty="0" smtClean="0"/>
-              <a:t> עם </a:t>
-            </a:r>
-            <a:r>
-              <a:rPr lang="en-US" dirty="0" smtClean="0"/>
-              <a:t>4-probe</a:t>
-            </a:r>
-            <a:endParaRPr lang="he-IL" dirty="0" smtClean="0"/>
-          </a:p>
-          <a:p>
-            <a:r>
-              <a:rPr lang="he-IL" dirty="0" smtClean="0"/>
-              <a:t>קירור עם חנקן נוזלי (77</a:t>
-            </a:r>
-            <a:r>
-              <a:rPr lang="en-US" dirty="0"/>
-              <a:t>K</a:t>
-            </a:r>
-            <a:r>
-              <a:rPr lang="he-IL" dirty="0" smtClean="0"/>
-              <a:t>)</a:t>
-            </a:r>
-          </a:p>
-          <a:p>
-            <a:r>
-              <a:rPr lang="he-IL" dirty="0" smtClean="0"/>
-              <a:t>השריית שדה מגנטי ע"י זרם בסליל סביב החומר</a:t>
-            </a:r>
-            <a:endParaRPr lang="en-US" dirty="0" smtClean="0"/>
-          </a:p>
-        </p:txBody>
-      </p:sp>
+      <mc:AlternateContent xmlns:mc="http://schemas.openxmlformats.org/markup-compatibility/2006">
+        <mc:Choice xmlns:a14="http://schemas.microsoft.com/office/drawing/2010/main" Requires="a14">
+          <p:sp>
+            <p:nvSpPr>
+              <p:cNvPr id="3" name="Content Placeholder 2"/>
+              <p:cNvSpPr>
+                <a:spLocks noGrp="1"/>
+              </p:cNvSpPr>
+              <p:nvPr>
+                <p:ph idx="1"/>
+              </p:nvPr>
+            </p:nvSpPr>
+            <p:spPr>
+              <a:xfrm>
+                <a:off x="4725245" y="836712"/>
+                <a:ext cx="4311251" cy="5260909"/>
+              </a:xfrm>
+            </p:spPr>
+            <p:txBody>
+              <a:bodyPr/>
+              <a:lstStyle/>
+              <a:p>
+                <a:r>
+                  <a:rPr lang="he-IL" dirty="0" smtClean="0"/>
+                  <a:t>על מוליך מסוג </a:t>
+                </a:r>
+                <a:r>
+                  <a:rPr lang="en-US" dirty="0" err="1" smtClean="0"/>
+                  <a:t>BiPbSrCaCuO</a:t>
+                </a:r>
+                <a:r>
+                  <a:rPr lang="he-IL" dirty="0" smtClean="0"/>
+                  <a:t> בתוך התקן</a:t>
+                </a:r>
+                <a:endParaRPr lang="en-US" dirty="0" smtClean="0"/>
+              </a:p>
+              <a:p>
+                <a:r>
+                  <a:rPr lang="he-IL" dirty="0" smtClean="0"/>
+                  <a:t>מדידת </a:t>
+                </a:r>
+                <a:r>
+                  <a:rPr lang="en-US" dirty="0" smtClean="0"/>
+                  <a:t>V(I)</a:t>
+                </a:r>
+                <a:r>
+                  <a:rPr lang="he-IL" dirty="0" smtClean="0"/>
+                  <a:t> עם </a:t>
+                </a:r>
+                <a:r>
+                  <a:rPr lang="en-US" dirty="0" smtClean="0"/>
+                  <a:t>4-probe</a:t>
+                </a:r>
+                <a:endParaRPr lang="he-IL" dirty="0" smtClean="0"/>
+              </a:p>
+              <a:p>
+                <a:r>
+                  <a:rPr lang="he-IL" dirty="0" smtClean="0"/>
+                  <a:t>קירור עם חנקן </a:t>
+                </a:r>
+                <a:r>
+                  <a:rPr lang="he-IL" dirty="0" smtClean="0"/>
+                  <a:t>נוזלי(</a:t>
+                </a:r>
+                <a14:m>
+                  <m:oMath xmlns:m="http://schemas.openxmlformats.org/officeDocument/2006/math">
+                    <m:r>
+                      <a:rPr lang="en-US" b="0" i="1" smtClean="0">
+                        <a:latin typeface="Cambria Math"/>
+                      </a:rPr>
+                      <m:t>77</m:t>
+                    </m:r>
+                    <m:r>
+                      <a:rPr lang="en-US" b="0" i="1" smtClean="0">
+                        <a:latin typeface="Cambria Math"/>
+                      </a:rPr>
+                      <m:t>°</m:t>
+                    </m:r>
+                    <m:r>
+                      <a:rPr lang="en-US" b="0" i="1" smtClean="0">
+                        <a:latin typeface="Cambria Math"/>
+                      </a:rPr>
+                      <m:t>𝐾</m:t>
+                    </m:r>
+                  </m:oMath>
+                </a14:m>
+                <a:r>
+                  <a:rPr lang="he-IL" dirty="0" smtClean="0"/>
+                  <a:t>)</a:t>
+                </a:r>
+                <a:endParaRPr lang="he-IL" dirty="0" smtClean="0"/>
+              </a:p>
+              <a:p>
+                <a:r>
+                  <a:rPr lang="he-IL" dirty="0" smtClean="0"/>
+                  <a:t>השריית שדה מגנטי ע"י זרם בסליל סביב החומר</a:t>
+                </a:r>
+                <a:endParaRPr lang="en-US" dirty="0" smtClean="0"/>
+              </a:p>
+            </p:txBody>
+          </p:sp>
+        </mc:Choice>
+        <mc:Fallback>
+          <p:sp>
+            <p:nvSpPr>
+              <p:cNvPr id="3" name="Content Placeholder 2"/>
+              <p:cNvSpPr>
+                <a:spLocks noGrp="1" noRot="1" noChangeAspect="1" noMove="1" noResize="1" noEditPoints="1" noAdjustHandles="1" noChangeArrowheads="1" noChangeShapeType="1" noTextEdit="1"/>
+              </p:cNvSpPr>
+              <p:nvPr>
+                <p:ph idx="1"/>
+              </p:nvPr>
+            </p:nvSpPr>
+            <p:spPr>
+              <a:xfrm>
+                <a:off x="4725245" y="836712"/>
+                <a:ext cx="4311251" cy="5260909"/>
+              </a:xfrm>
+              <a:blipFill rotWithShape="1">
+                <a:blip r:embed="rId2"/>
+                <a:stretch>
+                  <a:fillRect l="-2263" t="-1506" r="-3536"/>
+                </a:stretch>
+              </a:blipFill>
+            </p:spPr>
+            <p:txBody>
+              <a:bodyPr/>
+              <a:lstStyle/>
+              <a:p>
+                <a:r>
+                  <a:rPr lang="he-IL">
+                    <a:noFill/>
+                  </a:rPr>
+                  <a:t> </a:t>
+                </a:r>
+              </a:p>
+            </p:txBody>
+          </p:sp>
+        </mc:Fallback>
+      </mc:AlternateContent>
       <p:grpSp>
         <p:nvGrpSpPr>
           <p:cNvPr id="160" name="Group 159"/>
@@ -9401,7 +9904,7 @@
                         <a:avLst/>
                       </a:prstGeom>
                       <a:blipFill rotWithShape="1">
-                        <a:blip r:embed="rId2"/>
+                        <a:blip r:embed="rId3"/>
                         <a:stretch>
                           <a:fillRect r="-246429"/>
                         </a:stretch>
@@ -9915,7 +10418,7 @@
                       <a:avLst/>
                     </a:prstGeom>
                     <a:blipFill rotWithShape="1">
-                      <a:blip r:embed="rId3"/>
+                      <a:blip r:embed="rId4"/>
                       <a:stretch>
                         <a:fillRect r="-442857"/>
                       </a:stretch>
@@ -24940,8 +25443,8 @@
             </p:txBody>
           </p:sp>
         </p:grpSp>
-        <mc:AlternateContent xmlns:mc="http://schemas.openxmlformats.org/markup-compatibility/2006">
-          <mc:Choice xmlns:a14="http://schemas.microsoft.com/office/drawing/2010/main" Requires="a14">
+        <mc:AlternateContent xmlns:mc="http://schemas.openxmlformats.org/markup-compatibility/2006" xmlns:a14="http://schemas.microsoft.com/office/drawing/2010/main">
+          <mc:Choice Requires="a14">
             <p:sp>
               <p:nvSpPr>
                 <p:cNvPr id="5" name="TextBox 268"/>
@@ -25098,7 +25601,7 @@
               </p:txBody>
             </p:sp>
           </mc:Choice>
-          <mc:Fallback>
+          <mc:Fallback xmlns="">
             <p:sp>
               <p:nvSpPr>
                 <p:cNvPr id="5" name="TextBox 268"/>
@@ -25116,7 +25619,7 @@
                   <a:avLst/>
                 </a:prstGeom>
                 <a:blipFill rotWithShape="1">
-                  <a:blip r:embed="rId4"/>
+                  <a:blip r:embed="rId5"/>
                   <a:stretch>
                     <a:fillRect r="-207143" b="-1667"/>
                   </a:stretch>
@@ -36577,8 +37080,8 @@
         </p:nvSpPr>
         <p:spPr>
           <a:xfrm>
-            <a:off x="779541" y="2715841"/>
-            <a:ext cx="2376264" cy="923330"/>
+            <a:off x="2446317" y="418800"/>
+            <a:ext cx="2760269" cy="1200329"/>
           </a:xfrm>
           <a:prstGeom prst="rect">
             <a:avLst/>
@@ -36592,18 +37095,18 @@
           <a:lstStyle/>
           <a:p>
             <a:r>
-              <a:rPr lang="he-IL" dirty="0" smtClean="0"/>
+              <a:rPr lang="he-IL" sz="2400" dirty="0" smtClean="0"/>
               <a:t>תילים משני </a:t>
             </a:r>
             <a:r>
-              <a:rPr lang="he-IL" dirty="0" err="1" smtClean="0"/>
+              <a:rPr lang="he-IL" sz="2400" dirty="0" err="1" smtClean="0"/>
               <a:t>צידי</a:t>
             </a:r>
             <a:r>
-              <a:rPr lang="he-IL" dirty="0" smtClean="0"/>
+              <a:rPr lang="he-IL" sz="2400" dirty="0" smtClean="0"/>
               <a:t> הדוגמה משרים שדה המשתנה לרוחבה</a:t>
             </a:r>
-            <a:endParaRPr lang="he-IL" dirty="0"/>
+            <a:endParaRPr lang="he-IL" sz="2400" dirty="0"/>
           </a:p>
         </p:txBody>
       </p:sp>
@@ -36644,8 +37147,8 @@
           <a:chExt cx="0" cy="0"/>
         </a:xfrm>
       </p:grpSpPr>
-      <mc:AlternateContent xmlns:mc="http://schemas.openxmlformats.org/markup-compatibility/2006" xmlns:a14="http://schemas.microsoft.com/office/drawing/2010/main">
-        <mc:Choice Requires="a14">
+      <mc:AlternateContent xmlns:mc="http://schemas.openxmlformats.org/markup-compatibility/2006">
+        <mc:Choice xmlns:a14="http://schemas.microsoft.com/office/drawing/2010/main" Requires="a14">
           <p:sp>
             <p:nvSpPr>
               <p:cNvPr id="3" name="Content Placeholder 2"/>
@@ -36659,12 +37162,12 @@
             <p:spPr>
               <a:xfrm>
                 <a:off x="4361795" y="908719"/>
-                <a:ext cx="4618856" cy="3168351"/>
+                <a:ext cx="4618856" cy="4608513"/>
               </a:xfrm>
             </p:spPr>
             <p:txBody>
               <a:bodyPr>
-                <a:normAutofit fontScale="85000" lnSpcReduction="20000"/>
+                <a:normAutofit lnSpcReduction="10000"/>
               </a:bodyPr>
               <a:lstStyle/>
               <a:p>
@@ -37077,7 +37580,7 @@
             </p:txBody>
           </p:sp>
         </mc:Choice>
-        <mc:Fallback xmlns="">
+        <mc:Fallback>
           <p:sp>
             <p:nvSpPr>
               <p:cNvPr id="3" name="Content Placeholder 2"/>
@@ -37091,12 +37594,12 @@
             <p:spPr>
               <a:xfrm>
                 <a:off x="4361795" y="908719"/>
-                <a:ext cx="4618856" cy="3168351"/>
+                <a:ext cx="4618856" cy="4608513"/>
               </a:xfrm>
               <a:blipFill rotWithShape="1">
                 <a:blip r:embed="rId2"/>
                 <a:stretch>
-                  <a:fillRect l="-1982" t="-4231" r="-2510"/>
+                  <a:fillRect l="-4359" t="-3042" r="-3303"/>
                 </a:stretch>
               </a:blipFill>
             </p:spPr>
@@ -37200,8 +37703,8 @@
             </p:nvSpPr>
             <p:spPr>
               <a:xfrm>
-                <a:off x="683568" y="548680"/>
-                <a:ext cx="8229600" cy="4525963"/>
+                <a:off x="4932040" y="548681"/>
+                <a:ext cx="3981128" cy="2952328"/>
               </a:xfrm>
             </p:spPr>
             <p:txBody>
@@ -37263,13 +37766,13 @@
             </p:nvSpPr>
             <p:spPr>
               <a:xfrm>
-                <a:off x="683568" y="548680"/>
-                <a:ext cx="8229600" cy="4525963"/>
+                <a:off x="4932040" y="548681"/>
+                <a:ext cx="3981128" cy="2952328"/>
               </a:xfrm>
               <a:blipFill rotWithShape="1">
                 <a:blip r:embed="rId2"/>
                 <a:stretch>
-                  <a:fillRect t="-1752" r="-1852"/>
+                  <a:fillRect t="-2686" r="-3828"/>
                 </a:stretch>
               </a:blipFill>
             </p:spPr>
@@ -37311,8 +37814,8 @@
         </p:blipFill>
         <p:spPr bwMode="auto">
           <a:xfrm>
-            <a:off x="-324544" y="980728"/>
-            <a:ext cx="6203458" cy="3096344"/>
+            <a:off x="2123728" y="2708920"/>
+            <a:ext cx="7501856" cy="3744416"/>
           </a:xfrm>
           <a:prstGeom prst="rect">
             <a:avLst/>
@@ -37352,7 +37855,7 @@
         </p:blipFill>
         <p:spPr bwMode="auto">
           <a:xfrm>
-            <a:off x="3330224" y="3717032"/>
+            <a:off x="19050" y="63674"/>
             <a:ext cx="5597751" cy="2908683"/>
           </a:xfrm>
           <a:prstGeom prst="rect">

--- a/poster.pptx
+++ b/poster.pptx
@@ -5,21 +5,20 @@
     <p:sldMasterId id="2147483648" r:id="rId1"/>
   </p:sldMasterIdLst>
   <p:notesMasterIdLst>
-    <p:notesMasterId r:id="rId14"/>
+    <p:notesMasterId r:id="rId13"/>
   </p:notesMasterIdLst>
   <p:sldIdLst>
     <p:sldId id="256" r:id="rId2"/>
-    <p:sldId id="267" r:id="rId3"/>
-    <p:sldId id="257" r:id="rId4"/>
-    <p:sldId id="268" r:id="rId5"/>
-    <p:sldId id="269" r:id="rId6"/>
-    <p:sldId id="259" r:id="rId7"/>
-    <p:sldId id="260" r:id="rId8"/>
-    <p:sldId id="261" r:id="rId9"/>
-    <p:sldId id="270" r:id="rId10"/>
-    <p:sldId id="262" r:id="rId11"/>
-    <p:sldId id="263" r:id="rId12"/>
-    <p:sldId id="264" r:id="rId13"/>
+    <p:sldId id="257" r:id="rId3"/>
+    <p:sldId id="268" r:id="rId4"/>
+    <p:sldId id="269" r:id="rId5"/>
+    <p:sldId id="259" r:id="rId6"/>
+    <p:sldId id="260" r:id="rId7"/>
+    <p:sldId id="261" r:id="rId8"/>
+    <p:sldId id="270" r:id="rId9"/>
+    <p:sldId id="262" r:id="rId10"/>
+    <p:sldId id="263" r:id="rId11"/>
+    <p:sldId id="264" r:id="rId12"/>
   </p:sldIdLst>
   <p:sldSz cx="9144000" cy="6858000" type="screen4x3"/>
   <p:notesSz cx="6789738" cy="9929813"/>
@@ -118,6 +117,22 @@
       </a:defRPr>
     </a:lvl9pPr>
   </p:defaultTextStyle>
+  <p:extLst>
+    <p:ext uri="{EFAFB233-063F-42B5-8137-9DF3F51BA10A}">
+      <p15:sldGuideLst xmlns:p15="http://schemas.microsoft.com/office/powerpoint/2012/main">
+        <p15:guide id="1" orient="horz" pos="2160">
+          <p15:clr>
+            <a:srgbClr val="A4A3A4"/>
+          </p15:clr>
+        </p15:guide>
+        <p15:guide id="2" pos="2880">
+          <p15:clr>
+            <a:srgbClr val="A4A3A4"/>
+          </p15:clr>
+        </p15:guide>
+      </p15:sldGuideLst>
+    </p:ext>
+  </p:extLst>
 </p:presentation>
 </file>
 
@@ -203,7 +218,7 @@
           <a:p>
             <a:fld id="{1E85E515-09CF-4A79-9E3E-7BA494E91A78}" type="datetimeFigureOut">
               <a:rPr lang="he-IL" smtClean="0"/>
-              <a:t>י'/סיון/תשע"ו</a:t>
+              <a:t>י"א/סיון/תשע"ו</a:t>
             </a:fld>
             <a:endParaRPr lang="he-IL"/>
           </a:p>
@@ -562,7 +577,7 @@
           <a:p>
             <a:fld id="{90950B23-790B-468D-9E46-88AD0039DAB8}" type="slidenum">
               <a:rPr lang="he-IL" smtClean="0"/>
-              <a:t>4</a:t>
+              <a:t>3</a:t>
             </a:fld>
             <a:endParaRPr lang="he-IL"/>
           </a:p>
@@ -762,7 +777,7 @@
           <a:p>
             <a:fld id="{EF45E86C-8F83-45BC-8EDB-389DFE21BAD7}" type="datetimeFigureOut">
               <a:rPr lang="he-IL" smtClean="0"/>
-              <a:t>י'/סיון/תשע"ו</a:t>
+              <a:t>י"א/סיון/תשע"ו</a:t>
             </a:fld>
             <a:endParaRPr lang="he-IL"/>
           </a:p>
@@ -932,7 +947,7 @@
           <a:p>
             <a:fld id="{EF45E86C-8F83-45BC-8EDB-389DFE21BAD7}" type="datetimeFigureOut">
               <a:rPr lang="he-IL" smtClean="0"/>
-              <a:t>י'/סיון/תשע"ו</a:t>
+              <a:t>י"א/סיון/תשע"ו</a:t>
             </a:fld>
             <a:endParaRPr lang="he-IL"/>
           </a:p>
@@ -1112,7 +1127,7 @@
           <a:p>
             <a:fld id="{EF45E86C-8F83-45BC-8EDB-389DFE21BAD7}" type="datetimeFigureOut">
               <a:rPr lang="he-IL" smtClean="0"/>
-              <a:t>י'/סיון/תשע"ו</a:t>
+              <a:t>י"א/סיון/תשע"ו</a:t>
             </a:fld>
             <a:endParaRPr lang="he-IL"/>
           </a:p>
@@ -1282,7 +1297,7 @@
           <a:p>
             <a:fld id="{EF45E86C-8F83-45BC-8EDB-389DFE21BAD7}" type="datetimeFigureOut">
               <a:rPr lang="he-IL" smtClean="0"/>
-              <a:t>י'/סיון/תשע"ו</a:t>
+              <a:t>י"א/סיון/תשע"ו</a:t>
             </a:fld>
             <a:endParaRPr lang="he-IL"/>
           </a:p>
@@ -1528,7 +1543,7 @@
           <a:p>
             <a:fld id="{EF45E86C-8F83-45BC-8EDB-389DFE21BAD7}" type="datetimeFigureOut">
               <a:rPr lang="he-IL" smtClean="0"/>
-              <a:t>י'/סיון/תשע"ו</a:t>
+              <a:t>י"א/סיון/תשע"ו</a:t>
             </a:fld>
             <a:endParaRPr lang="he-IL"/>
           </a:p>
@@ -1816,7 +1831,7 @@
           <a:p>
             <a:fld id="{EF45E86C-8F83-45BC-8EDB-389DFE21BAD7}" type="datetimeFigureOut">
               <a:rPr lang="he-IL" smtClean="0"/>
-              <a:t>י'/סיון/תשע"ו</a:t>
+              <a:t>י"א/סיון/תשע"ו</a:t>
             </a:fld>
             <a:endParaRPr lang="he-IL"/>
           </a:p>
@@ -2238,7 +2253,7 @@
           <a:p>
             <a:fld id="{EF45E86C-8F83-45BC-8EDB-389DFE21BAD7}" type="datetimeFigureOut">
               <a:rPr lang="he-IL" smtClean="0"/>
-              <a:t>י'/סיון/תשע"ו</a:t>
+              <a:t>י"א/סיון/תשע"ו</a:t>
             </a:fld>
             <a:endParaRPr lang="he-IL"/>
           </a:p>
@@ -2356,7 +2371,7 @@
           <a:p>
             <a:fld id="{EF45E86C-8F83-45BC-8EDB-389DFE21BAD7}" type="datetimeFigureOut">
               <a:rPr lang="he-IL" smtClean="0"/>
-              <a:t>י'/סיון/תשע"ו</a:t>
+              <a:t>י"א/סיון/תשע"ו</a:t>
             </a:fld>
             <a:endParaRPr lang="he-IL"/>
           </a:p>
@@ -2451,7 +2466,7 @@
           <a:p>
             <a:fld id="{EF45E86C-8F83-45BC-8EDB-389DFE21BAD7}" type="datetimeFigureOut">
               <a:rPr lang="he-IL" smtClean="0"/>
-              <a:t>י'/סיון/תשע"ו</a:t>
+              <a:t>י"א/סיון/תשע"ו</a:t>
             </a:fld>
             <a:endParaRPr lang="he-IL"/>
           </a:p>
@@ -2728,7 +2743,7 @@
           <a:p>
             <a:fld id="{EF45E86C-8F83-45BC-8EDB-389DFE21BAD7}" type="datetimeFigureOut">
               <a:rPr lang="he-IL" smtClean="0"/>
-              <a:t>י'/סיון/תשע"ו</a:t>
+              <a:t>י"א/סיון/תשע"ו</a:t>
             </a:fld>
             <a:endParaRPr lang="he-IL"/>
           </a:p>
@@ -2981,7 +2996,7 @@
           <a:p>
             <a:fld id="{EF45E86C-8F83-45BC-8EDB-389DFE21BAD7}" type="datetimeFigureOut">
               <a:rPr lang="he-IL" smtClean="0"/>
-              <a:t>י'/סיון/תשע"ו</a:t>
+              <a:t>י"א/סיון/תשע"ו</a:t>
             </a:fld>
             <a:endParaRPr lang="he-IL"/>
           </a:p>
@@ -3194,7 +3209,7 @@
           <a:p>
             <a:fld id="{EF45E86C-8F83-45BC-8EDB-389DFE21BAD7}" type="datetimeFigureOut">
               <a:rPr lang="he-IL" smtClean="0"/>
-              <a:t>י'/סיון/תשע"ו</a:t>
+              <a:t>י"א/סיון/תשע"ו</a:t>
             </a:fld>
             <a:endParaRPr lang="he-IL"/>
           </a:p>
@@ -3671,7 +3686,7 @@
                       <m:dPr>
                         <m:ctrlPr>
                           <a:rPr lang="en-US" i="1" dirty="0" smtClean="0">
-                            <a:latin typeface="Cambria Math"/>
+                            <a:latin typeface="Cambria Math" panose="02040503050406030204" pitchFamily="18" charset="0"/>
                           </a:rPr>
                         </m:ctrlPr>
                       </m:dPr>
@@ -3792,7 +3807,7 @@
                       <m:fPr>
                         <m:ctrlPr>
                           <a:rPr lang="en-US" b="0" i="1" smtClean="0">
-                            <a:latin typeface="Cambria Math"/>
+                            <a:latin typeface="Cambria Math" panose="02040503050406030204" pitchFamily="18" charset="0"/>
                           </a:rPr>
                         </m:ctrlPr>
                       </m:fPr>
@@ -3825,7 +3840,7 @@
                       <m:sSubPr>
                         <m:ctrlPr>
                           <a:rPr lang="en-US" b="0" i="1" smtClean="0">
-                            <a:latin typeface="Cambria Math"/>
+                            <a:latin typeface="Cambria Math" panose="02040503050406030204" pitchFamily="18" charset="0"/>
                           </a:rPr>
                         </m:ctrlPr>
                       </m:sSubPr>
@@ -4038,7 +4053,7 @@
                       <m:fPr>
                         <m:ctrlPr>
                           <a:rPr lang="en-US" i="1" smtClean="0">
-                            <a:latin typeface="Cambria Math"/>
+                            <a:latin typeface="Cambria Math" panose="02040503050406030204" pitchFamily="18" charset="0"/>
                           </a:rPr>
                         </m:ctrlPr>
                       </m:fPr>
@@ -4188,368 +4203,6 @@
           <a:chExt cx="0" cy="0"/>
         </a:xfrm>
       </p:grpSpPr>
-      <p:pic>
-        <p:nvPicPr>
-          <p:cNvPr id="3074" name="Picture 2" descr="H:\physics\lab\sc3.git\figs\current_density_cross_section_frac_0.0001.png"/>
-          <p:cNvPicPr>
-            <a:picLocks noChangeAspect="1" noChangeArrowheads="1"/>
-          </p:cNvPicPr>
-          <p:nvPr/>
-        </p:nvPicPr>
-        <p:blipFill>
-          <a:blip r:embed="rId2" cstate="print">
-            <a:extLst>
-              <a:ext uri="{28A0092B-C50C-407E-A947-70E740481C1C}">
-                <a14:useLocalDpi xmlns:a14="http://schemas.microsoft.com/office/drawing/2010/main" val="0"/>
-              </a:ext>
-            </a:extLst>
-          </a:blip>
-          <a:srcRect/>
-          <a:stretch>
-            <a:fillRect/>
-          </a:stretch>
-        </p:blipFill>
-        <p:spPr bwMode="auto">
-          <a:xfrm>
-            <a:off x="-1210932" y="-171400"/>
-            <a:ext cx="6863052" cy="3425569"/>
-          </a:xfrm>
-          <a:prstGeom prst="rect">
-            <a:avLst/>
-          </a:prstGeom>
-          <a:noFill/>
-          <a:extLst>
-            <a:ext uri="{909E8E84-426E-40DD-AFC4-6F175D3DCCD1}">
-              <a14:hiddenFill xmlns:a14="http://schemas.microsoft.com/office/drawing/2010/main">
-                <a:solidFill>
-                  <a:srgbClr val="FFFFFF"/>
-                </a:solidFill>
-              </a14:hiddenFill>
-            </a:ext>
-          </a:extLst>
-        </p:spPr>
-      </p:pic>
-      <p:pic>
-        <p:nvPicPr>
-          <p:cNvPr id="3075" name="Picture 3" descr="H:\physics\lab\sc3.git\figs\dH_mean_dx_j_int_rand_frac_0.0001.png"/>
-          <p:cNvPicPr>
-            <a:picLocks noChangeAspect="1" noChangeArrowheads="1"/>
-          </p:cNvPicPr>
-          <p:nvPr/>
-        </p:nvPicPr>
-        <p:blipFill>
-          <a:blip r:embed="rId3" cstate="print">
-            <a:extLst>
-              <a:ext uri="{28A0092B-C50C-407E-A947-70E740481C1C}">
-                <a14:useLocalDpi xmlns:a14="http://schemas.microsoft.com/office/drawing/2010/main" val="0"/>
-              </a:ext>
-            </a:extLst>
-          </a:blip>
-          <a:srcRect/>
-          <a:stretch>
-            <a:fillRect/>
-          </a:stretch>
-        </p:blipFill>
-        <p:spPr bwMode="auto">
-          <a:xfrm>
-            <a:off x="2555776" y="3470193"/>
-            <a:ext cx="6787399" cy="3387808"/>
-          </a:xfrm>
-          <a:prstGeom prst="rect">
-            <a:avLst/>
-          </a:prstGeom>
-          <a:noFill/>
-          <a:extLst>
-            <a:ext uri="{909E8E84-426E-40DD-AFC4-6F175D3DCCD1}">
-              <a14:hiddenFill xmlns:a14="http://schemas.microsoft.com/office/drawing/2010/main">
-                <a:solidFill>
-                  <a:srgbClr val="FFFFFF"/>
-                </a:solidFill>
-              </a14:hiddenFill>
-            </a:ext>
-          </a:extLst>
-        </p:spPr>
-      </p:pic>
-      <mc:AlternateContent xmlns:mc="http://schemas.openxmlformats.org/markup-compatibility/2006" xmlns:a14="http://schemas.microsoft.com/office/drawing/2010/main">
-        <mc:Choice Requires="a14">
-          <p:sp>
-            <p:nvSpPr>
-              <p:cNvPr id="3" name="Content Placeholder 2"/>
-              <p:cNvSpPr>
-                <a:spLocks noGrp="1"/>
-              </p:cNvSpPr>
-              <p:nvPr>
-                <p:ph idx="1"/>
-              </p:nvPr>
-            </p:nvSpPr>
-            <p:spPr>
-              <a:xfrm>
-                <a:off x="4788296" y="1412776"/>
-                <a:ext cx="4341168" cy="2808312"/>
-              </a:xfrm>
-            </p:spPr>
-            <p:txBody>
-              <a:bodyPr>
-                <a:normAutofit fontScale="70000" lnSpcReduction="20000"/>
-              </a:bodyPr>
-              <a:lstStyle/>
-              <a:p>
-                <a:r>
-                  <a:rPr lang="he-IL" dirty="0" smtClean="0"/>
-                  <a:t>יש למצע את השדה לאורך ציר </a:t>
-                </a:r>
-                <a:r>
-                  <a:rPr lang="en-US" dirty="0" smtClean="0"/>
-                  <a:t>Z</a:t>
-                </a:r>
-                <a:r>
-                  <a:rPr lang="he-IL" dirty="0" smtClean="0"/>
-                  <a:t>.</a:t>
-                </a:r>
-                <a:endParaRPr lang="he-IL" i="1" dirty="0" smtClean="0">
-                  <a:latin typeface="Cambria Math"/>
-                </a:endParaRPr>
-              </a:p>
-              <a:p>
-                <a14:m>
-                  <m:oMath xmlns:m="http://schemas.openxmlformats.org/officeDocument/2006/math">
-                    <m:r>
-                      <a:rPr lang="en-US" i="1" dirty="0" smtClean="0">
-                        <a:latin typeface="Cambria Math"/>
-                      </a:rPr>
-                      <m:t>𝑑𝑥</m:t>
-                    </m:r>
-                    <m:r>
-                      <a:rPr lang="en-US" i="1" dirty="0" smtClean="0">
-                        <a:latin typeface="Cambria Math"/>
-                      </a:rPr>
-                      <m:t>=</m:t>
-                    </m:r>
-                    <m:r>
-                      <a:rPr lang="en-US" i="1" dirty="0" smtClean="0">
-                        <a:latin typeface="Cambria Math"/>
-                      </a:rPr>
-                      <m:t>600</m:t>
-                    </m:r>
-                    <m:d>
-                      <m:dPr>
-                        <m:begChr m:val="["/>
-                        <m:endChr m:val="]"/>
-                        <m:ctrlPr>
-                          <a:rPr lang="en-US" i="1" dirty="0" smtClean="0">
-                            <a:latin typeface="Cambria Math"/>
-                          </a:rPr>
-                        </m:ctrlPr>
-                      </m:dPr>
-                      <m:e>
-                        <m:r>
-                          <a:rPr lang="en-US" i="1" dirty="0" smtClean="0">
-                            <a:latin typeface="Cambria Math"/>
-                          </a:rPr>
-                          <m:t>𝑛</m:t>
-                        </m:r>
-                        <m:r>
-                          <a:rPr lang="en-US" b="0" i="1" dirty="0" smtClean="0">
-                            <a:latin typeface="Cambria Math"/>
-                          </a:rPr>
-                          <m:t>𝑚</m:t>
-                        </m:r>
-                      </m:e>
-                    </m:d>
-                    <m:r>
-                      <a:rPr lang="en-US" b="0" i="1" dirty="0" smtClean="0">
-                        <a:latin typeface="Cambria Math"/>
-                      </a:rPr>
-                      <m:t>≈</m:t>
-                    </m:r>
-                    <m:r>
-                      <a:rPr lang="en-US" b="0" i="1" dirty="0" smtClean="0">
-                        <a:latin typeface="Cambria Math"/>
-                      </a:rPr>
-                      <m:t>2</m:t>
-                    </m:r>
-                    <m:r>
-                      <a:rPr lang="en-US" b="0" i="1" dirty="0" smtClean="0">
-                        <a:latin typeface="Cambria Math"/>
-                      </a:rPr>
-                      <m:t>𝜆</m:t>
-                    </m:r>
-                    <m:r>
-                      <a:rPr lang="en-US" b="0" i="1" dirty="0" smtClean="0">
-                        <a:latin typeface="Cambria Math"/>
-                      </a:rPr>
-                      <m:t>,</m:t>
-                    </m:r>
-                    <m:r>
-                      <a:rPr lang="en-US" b="0" i="1" dirty="0" smtClean="0">
-                        <a:latin typeface="Cambria Math"/>
-                      </a:rPr>
-                      <m:t>𝑑𝑧</m:t>
-                    </m:r>
-                    <m:r>
-                      <a:rPr lang="en-US" b="0" i="1" dirty="0" smtClean="0">
-                        <a:latin typeface="Cambria Math"/>
-                      </a:rPr>
-                      <m:t>=</m:t>
-                    </m:r>
-                    <m:r>
-                      <a:rPr lang="en-US" b="0" i="1" dirty="0" smtClean="0">
-                        <a:latin typeface="Cambria Math"/>
-                      </a:rPr>
-                      <m:t>28</m:t>
-                    </m:r>
-                    <m:r>
-                      <a:rPr lang="en-US" b="0" i="1" dirty="0" smtClean="0">
-                        <a:latin typeface="Cambria Math"/>
-                      </a:rPr>
-                      <m:t>[</m:t>
-                    </m:r>
-                    <m:r>
-                      <a:rPr lang="en-US" b="0" i="1" dirty="0" smtClean="0">
-                        <a:latin typeface="Cambria Math"/>
-                      </a:rPr>
-                      <m:t>𝜇</m:t>
-                    </m:r>
-                    <m:r>
-                      <a:rPr lang="en-US" b="0" i="1" dirty="0" smtClean="0">
-                        <a:latin typeface="Cambria Math"/>
-                      </a:rPr>
-                      <m:t>𝑚</m:t>
-                    </m:r>
-                    <m:r>
-                      <a:rPr lang="en-US" b="0" i="1" dirty="0" smtClean="0">
-                        <a:latin typeface="Cambria Math"/>
-                      </a:rPr>
-                      <m:t>]</m:t>
-                    </m:r>
-                  </m:oMath>
-                </a14:m>
-                <a:endParaRPr lang="he-IL" dirty="0" smtClean="0"/>
-              </a:p>
-              <a:p>
-                <a:r>
-                  <a:rPr lang="he-IL" dirty="0" smtClean="0"/>
-                  <a:t>עבור </a:t>
-                </a:r>
-                <a14:m>
-                  <m:oMath xmlns:m="http://schemas.openxmlformats.org/officeDocument/2006/math">
-                    <m:sSub>
-                      <m:sSubPr>
-                        <m:ctrlPr>
-                          <a:rPr lang="he-IL" i="1">
-                            <a:latin typeface="Cambria Math"/>
-                          </a:rPr>
-                        </m:ctrlPr>
-                      </m:sSubPr>
-                      <m:e>
-                        <m:r>
-                          <a:rPr lang="en-US" i="1">
-                            <a:latin typeface="Cambria Math"/>
-                          </a:rPr>
-                          <m:t>𝐼</m:t>
-                        </m:r>
-                      </m:e>
-                      <m:sub>
-                        <m:r>
-                          <a:rPr lang="en-US" b="0" i="1" smtClean="0">
-                            <a:latin typeface="Cambria Math"/>
-                          </a:rPr>
-                          <m:t>𝑖𝑛</m:t>
-                        </m:r>
-                        <m:r>
-                          <a:rPr lang="en-US" i="1">
-                            <a:latin typeface="Cambria Math"/>
-                          </a:rPr>
-                          <m:t>𝑡</m:t>
-                        </m:r>
-                      </m:sub>
-                    </m:sSub>
-                  </m:oMath>
-                </a14:m>
-                <a:r>
-                  <a:rPr lang="he-IL" dirty="0" smtClean="0"/>
-                  <a:t> נבדקו התפלגות זרם קבועה, או אקראית על חלק קטן משטח החתך</a:t>
-                </a:r>
-                <a:endParaRPr lang="he-IL" dirty="0"/>
-              </a:p>
-            </p:txBody>
-          </p:sp>
-        </mc:Choice>
-        <mc:Fallback xmlns="">
-          <p:sp>
-            <p:nvSpPr>
-              <p:cNvPr id="3" name="Content Placeholder 2"/>
-              <p:cNvSpPr>
-                <a:spLocks noGrp="1" noRot="1" noChangeAspect="1" noMove="1" noResize="1" noEditPoints="1" noAdjustHandles="1" noChangeArrowheads="1" noChangeShapeType="1" noTextEdit="1"/>
-              </p:cNvSpPr>
-              <p:nvPr>
-                <p:ph idx="1"/>
-              </p:nvPr>
-            </p:nvSpPr>
-            <p:spPr>
-              <a:xfrm>
-                <a:off x="4788296" y="1412776"/>
-                <a:ext cx="4341168" cy="2808312"/>
-              </a:xfrm>
-              <a:blipFill rotWithShape="1">
-                <a:blip r:embed="rId4"/>
-                <a:stretch>
-                  <a:fillRect l="-5891" t="-3696" r="-1683"/>
-                </a:stretch>
-              </a:blipFill>
-            </p:spPr>
-            <p:txBody>
-              <a:bodyPr/>
-              <a:lstStyle/>
-              <a:p>
-                <a:r>
-                  <a:rPr lang="he-IL">
-                    <a:noFill/>
-                  </a:rPr>
-                  <a:t> </a:t>
-                </a:r>
-              </a:p>
-            </p:txBody>
-          </p:sp>
-        </mc:Fallback>
-      </mc:AlternateContent>
-    </p:spTree>
-    <p:extLst>
-      <p:ext uri="{BB962C8B-B14F-4D97-AF65-F5344CB8AC3E}">
-        <p14:creationId xmlns:p14="http://schemas.microsoft.com/office/powerpoint/2010/main" val="235184282"/>
-      </p:ext>
-    </p:extLst>
-  </p:cSld>
-  <p:clrMapOvr>
-    <a:masterClrMapping/>
-  </p:clrMapOvr>
-  <p:timing>
-    <p:tnLst>
-      <p:par>
-        <p:cTn id="1" dur="indefinite" restart="never" nodeType="tmRoot"/>
-      </p:par>
-    </p:tnLst>
-  </p:timing>
-</p:sld>
-</file>
-
-<file path=ppt/slides/slide11.xml><?xml version="1.0" encoding="utf-8"?>
-<p:sld xmlns:a="http://schemas.openxmlformats.org/drawingml/2006/main" xmlns:r="http://schemas.openxmlformats.org/officeDocument/2006/relationships" xmlns:p="http://schemas.openxmlformats.org/presentationml/2006/main">
-  <p:cSld>
-    <p:spTree>
-      <p:nvGrpSpPr>
-        <p:cNvPr id="1" name=""/>
-        <p:cNvGrpSpPr/>
-        <p:nvPr/>
-      </p:nvGrpSpPr>
-      <p:grpSpPr>
-        <a:xfrm>
-          <a:off x="0" y="0"/>
-          <a:ext cx="0" cy="0"/>
-          <a:chOff x="0" y="0"/>
-          <a:chExt cx="0" cy="0"/>
-        </a:xfrm>
-      </p:grpSpPr>
       <mc:AlternateContent xmlns:mc="http://schemas.openxmlformats.org/markup-compatibility/2006">
         <mc:Choice xmlns:a14="http://schemas.microsoft.com/office/drawing/2010/main" Requires="a14">
           <p:sp>
@@ -4564,7 +4217,7 @@
             </p:nvSpPr>
             <p:spPr>
               <a:xfrm>
-                <a:off x="457200" y="3501008"/>
+                <a:off x="459587" y="3861048"/>
                 <a:ext cx="8229600" cy="2625155"/>
               </a:xfrm>
             </p:spPr>
@@ -4588,7 +4241,7 @@
                       <m:sSubPr>
                         <m:ctrlPr>
                           <a:rPr lang="en-US" i="1">
-                            <a:latin typeface="Cambria Math"/>
+                            <a:latin typeface="Cambria Math" panose="02040503050406030204" pitchFamily="18" charset="0"/>
                           </a:rPr>
                         </m:ctrlPr>
                       </m:sSubPr>
@@ -4622,11 +4275,7 @@
               <a:p>
                 <a:r>
                   <a:rPr lang="he-IL" dirty="0" smtClean="0"/>
-                  <a:t>נמדדה </a:t>
-                </a:r>
-                <a:r>
-                  <a:rPr lang="he-IL" dirty="0" smtClean="0"/>
-                  <a:t>השפעת </a:t>
+                  <a:t>נמדדה השפעת </a:t>
                 </a:r>
                 <a14:m>
                   <m:oMath xmlns:m="http://schemas.openxmlformats.org/officeDocument/2006/math">
@@ -4634,7 +4283,7 @@
                       <m:sSubPr>
                         <m:ctrlPr>
                           <a:rPr lang="he-IL" i="1">
-                            <a:latin typeface="Cambria Math"/>
+                            <a:latin typeface="Cambria Math" panose="02040503050406030204" pitchFamily="18" charset="0"/>
                           </a:rPr>
                         </m:ctrlPr>
                       </m:sSubPr>
@@ -4694,7 +4343,7 @@
                       <m:sSubPr>
                         <m:ctrlPr>
                           <a:rPr lang="en-US" b="0" i="1" smtClean="0">
-                            <a:latin typeface="Cambria Math"/>
+                            <a:latin typeface="Cambria Math" panose="02040503050406030204" pitchFamily="18" charset="0"/>
                           </a:rPr>
                         </m:ctrlPr>
                       </m:sSubPr>
@@ -4735,7 +4384,7 @@
                       <m:sSubPr>
                         <m:ctrlPr>
                           <a:rPr lang="he-IL" b="0" i="1" smtClean="0">
-                            <a:latin typeface="Cambria Math"/>
+                            <a:latin typeface="Cambria Math" panose="02040503050406030204" pitchFamily="18" charset="0"/>
                           </a:rPr>
                         </m:ctrlPr>
                       </m:sSubPr>
@@ -4766,7 +4415,7 @@
                       <m:sSubPr>
                         <m:ctrlPr>
                           <a:rPr lang="en-US" b="0" i="1" smtClean="0">
-                            <a:latin typeface="Cambria Math"/>
+                            <a:latin typeface="Cambria Math" panose="02040503050406030204" pitchFamily="18" charset="0"/>
                           </a:rPr>
                         </m:ctrlPr>
                       </m:sSubPr>
@@ -4822,13 +4471,13 @@
             </p:nvSpPr>
             <p:spPr>
               <a:xfrm>
-                <a:off x="457200" y="3501008"/>
+                <a:off x="459587" y="3861048"/>
                 <a:ext cx="8229600" cy="2625155"/>
               </a:xfrm>
-              <a:blipFill rotWithShape="1">
+              <a:blipFill rotWithShape="0">
                 <a:blip r:embed="rId2"/>
                 <a:stretch>
-                  <a:fillRect l="-222" t="-3016" r="-1556" b="-4408"/>
+                  <a:fillRect l="-222" t="-3016" r="-1630" b="-4408"/>
                 </a:stretch>
               </a:blipFill>
             </p:spPr>
@@ -4837,7 +4486,7 @@
               <a:lstStyle/>
               <a:p>
                 <a:r>
-                  <a:rPr lang="he-IL">
+                  <a:rPr lang="en-US">
                     <a:noFill/>
                   </a:rPr>
                   <a:t> </a:t>
@@ -4966,7 +4615,7 @@
 </p:sld>
 </file>
 
-<file path=ppt/slides/slide12.xml><?xml version="1.0" encoding="utf-8"?>
+<file path=ppt/slides/slide11.xml><?xml version="1.0" encoding="utf-8"?>
 <p:sld xmlns:a="http://schemas.openxmlformats.org/drawingml/2006/main" xmlns:r="http://schemas.openxmlformats.org/officeDocument/2006/relationships" xmlns:p="http://schemas.openxmlformats.org/presentationml/2006/main">
   <p:cSld>
     <p:spTree>
@@ -4983,8 +4632,8 @@
           <a:chExt cx="0" cy="0"/>
         </a:xfrm>
       </p:grpSpPr>
-      <mc:AlternateContent xmlns:mc="http://schemas.openxmlformats.org/markup-compatibility/2006">
-        <mc:Choice xmlns:a14="http://schemas.microsoft.com/office/drawing/2010/main" Requires="a14">
+      <mc:AlternateContent xmlns:mc="http://schemas.openxmlformats.org/markup-compatibility/2006" xmlns:a14="http://schemas.microsoft.com/office/drawing/2010/main">
+        <mc:Choice Requires="a14">
           <p:sp>
             <p:nvSpPr>
               <p:cNvPr id="3" name="Content Placeholder 2"/>
@@ -5013,7 +4662,7 @@
                       <m:sSubPr>
                         <m:ctrlPr>
                           <a:rPr lang="en-US" sz="2000" b="0" i="1" smtClean="0">
-                            <a:latin typeface="Cambria Math"/>
+                            <a:latin typeface="Cambria Math" panose="02040503050406030204" pitchFamily="18" charset="0"/>
                           </a:rPr>
                         </m:ctrlPr>
                       </m:sSubPr>
@@ -5050,7 +4699,7 @@
                       <m:sSubPr>
                         <m:ctrlPr>
                           <a:rPr lang="he-IL" sz="2000" b="0" i="1" smtClean="0">
-                            <a:latin typeface="Cambria Math"/>
+                            <a:latin typeface="Cambria Math" panose="02040503050406030204" pitchFamily="18" charset="0"/>
                           </a:rPr>
                         </m:ctrlPr>
                       </m:sSubPr>
@@ -5106,7 +4755,7 @@
                       <m:sSubPr>
                         <m:ctrlPr>
                           <a:rPr lang="en-US" sz="2000" i="1">
-                            <a:latin typeface="Cambria Math"/>
+                            <a:latin typeface="Cambria Math" panose="02040503050406030204" pitchFamily="18" charset="0"/>
                           </a:rPr>
                         </m:ctrlPr>
                       </m:sSubPr>
@@ -5145,7 +4794,7 @@
                       <m:sSubPr>
                         <m:ctrlPr>
                           <a:rPr lang="he-IL" sz="2000" i="1">
-                            <a:latin typeface="Cambria Math"/>
+                            <a:latin typeface="Cambria Math" panose="02040503050406030204" pitchFamily="18" charset="0"/>
                           </a:rPr>
                         </m:ctrlPr>
                       </m:sSubPr>
@@ -5186,7 +4835,7 @@
                       <m:sSubPr>
                         <m:ctrlPr>
                           <a:rPr lang="he-IL" sz="2000" i="1">
-                            <a:latin typeface="Cambria Math"/>
+                            <a:latin typeface="Cambria Math" panose="02040503050406030204" pitchFamily="18" charset="0"/>
                           </a:rPr>
                         </m:ctrlPr>
                       </m:sSubPr>
@@ -5244,19 +4893,13 @@
                       <a:rPr lang="he-IL" sz="2000" i="1" dirty="0" smtClean="0">
                         <a:latin typeface="Cambria Math"/>
                       </a:rPr>
-                      <m:t>%</m:t>
-                    </m:r>
-                    <m:r>
-                      <a:rPr lang="he-IL" sz="2000" i="1" dirty="0" smtClean="0">
-                        <a:latin typeface="Cambria Math"/>
-                      </a:rPr>
-                      <m:t>&gt;</m:t>
+                      <m:t>%&gt;</m:t>
                     </m:r>
                     <m:f>
                       <m:fPr>
                         <m:ctrlPr>
                           <a:rPr lang="en-US" sz="2000" b="0" i="1" dirty="0" smtClean="0">
-                            <a:latin typeface="Cambria Math"/>
+                            <a:latin typeface="Cambria Math" panose="02040503050406030204" pitchFamily="18" charset="0"/>
                           </a:rPr>
                         </m:ctrlPr>
                       </m:fPr>
@@ -5300,7 +4943,7 @@
                       <m:sSubPr>
                         <m:ctrlPr>
                           <a:rPr lang="en-US" sz="2000" i="1">
-                            <a:latin typeface="Cambria Math"/>
+                            <a:latin typeface="Cambria Math" panose="02040503050406030204" pitchFamily="18" charset="0"/>
                           </a:rPr>
                         </m:ctrlPr>
                       </m:sSubPr>
@@ -5333,7 +4976,7 @@
                       <m:sSubPr>
                         <m:ctrlPr>
                           <a:rPr lang="he-IL" sz="2000" i="1">
-                            <a:latin typeface="Cambria Math"/>
+                            <a:latin typeface="Cambria Math" panose="02040503050406030204" pitchFamily="18" charset="0"/>
                           </a:rPr>
                         </m:ctrlPr>
                       </m:sSubPr>
@@ -5377,7 +5020,7 @@
                       <m:sSubPr>
                         <m:ctrlPr>
                           <a:rPr lang="en-US" sz="2000" i="1">
-                            <a:latin typeface="Cambria Math"/>
+                            <a:latin typeface="Cambria Math" panose="02040503050406030204" pitchFamily="18" charset="0"/>
                           </a:rPr>
                         </m:ctrlPr>
                       </m:sSubPr>
@@ -5410,7 +5053,7 @@
                       <m:sSupPr>
                         <m:ctrlPr>
                           <a:rPr lang="he-IL" sz="2000" b="0" i="1" smtClean="0">
-                            <a:latin typeface="Cambria Math"/>
+                            <a:latin typeface="Cambria Math" panose="02040503050406030204" pitchFamily="18" charset="0"/>
                           </a:rPr>
                         </m:ctrlPr>
                       </m:sSupPr>
@@ -5450,7 +5093,7 @@
             </p:txBody>
           </p:sp>
         </mc:Choice>
-        <mc:Fallback>
+        <mc:Fallback xmlns="">
           <p:sp>
             <p:nvSpPr>
               <p:cNvPr id="3" name="Content Placeholder 2"/>
@@ -5531,11 +5174,6 @@
               </a:rPr>
               <a:t>המשך</a:t>
             </a:r>
-            <a:endParaRPr lang="he-IL" sz="3200" dirty="0">
-              <a:latin typeface="+mj-lt"/>
-              <a:ea typeface="+mj-ea"/>
-              <a:cs typeface="+mj-cs"/>
-            </a:endParaRPr>
           </a:p>
         </p:txBody>
       </p:sp>
@@ -5569,8 +5207,8 @@
           </a:p>
         </p:txBody>
       </p:sp>
-      <mc:AlternateContent xmlns:mc="http://schemas.openxmlformats.org/markup-compatibility/2006">
-        <mc:Choice xmlns:a14="http://schemas.microsoft.com/office/drawing/2010/main" Requires="a14">
+      <mc:AlternateContent xmlns:mc="http://schemas.openxmlformats.org/markup-compatibility/2006" xmlns:a14="http://schemas.microsoft.com/office/drawing/2010/main">
+        <mc:Choice Requires="a14">
           <p:sp>
             <p:nvSpPr>
               <p:cNvPr id="2" name="TextBox 1"/>
@@ -5633,7 +5271,7 @@
                       <m:sSubPr>
                         <m:ctrlPr>
                           <a:rPr lang="en-US" sz="2400" b="0" i="1" smtClean="0">
-                            <a:latin typeface="Cambria Math"/>
+                            <a:latin typeface="Cambria Math" panose="02040503050406030204" pitchFamily="18" charset="0"/>
                           </a:rPr>
                         </m:ctrlPr>
                       </m:sSubPr>
@@ -5664,7 +5302,7 @@
                       <m:sSubPr>
                         <m:ctrlPr>
                           <a:rPr lang="en-US" sz="2400" b="0" i="1" smtClean="0">
-                            <a:latin typeface="Cambria Math"/>
+                            <a:latin typeface="Cambria Math" panose="02040503050406030204" pitchFamily="18" charset="0"/>
                           </a:rPr>
                         </m:ctrlPr>
                       </m:sSubPr>
@@ -5697,7 +5335,7 @@
                       <m:sSubPr>
                         <m:ctrlPr>
                           <a:rPr lang="he-IL" sz="2400" b="0" i="1" smtClean="0">
-                            <a:latin typeface="Cambria Math"/>
+                            <a:latin typeface="Cambria Math" panose="02040503050406030204" pitchFamily="18" charset="0"/>
                           </a:rPr>
                         </m:ctrlPr>
                       </m:sSubPr>
@@ -5752,7 +5390,7 @@
                       <m:sSubPr>
                         <m:ctrlPr>
                           <a:rPr lang="en-US" sz="2000" b="0" i="1" smtClean="0">
-                            <a:latin typeface="Cambria Math"/>
+                            <a:latin typeface="Cambria Math" panose="02040503050406030204" pitchFamily="18" charset="0"/>
                           </a:rPr>
                         </m:ctrlPr>
                       </m:sSubPr>
@@ -5785,7 +5423,7 @@
                       <m:sSubPr>
                         <m:ctrlPr>
                           <a:rPr lang="he-IL" sz="2000" b="0" i="1" smtClean="0">
-                            <a:latin typeface="Cambria Math"/>
+                            <a:latin typeface="Cambria Math" panose="02040503050406030204" pitchFamily="18" charset="0"/>
                           </a:rPr>
                         </m:ctrlPr>
                       </m:sSubPr>
@@ -5864,7 +5502,7 @@
             </p:txBody>
           </p:sp>
         </mc:Choice>
-        <mc:Fallback>
+        <mc:Fallback xmlns="">
           <p:sp>
             <p:nvSpPr>
               <p:cNvPr id="2" name="TextBox 1"/>
@@ -5952,163 +5590,353 @@
         </p:nvSpPr>
         <p:spPr/>
         <p:txBody>
-          <a:bodyPr/>
+          <a:bodyPr>
+            <a:normAutofit fontScale="90000"/>
+          </a:bodyPr>
           <a:lstStyle/>
           <a:p>
             <a:r>
+              <a:rPr lang="he-IL" dirty="0" err="1" smtClean="0"/>
+              <a:t>דיסיפציה</a:t>
+            </a:r>
+            <a:r>
               <a:rPr lang="he-IL" dirty="0" smtClean="0"/>
-              <a:t>תיקונים</a:t>
+              <a:t> מתנועת מערבולות בעל מוליך</a:t>
             </a:r>
-            <a:endParaRPr lang="he-IL" dirty="0"/>
+            <a:r>
+              <a:rPr lang="he-IL" dirty="0" smtClean="0"/>
+              <a:t/>
+            </a:r>
+            <a:br>
+              <a:rPr lang="he-IL" dirty="0" smtClean="0"/>
+            </a:br>
+            <a:r>
+              <a:rPr lang="he-IL" sz="3100" dirty="0" smtClean="0"/>
+              <a:t>נועם גביש ודן </a:t>
+            </a:r>
+            <a:r>
+              <a:rPr lang="he-IL" sz="3100" dirty="0" err="1" smtClean="0"/>
+              <a:t>וקסלר</a:t>
+            </a:r>
+            <a:r>
+              <a:rPr lang="he-IL" sz="3100" dirty="0" smtClean="0"/>
+              <a:t> בהנחיית חן </a:t>
+            </a:r>
+            <a:r>
+              <a:rPr lang="he-IL" sz="3100" dirty="0" err="1" smtClean="0"/>
+              <a:t>אלפרן</a:t>
+            </a:r>
+            <a:endParaRPr lang="he-IL" sz="3100" dirty="0"/>
           </a:p>
         </p:txBody>
       </p:sp>
-      <p:sp>
-        <p:nvSpPr>
-          <p:cNvPr id="3" name="Content Placeholder 2"/>
-          <p:cNvSpPr>
-            <a:spLocks noGrp="1"/>
-          </p:cNvSpPr>
-          <p:nvPr>
-            <p:ph idx="1"/>
-          </p:nvPr>
-        </p:nvSpPr>
-        <p:spPr/>
-        <p:txBody>
-          <a:bodyPr/>
-          <a:lstStyle/>
-          <a:p>
-            <a:r>
-              <a:rPr lang="he-IL" dirty="0" smtClean="0"/>
-              <a:t>(נועם) גרף שדה מגנטי חיצוני (לא סליל), לסובב צירים, על הדרך לשנות סקאלה למ"מ.</a:t>
-            </a:r>
-          </a:p>
-          <a:p>
-            <a:r>
-              <a:rPr lang="he-IL" dirty="0" smtClean="0"/>
-              <a:t>להכין גרף </a:t>
-            </a:r>
-            <a:r>
-              <a:rPr lang="en-US" dirty="0" smtClean="0"/>
-              <a:t>V(I) </a:t>
-            </a:r>
-            <a:r>
-              <a:rPr lang="he-IL" dirty="0" smtClean="0"/>
-              <a:t> מתאים</a:t>
-            </a:r>
-          </a:p>
-          <a:p>
-            <a:r>
-              <a:rPr lang="he-IL" dirty="0" smtClean="0"/>
-              <a:t>להגדיל פונט גרף לאחר חיסור </a:t>
-            </a:r>
-            <a:r>
-              <a:rPr lang="he-IL" dirty="0" err="1" smtClean="0"/>
-              <a:t>הדריפט</a:t>
-            </a:r>
-            <a:r>
-              <a:rPr lang="he-IL" dirty="0" smtClean="0"/>
-              <a:t> (נועם)</a:t>
-            </a:r>
-          </a:p>
-          <a:p>
-            <a:r>
-              <a:rPr lang="he-IL" dirty="0" smtClean="0"/>
-              <a:t>כוח במעלה השדה או מורד</a:t>
-            </a:r>
-            <a:r>
-              <a:rPr lang="he-IL" dirty="0" smtClean="0"/>
-              <a:t>?</a:t>
-            </a:r>
-          </a:p>
-          <a:p>
-            <a:r>
-              <a:rPr lang="he-IL" dirty="0" smtClean="0"/>
-              <a:t>לוותר בולטים?</a:t>
-            </a:r>
-            <a:endParaRPr lang="he-IL" dirty="0"/>
-          </a:p>
-        </p:txBody>
-      </p:sp>
-    </p:spTree>
-    <p:extLst>
-      <p:ext uri="{BB962C8B-B14F-4D97-AF65-F5344CB8AC3E}">
-        <p14:creationId xmlns:p14="http://schemas.microsoft.com/office/powerpoint/2010/main" val="1210665234"/>
-      </p:ext>
-    </p:extLst>
-  </p:cSld>
-  <p:clrMapOvr>
-    <a:masterClrMapping/>
-  </p:clrMapOvr>
-  <p:timing>
-    <p:tnLst>
-      <p:par>
-        <p:cTn id="1" dur="indefinite" restart="never" nodeType="tmRoot"/>
-      </p:par>
-    </p:tnLst>
-  </p:timing>
-</p:sld>
-</file>
-
-<file path=ppt/slides/slide3.xml><?xml version="1.0" encoding="utf-8"?>
-<p:sld xmlns:a="http://schemas.openxmlformats.org/drawingml/2006/main" xmlns:r="http://schemas.openxmlformats.org/officeDocument/2006/relationships" xmlns:p="http://schemas.openxmlformats.org/presentationml/2006/main">
-  <p:cSld>
-    <p:spTree>
-      <p:nvGrpSpPr>
-        <p:cNvPr id="1" name=""/>
-        <p:cNvGrpSpPr/>
-        <p:nvPr/>
-      </p:nvGrpSpPr>
-      <p:grpSpPr>
-        <a:xfrm>
-          <a:off x="0" y="0"/>
-          <a:ext cx="0" cy="0"/>
-          <a:chOff x="0" y="0"/>
-          <a:chExt cx="0" cy="0"/>
-        </a:xfrm>
-      </p:grpSpPr>
-      <p:sp>
-        <p:nvSpPr>
-          <p:cNvPr id="2" name="Title 1"/>
-          <p:cNvSpPr>
-            <a:spLocks noGrp="1"/>
-          </p:cNvSpPr>
-          <p:nvPr>
-            <p:ph type="title"/>
-          </p:nvPr>
-        </p:nvSpPr>
-        <p:spPr/>
-        <p:txBody>
-          <a:bodyPr/>
-          <a:lstStyle/>
-          <a:p>
-            <a:r>
-              <a:rPr lang="he-IL" dirty="0" smtClean="0"/>
-              <a:t>כותרת, דן, נועם, חן, תקציר</a:t>
-            </a:r>
-            <a:endParaRPr lang="he-IL" dirty="0"/>
-          </a:p>
-        </p:txBody>
-      </p:sp>
-      <p:sp>
-        <p:nvSpPr>
-          <p:cNvPr id="3" name="Content Placeholder 2"/>
-          <p:cNvSpPr>
-            <a:spLocks noGrp="1"/>
-          </p:cNvSpPr>
-          <p:nvPr>
-            <p:ph idx="1"/>
-          </p:nvPr>
-        </p:nvSpPr>
-        <p:spPr/>
-        <p:txBody>
-          <a:bodyPr/>
-          <a:lstStyle/>
-          <a:p>
-            <a:endParaRPr lang="he-IL"/>
-          </a:p>
-        </p:txBody>
-      </p:sp>
+      <mc:AlternateContent xmlns:mc="http://schemas.openxmlformats.org/markup-compatibility/2006">
+        <mc:Choice xmlns:a14="http://schemas.microsoft.com/office/drawing/2010/main" Requires="a14">
+          <p:sp>
+            <p:nvSpPr>
+              <p:cNvPr id="3" name="Content Placeholder 2"/>
+              <p:cNvSpPr>
+                <a:spLocks noGrp="1"/>
+              </p:cNvSpPr>
+              <p:nvPr>
+                <p:ph idx="1"/>
+              </p:nvPr>
+            </p:nvSpPr>
+            <p:spPr/>
+            <p:txBody>
+              <a:bodyPr>
+                <a:normAutofit lnSpcReduction="10000"/>
+              </a:bodyPr>
+              <a:lstStyle/>
+              <a:p>
+                <a:pPr marL="0" indent="0">
+                  <a:buNone/>
+                </a:pPr>
+                <a:r>
+                  <a:rPr lang="he-IL" dirty="0" smtClean="0"/>
+                  <a:t>חקרנו את </a:t>
+                </a:r>
+                <a:r>
+                  <a:rPr lang="he-IL" dirty="0" err="1" smtClean="0"/>
+                  <a:t>הדיסיפציה</a:t>
+                </a:r>
+                <a:r>
+                  <a:rPr lang="he-IL" dirty="0" smtClean="0"/>
+                  <a:t> מזרימת מערבולות בעל מוליך מסוג 2. לפי מודל </a:t>
+                </a:r>
+                <a:r>
+                  <a:rPr lang="en-US" dirty="0" smtClean="0"/>
+                  <a:t>Bardeen-Stephen</a:t>
+                </a:r>
+                <a:r>
+                  <a:rPr lang="he-IL" dirty="0" smtClean="0"/>
+                  <a:t>, הזרם בעל המוליך (</a:t>
+                </a:r>
+                <a14:m>
+                  <m:oMath xmlns:m="http://schemas.openxmlformats.org/officeDocument/2006/math">
+                    <m:sSub>
+                      <m:sSubPr>
+                        <m:ctrlPr>
+                          <a:rPr lang="he-IL" b="0" i="1" smtClean="0">
+                            <a:latin typeface="Cambria Math" panose="02040503050406030204" pitchFamily="18" charset="0"/>
+                          </a:rPr>
+                        </m:ctrlPr>
+                      </m:sSubPr>
+                      <m:e>
+                        <m:r>
+                          <a:rPr lang="en-US" b="0" i="1" smtClean="0">
+                            <a:latin typeface="Cambria Math" panose="02040503050406030204" pitchFamily="18" charset="0"/>
+                          </a:rPr>
+                          <m:t>𝐼</m:t>
+                        </m:r>
+                      </m:e>
+                      <m:sub>
+                        <m:r>
+                          <a:rPr lang="en-US" b="0" i="1" smtClean="0">
+                            <a:latin typeface="Cambria Math" panose="02040503050406030204" pitchFamily="18" charset="0"/>
+                          </a:rPr>
+                          <m:t>𝑖𝑛𝑡</m:t>
+                        </m:r>
+                      </m:sub>
+                    </m:sSub>
+                  </m:oMath>
+                </a14:m>
+                <a:r>
+                  <a:rPr lang="he-IL" dirty="0" smtClean="0"/>
+                  <a:t>) גם "מניע" מערבולות וגם יוצר הספק חימום </a:t>
+                </a:r>
+                <a14:m>
+                  <m:oMath xmlns:m="http://schemas.openxmlformats.org/officeDocument/2006/math">
+                    <m:r>
+                      <a:rPr lang="en-US" b="0" i="1" smtClean="0">
+                        <a:latin typeface="Cambria Math" panose="02040503050406030204" pitchFamily="18" charset="0"/>
+                      </a:rPr>
+                      <m:t>𝑊</m:t>
+                    </m:r>
+                    <m:r>
+                      <a:rPr lang="he-IL" b="0" i="1" smtClean="0">
+                        <a:latin typeface="Cambria Math" panose="02040503050406030204" pitchFamily="18" charset="0"/>
+                      </a:rPr>
+                      <m:t>=</m:t>
+                    </m:r>
+                    <m:sSub>
+                      <m:sSubPr>
+                        <m:ctrlPr>
+                          <a:rPr lang="en-US" b="0" i="1" smtClean="0">
+                            <a:latin typeface="Cambria Math" panose="02040503050406030204" pitchFamily="18" charset="0"/>
+                          </a:rPr>
+                        </m:ctrlPr>
+                      </m:sSubPr>
+                      <m:e>
+                        <m:r>
+                          <a:rPr lang="en-US" b="0" i="1" smtClean="0">
+                            <a:latin typeface="Cambria Math" panose="02040503050406030204" pitchFamily="18" charset="0"/>
+                          </a:rPr>
+                          <m:t>𝐼</m:t>
+                        </m:r>
+                      </m:e>
+                      <m:sub>
+                        <m:r>
+                          <a:rPr lang="en-US" b="0" i="1" smtClean="0">
+                            <a:latin typeface="Cambria Math" panose="02040503050406030204" pitchFamily="18" charset="0"/>
+                          </a:rPr>
+                          <m:t>𝑖𝑛𝑡</m:t>
+                        </m:r>
+                      </m:sub>
+                    </m:sSub>
+                    <m:r>
+                      <a:rPr lang="he-IL" b="0" i="1" smtClean="0">
+                        <a:latin typeface="Cambria Math" panose="02040503050406030204" pitchFamily="18" charset="0"/>
+                      </a:rPr>
+                      <m:t>⋅</m:t>
+                    </m:r>
+                    <m:r>
+                      <a:rPr lang="en-US" b="0" i="1" smtClean="0">
+                        <a:latin typeface="Cambria Math" panose="02040503050406030204" pitchFamily="18" charset="0"/>
+                      </a:rPr>
+                      <m:t>𝑉</m:t>
+                    </m:r>
+                  </m:oMath>
+                </a14:m>
+                <a:r>
+                  <a:rPr lang="he-IL" dirty="0" smtClean="0"/>
+                  <a:t>. הפרדנו את שני האפקטים בעזרת התקן ייעודי.</a:t>
+                </a:r>
+              </a:p>
+              <a:p>
+                <a:pPr marL="0" indent="0">
+                  <a:buNone/>
+                </a:pPr>
+                <a:r>
+                  <a:rPr lang="he-IL" dirty="0" smtClean="0"/>
+                  <a:t>מהתוצאות הראינו שכנראה השפעת </a:t>
+                </a:r>
+                <a14:m>
+                  <m:oMath xmlns:m="http://schemas.openxmlformats.org/officeDocument/2006/math">
+                    <m:sSub>
+                      <m:sSubPr>
+                        <m:ctrlPr>
+                          <a:rPr lang="en-US" b="0" i="1" smtClean="0">
+                            <a:latin typeface="Cambria Math" panose="02040503050406030204" pitchFamily="18" charset="0"/>
+                          </a:rPr>
+                        </m:ctrlPr>
+                      </m:sSubPr>
+                      <m:e>
+                        <m:r>
+                          <a:rPr lang="en-US" b="0" i="1" smtClean="0">
+                            <a:latin typeface="Cambria Math" panose="02040503050406030204" pitchFamily="18" charset="0"/>
+                          </a:rPr>
+                          <m:t>𝐼</m:t>
+                        </m:r>
+                      </m:e>
+                      <m:sub>
+                        <m:r>
+                          <a:rPr lang="en-US" b="0" i="1" smtClean="0">
+                            <a:latin typeface="Cambria Math" panose="02040503050406030204" pitchFamily="18" charset="0"/>
+                          </a:rPr>
+                          <m:t>𝑖𝑛𝑡</m:t>
+                        </m:r>
+                      </m:sub>
+                    </m:sSub>
+                  </m:oMath>
+                </a14:m>
+                <a:r>
+                  <a:rPr lang="he-IL" dirty="0" smtClean="0"/>
+                  <a:t> מאוד מקומית. ניתוח </a:t>
+                </a:r>
+                <a:r>
+                  <a:rPr lang="he-IL" dirty="0"/>
+                  <a:t>נומרי של השדות המגנטיים </a:t>
+                </a:r>
+                <a:r>
+                  <a:rPr lang="he-IL" dirty="0" smtClean="0"/>
+                  <a:t>הראה שהתפלגות </a:t>
+                </a:r>
+                <a14:m>
+                  <m:oMath xmlns:m="http://schemas.openxmlformats.org/officeDocument/2006/math">
+                    <m:sSub>
+                      <m:sSubPr>
+                        <m:ctrlPr>
+                          <a:rPr lang="en-US" b="0" i="1" smtClean="0">
+                            <a:latin typeface="Cambria Math" panose="02040503050406030204" pitchFamily="18" charset="0"/>
+                          </a:rPr>
+                        </m:ctrlPr>
+                      </m:sSubPr>
+                      <m:e>
+                        <m:r>
+                          <a:rPr lang="en-US" b="0" i="1" smtClean="0">
+                            <a:latin typeface="Cambria Math" panose="02040503050406030204" pitchFamily="18" charset="0"/>
+                          </a:rPr>
+                          <m:t>𝐽</m:t>
+                        </m:r>
+                      </m:e>
+                      <m:sub>
+                        <m:r>
+                          <a:rPr lang="en-US" b="0" i="1" smtClean="0">
+                            <a:latin typeface="Cambria Math" panose="02040503050406030204" pitchFamily="18" charset="0"/>
+                          </a:rPr>
+                          <m:t>𝑖𝑛𝑡</m:t>
+                        </m:r>
+                      </m:sub>
+                    </m:sSub>
+                  </m:oMath>
+                </a14:m>
+                <a:r>
+                  <a:rPr lang="he-IL" dirty="0" smtClean="0"/>
+                  <a:t> חייבת להיות מרוכזת על פני חתך </a:t>
+                </a:r>
+                <a14:m>
+                  <m:oMath xmlns:m="http://schemas.openxmlformats.org/officeDocument/2006/math">
+                    <m:r>
+                      <a:rPr lang="en-US" b="0" i="1" smtClean="0">
+                        <a:latin typeface="Cambria Math" panose="02040503050406030204" pitchFamily="18" charset="0"/>
+                      </a:rPr>
+                      <m:t>≫</m:t>
+                    </m:r>
+                  </m:oMath>
+                </a14:m>
+                <a:r>
+                  <a:rPr lang="he-IL" dirty="0" smtClean="0"/>
+                  <a:t> </a:t>
+                </a:r>
+                <a14:m>
+                  <m:oMath xmlns:m="http://schemas.openxmlformats.org/officeDocument/2006/math">
+                    <m:sSup>
+                      <m:sSupPr>
+                        <m:ctrlPr>
+                          <a:rPr lang="he-IL" b="0" i="1" dirty="0" smtClean="0">
+                            <a:latin typeface="Cambria Math" panose="02040503050406030204" pitchFamily="18" charset="0"/>
+                          </a:rPr>
+                        </m:ctrlPr>
+                      </m:sSupPr>
+                      <m:e>
+                        <m:r>
+                          <a:rPr lang="he-IL" b="0" i="1" dirty="0" smtClean="0">
+                            <a:latin typeface="Cambria Math" panose="02040503050406030204" pitchFamily="18" charset="0"/>
+                          </a:rPr>
+                          <m:t>10</m:t>
+                        </m:r>
+                      </m:e>
+                      <m:sup>
+                        <m:r>
+                          <a:rPr lang="he-IL" b="0" i="1" dirty="0" smtClean="0">
+                            <a:latin typeface="Cambria Math" panose="02040503050406030204" pitchFamily="18" charset="0"/>
+                          </a:rPr>
+                          <m:t>−</m:t>
+                        </m:r>
+                        <m:r>
+                          <a:rPr lang="he-IL" b="0" i="1" dirty="0" smtClean="0">
+                            <a:latin typeface="Cambria Math" panose="02040503050406030204" pitchFamily="18" charset="0"/>
+                          </a:rPr>
+                          <m:t>4</m:t>
+                        </m:r>
+                      </m:sup>
+                    </m:sSup>
+                  </m:oMath>
+                </a14:m>
+                <a:r>
+                  <a:rPr lang="he-IL" dirty="0" smtClean="0"/>
+                  <a:t> מחתך הדוגמא.</a:t>
+                </a:r>
+                <a:endParaRPr lang="he-IL" dirty="0"/>
+              </a:p>
+            </p:txBody>
+          </p:sp>
+        </mc:Choice>
+        <mc:Fallback>
+          <p:sp>
+            <p:nvSpPr>
+              <p:cNvPr id="3" name="Content Placeholder 2"/>
+              <p:cNvSpPr>
+                <a:spLocks noGrp="1" noRot="1" noChangeAspect="1" noMove="1" noResize="1" noEditPoints="1" noAdjustHandles="1" noChangeArrowheads="1" noChangeShapeType="1" noTextEdit="1"/>
+              </p:cNvSpPr>
+              <p:nvPr>
+                <p:ph idx="1"/>
+              </p:nvPr>
+            </p:nvSpPr>
+            <p:spPr>
+              <a:blipFill rotWithShape="0">
+                <a:blip r:embed="rId2"/>
+                <a:stretch>
+                  <a:fillRect l="-2000" t="-2830" r="-1852"/>
+                </a:stretch>
+              </a:blipFill>
+            </p:spPr>
+            <p:txBody>
+              <a:bodyPr/>
+              <a:lstStyle/>
+              <a:p>
+                <a:r>
+                  <a:rPr lang="en-US">
+                    <a:noFill/>
+                  </a:rPr>
+                  <a:t> </a:t>
+                </a:r>
+              </a:p>
+            </p:txBody>
+          </p:sp>
+        </mc:Fallback>
+      </mc:AlternateContent>
     </p:spTree>
     <p:extLst>
       <p:ext uri="{BB962C8B-B14F-4D97-AF65-F5344CB8AC3E}">
@@ -6129,7 +5957,7 @@
 </p:sld>
 </file>
 
-<file path=ppt/slides/slide4.xml><?xml version="1.0" encoding="utf-8"?>
+<file path=ppt/slides/slide3.xml><?xml version="1.0" encoding="utf-8"?>
 <p:sld xmlns:a="http://schemas.openxmlformats.org/drawingml/2006/main" xmlns:r="http://schemas.openxmlformats.org/officeDocument/2006/relationships" xmlns:p="http://schemas.openxmlformats.org/presentationml/2006/main">
   <p:cSld>
     <p:spTree>
@@ -6187,8 +6015,8 @@
           </a:extLst>
         </p:spPr>
       </p:pic>
-      <mc:AlternateContent xmlns:mc="http://schemas.openxmlformats.org/markup-compatibility/2006" xmlns:a14="http://schemas.microsoft.com/office/drawing/2010/main">
-        <mc:Choice Requires="a14">
+      <mc:AlternateContent xmlns:mc="http://schemas.openxmlformats.org/markup-compatibility/2006">
+        <mc:Choice xmlns:a14="http://schemas.microsoft.com/office/drawing/2010/main" Requires="a14">
           <p:sp>
             <p:nvSpPr>
               <p:cNvPr id="3" name="Content Placeholder 2"/>
@@ -6252,7 +6080,7 @@
                       <m:sSubPr>
                         <m:ctrlPr>
                           <a:rPr lang="en-US" b="0" i="1" smtClean="0">
-                            <a:latin typeface="Cambria Math"/>
+                            <a:latin typeface="Cambria Math" panose="02040503050406030204" pitchFamily="18" charset="0"/>
                           </a:rPr>
                         </m:ctrlPr>
                       </m:sSubPr>
@@ -6286,7 +6114,7 @@
                       <m:fPr>
                         <m:ctrlPr>
                           <a:rPr lang="en-US" b="0" i="1" smtClean="0">
-                            <a:latin typeface="Cambria Math"/>
+                            <a:latin typeface="Cambria Math" panose="02040503050406030204" pitchFamily="18" charset="0"/>
                           </a:rPr>
                         </m:ctrlPr>
                       </m:fPr>
@@ -6357,7 +6185,7 @@
                       <m:fPr>
                         <m:ctrlPr>
                           <a:rPr lang="en-US" b="0" i="1" smtClean="0">
-                            <a:latin typeface="Cambria Math"/>
+                            <a:latin typeface="Cambria Math" panose="02040503050406030204" pitchFamily="18" charset="0"/>
                           </a:rPr>
                         </m:ctrlPr>
                       </m:fPr>
@@ -6431,7 +6259,15 @@
                 </a:br>
                 <a:r>
                   <a:rPr lang="he-IL" dirty="0" smtClean="0"/>
-                  <a:t>במרחב שיגרום לתנועת מערבולות</a:t>
+                  <a:t>במרחב שיגרום לתנועת </a:t>
+                </a:r>
+                <a:r>
+                  <a:rPr lang="he-IL" dirty="0" smtClean="0"/>
+                  <a:t>מערבולות</a:t>
+                </a:r>
+                <a:r>
+                  <a:rPr lang="en-US" dirty="0" smtClean="0"/>
+                  <a:t>.</a:t>
                 </a:r>
                 <a:endParaRPr lang="he-IL" dirty="0"/>
               </a:p>
@@ -6444,7 +6280,7 @@
             </p:txBody>
           </p:sp>
         </mc:Choice>
-        <mc:Fallback xmlns="">
+        <mc:Fallback>
           <p:sp>
             <p:nvSpPr>
               <p:cNvPr id="3" name="Content Placeholder 2"/>
@@ -6460,10 +6296,10 @@
                 <a:off x="457200" y="692696"/>
                 <a:ext cx="8229600" cy="5616624"/>
               </a:xfrm>
-              <a:blipFill rotWithShape="1">
+              <a:blipFill rotWithShape="0">
                 <a:blip r:embed="rId4"/>
                 <a:stretch>
-                  <a:fillRect t="-2389" r="-1407"/>
+                  <a:fillRect l="-74" t="-2497" r="-1407"/>
                 </a:stretch>
               </a:blipFill>
             </p:spPr>
@@ -6472,7 +6308,7 @@
               <a:lstStyle/>
               <a:p>
                 <a:r>
-                  <a:rPr lang="he-IL">
+                  <a:rPr lang="en-US">
                     <a:noFill/>
                   </a:rPr>
                   <a:t> </a:t>
@@ -6482,6 +6318,36 @@
           </p:sp>
         </mc:Fallback>
       </mc:AlternateContent>
+      <p:sp>
+        <p:nvSpPr>
+          <p:cNvPr id="2" name="TextBox 1"/>
+          <p:cNvSpPr txBox="1"/>
+          <p:nvPr/>
+        </p:nvSpPr>
+        <p:spPr>
+          <a:xfrm>
+            <a:off x="4860032" y="44624"/>
+            <a:ext cx="4104456" cy="523220"/>
+          </a:xfrm>
+          <a:prstGeom prst="rect">
+            <a:avLst/>
+          </a:prstGeom>
+          <a:noFill/>
+        </p:spPr>
+        <p:txBody>
+          <a:bodyPr wrap="square" rtlCol="0">
+            <a:spAutoFit/>
+          </a:bodyPr>
+          <a:lstStyle/>
+          <a:p>
+            <a:r>
+              <a:rPr lang="he-IL" sz="2800" dirty="0" smtClean="0"/>
+              <a:t>מערבולות זרם בעל מוליך</a:t>
+            </a:r>
+            <a:endParaRPr lang="en-US" sz="2800" dirty="0"/>
+          </a:p>
+        </p:txBody>
+      </p:sp>
     </p:spTree>
     <p:extLst>
       <p:ext uri="{BB962C8B-B14F-4D97-AF65-F5344CB8AC3E}">
@@ -6502,7 +6368,7 @@
 </p:sld>
 </file>
 
-<file path=ppt/slides/slide5.xml><?xml version="1.0" encoding="utf-8"?>
+<file path=ppt/slides/slide4.xml><?xml version="1.0" encoding="utf-8"?>
 <p:sld xmlns:a="http://schemas.openxmlformats.org/drawingml/2006/main" xmlns:r="http://schemas.openxmlformats.org/officeDocument/2006/relationships" xmlns:p="http://schemas.openxmlformats.org/presentationml/2006/main">
   <p:cSld>
     <p:spTree>
@@ -6519,8 +6385,8 @@
           <a:chExt cx="0" cy="0"/>
         </a:xfrm>
       </p:grpSpPr>
-      <mc:AlternateContent xmlns:mc="http://schemas.openxmlformats.org/markup-compatibility/2006" xmlns:a14="http://schemas.microsoft.com/office/drawing/2010/main">
-        <mc:Choice Requires="a14">
+      <mc:AlternateContent xmlns:mc="http://schemas.openxmlformats.org/markup-compatibility/2006">
+        <mc:Choice xmlns:a14="http://schemas.microsoft.com/office/drawing/2010/main" Requires="a14">
           <p:sp>
             <p:nvSpPr>
               <p:cNvPr id="3" name="Content Placeholder 2"/>
@@ -6539,7 +6405,7 @@
             </p:spPr>
             <p:txBody>
               <a:bodyPr>
-                <a:normAutofit fontScale="92500" lnSpcReduction="20000"/>
+                <a:normAutofit fontScale="85000" lnSpcReduction="10000"/>
               </a:bodyPr>
               <a:lstStyle/>
               <a:p>
@@ -6548,7 +6414,55 @@
                 </a:pPr>
                 <a:r>
                   <a:rPr lang="he-IL" dirty="0" smtClean="0"/>
-                  <a:t>תנועת המערבולות יוצרת הספק, ניתן לראות זאת על ידי הופעתה של התנגדות אפקטיבית למוליך העל (מפל מתח עליו).</a:t>
+                  <a:t>תנועת המערבולות יוצרת הספק, </a:t>
+                </a:r>
+                <a:r>
+                  <a:rPr lang="he-IL" dirty="0"/>
+                  <a:t>שמתבטא </a:t>
+                </a:r>
+                <a:r>
+                  <a:rPr lang="he-IL" dirty="0" smtClean="0"/>
+                  <a:t>במפל </a:t>
+                </a:r>
+                <a:r>
+                  <a:rPr lang="he-IL" dirty="0"/>
+                  <a:t>מתח </a:t>
+                </a:r>
+                <a:r>
+                  <a:rPr lang="he-IL" dirty="0" smtClean="0"/>
+                  <a:t>על הדוגמא </a:t>
+                </a:r>
+                <a:r>
+                  <a:rPr lang="he-IL" dirty="0"/>
+                  <a:t>(התנגדות אפקטיבית</a:t>
+                </a:r>
+                <a:r>
+                  <a:rPr lang="he-IL" dirty="0" smtClean="0"/>
+                  <a:t>). בגלל חוק </a:t>
+                </a:r>
+                <a:r>
+                  <a:rPr lang="he-IL" dirty="0" err="1" smtClean="0"/>
+                  <a:t>פאראדיי</a:t>
+                </a:r>
+                <a:r>
+                  <a:rPr lang="he-IL" dirty="0"/>
+                  <a:t> </a:t>
+                </a:r>
+                <a:r>
+                  <a:rPr lang="he-IL" dirty="0" smtClean="0"/>
+                  <a:t>התנועה משרה שדה חשמלי. </a:t>
+                </a:r>
+                <a:r>
+                  <a:rPr lang="he-IL" dirty="0" smtClean="0"/>
+                  <a:t>מודל </a:t>
+                </a:r>
+                <a:r>
+                  <a:rPr lang="en-US" dirty="0" smtClean="0"/>
+                  <a:t>Stephan Bardeen</a:t>
+                </a:r>
+                <a:r>
+                  <a:rPr lang="he-IL" dirty="0" smtClean="0"/>
+                  <a:t> מניח:</a:t>
                 </a:r>
               </a:p>
               <a:p>
@@ -6557,23 +6471,7 @@
                 </a:pPr>
                 <a:r>
                   <a:rPr lang="he-IL" dirty="0" smtClean="0"/>
-                  <a:t>מודל להספק שמתקבל מתנועת המערבולות הוא מודל </a:t>
-                </a:r>
-                <a:r>
-                  <a:rPr lang="en-US" dirty="0" smtClean="0"/>
-                  <a:t>Stephan Bardeen</a:t>
-                </a:r>
-                <a:r>
-                  <a:rPr lang="he-IL" dirty="0" smtClean="0"/>
-                  <a:t>, שמניח </a:t>
-                </a:r>
-                <a:r>
-                  <a:rPr lang="he-IL" dirty="0" err="1" smtClean="0"/>
-                  <a:t>כח</a:t>
-                </a:r>
-                <a:r>
-                  <a:rPr lang="he-IL" dirty="0" smtClean="0"/>
-                  <a:t> </a:t>
+                  <a:t>מערבולות נעות לאט כמו תחת חיכוך </a:t>
                 </a:r>
                 <a:r>
                   <a:rPr lang="he-IL" dirty="0" err="1" smtClean="0"/>
@@ -6581,16 +6479,68 @@
                 </a:r>
                 <a:r>
                   <a:rPr lang="he-IL" dirty="0" smtClean="0"/>
-                  <a:t> על המערבולות </a:t>
+                  <a:t>.</a:t>
                 </a:r>
+              </a:p>
+              <a:p>
+                <a:pPr marL="0" indent="0">
+                  <a:buNone/>
+                </a:pPr>
                 <a:r>
                   <a:rPr lang="he-IL" dirty="0" err="1" smtClean="0"/>
-                  <a:t>ודיסיפציה</a:t>
+                  <a:t>דיסיפצית</a:t>
                 </a:r>
                 <a:r>
                   <a:rPr lang="he-IL" dirty="0" smtClean="0"/>
-                  <a:t> של אנרגיה בליבות הנורמליות (הנעות).</a:t>
+                  <a:t> האנרגיה נובעת מ- </a:t>
                 </a:r>
+                <a14:m>
+                  <m:oMath xmlns:m="http://schemas.openxmlformats.org/officeDocument/2006/math">
+                    <m:r>
+                      <a:rPr lang="en-US" b="0" i="1" smtClean="0">
+                        <a:latin typeface="Cambria Math" panose="02040503050406030204" pitchFamily="18" charset="0"/>
+                      </a:rPr>
+                      <m:t>𝑊</m:t>
+                    </m:r>
+                    <m:r>
+                      <a:rPr lang="he-IL" b="1" i="1" smtClean="0">
+                        <a:latin typeface="Cambria Math" panose="02040503050406030204" pitchFamily="18" charset="0"/>
+                      </a:rPr>
+                      <m:t>=</m:t>
+                    </m:r>
+                    <m:r>
+                      <a:rPr lang="en-US" b="1" i="1" smtClean="0">
+                        <a:latin typeface="Cambria Math" panose="02040503050406030204" pitchFamily="18" charset="0"/>
+                      </a:rPr>
+                      <m:t>𝑬</m:t>
+                    </m:r>
+                    <m:r>
+                      <a:rPr lang="en-US" b="0" i="1" smtClean="0">
+                        <a:latin typeface="Cambria Math" panose="02040503050406030204" pitchFamily="18" charset="0"/>
+                      </a:rPr>
+                      <m:t>⋅</m:t>
+                    </m:r>
+                    <m:r>
+                      <a:rPr lang="en-US" b="1" i="1" smtClean="0">
+                        <a:latin typeface="Cambria Math" panose="02040503050406030204" pitchFamily="18" charset="0"/>
+                      </a:rPr>
+                      <m:t>𝑱</m:t>
+                    </m:r>
+                  </m:oMath>
+                </a14:m>
+                <a:r>
+                  <a:rPr lang="he-IL" b="1" dirty="0" smtClean="0"/>
+                  <a:t> </a:t>
+                </a:r>
+                <a:r>
+                  <a:rPr lang="he-IL" dirty="0" smtClean="0"/>
+                  <a:t>בליבת המערבולות</a:t>
+                </a:r>
+                <a:r>
+                  <a:rPr lang="he-IL" b="1" dirty="0" smtClean="0"/>
+                  <a:t>.</a:t>
+                </a:r>
+                <a:endParaRPr lang="he-IL" b="1" dirty="0" smtClean="0"/>
               </a:p>
               <a:p>
                 <a:pPr marL="0" indent="0">
@@ -6615,7 +6565,7 @@
                         <m:sSubPr>
                           <m:ctrlPr>
                             <a:rPr lang="en-US" b="0" i="1" smtClean="0">
-                              <a:latin typeface="Cambria Math"/>
+                              <a:latin typeface="Cambria Math" panose="02040503050406030204" pitchFamily="18" charset="0"/>
                             </a:rPr>
                           </m:ctrlPr>
                         </m:sSubPr>
@@ -6658,7 +6608,7 @@
                         <m:fPr>
                           <m:ctrlPr>
                             <a:rPr lang="en-US" b="0" i="1" smtClean="0">
-                              <a:latin typeface="Cambria Math"/>
+                              <a:latin typeface="Cambria Math" panose="02040503050406030204" pitchFamily="18" charset="0"/>
                             </a:rPr>
                           </m:ctrlPr>
                         </m:fPr>
@@ -6667,13 +6617,16 @@
                             <m:sSupPr>
                               <m:ctrlPr>
                                 <a:rPr lang="en-US" b="0" i="1" smtClean="0">
-                                  <a:latin typeface="Cambria Math"/>
+                                  <a:latin typeface="Cambria Math" panose="02040503050406030204" pitchFamily="18" charset="0"/>
                                 </a:rPr>
                               </m:ctrlPr>
                             </m:sSupPr>
                             <m:e>
                               <m:r>
                                 <a:rPr lang="en-US" b="0" i="1" smtClean="0">
+                                  <a:solidFill>
+                                    <a:schemeClr val="tx1"/>
+                                  </a:solidFill>
                                   <a:latin typeface="Cambria Math"/>
                                 </a:rPr>
                                 <m:t>𝑣</m:t>
@@ -6692,7 +6645,7 @@
                             <m:sSubSupPr>
                               <m:ctrlPr>
                                 <a:rPr lang="en-US" b="0" i="1" smtClean="0">
-                                  <a:latin typeface="Cambria Math"/>
+                                  <a:latin typeface="Cambria Math" panose="02040503050406030204" pitchFamily="18" charset="0"/>
                                 </a:rPr>
                               </m:ctrlPr>
                             </m:sSubSupPr>
@@ -6742,7 +6695,7 @@
                             <m:sSupPr>
                               <m:ctrlPr>
                                 <a:rPr lang="en-US" b="0" i="1" smtClean="0">
-                                  <a:latin typeface="Cambria Math"/>
+                                  <a:latin typeface="Cambria Math" panose="02040503050406030204" pitchFamily="18" charset="0"/>
                                 </a:rPr>
                               </m:ctrlPr>
                             </m:sSupPr>
@@ -6767,7 +6720,7 @@
                             <m:sSupPr>
                               <m:ctrlPr>
                                 <a:rPr lang="en-US" b="0" i="1" smtClean="0">
-                                  <a:latin typeface="Cambria Math"/>
+                                  <a:latin typeface="Cambria Math" panose="02040503050406030204" pitchFamily="18" charset="0"/>
                                 </a:rPr>
                               </m:ctrlPr>
                             </m:sSupPr>
@@ -6792,7 +6745,7 @@
                             <m:sSubPr>
                               <m:ctrlPr>
                                 <a:rPr lang="en-US" b="0" i="1" smtClean="0">
-                                  <a:latin typeface="Cambria Math"/>
+                                  <a:latin typeface="Cambria Math" panose="02040503050406030204" pitchFamily="18" charset="0"/>
                                 </a:rPr>
                               </m:ctrlPr>
                             </m:sSubPr>
@@ -6837,13 +6790,19 @@
                         <m:sSubPr>
                           <m:ctrlPr>
                             <a:rPr lang="en-US" b="0" i="1" smtClean="0">
-                              <a:latin typeface="Cambria Math"/>
+                              <a:solidFill>
+                                <a:schemeClr val="tx1"/>
+                              </a:solidFill>
+                              <a:latin typeface="Cambria Math" panose="02040503050406030204" pitchFamily="18" charset="0"/>
                             </a:rPr>
                           </m:ctrlPr>
                         </m:sSubPr>
                         <m:e>
                           <m:r>
                             <a:rPr lang="en-US" b="0" i="1" smtClean="0">
+                              <a:solidFill>
+                                <a:schemeClr val="tx1"/>
+                              </a:solidFill>
                               <a:latin typeface="Cambria Math"/>
                             </a:rPr>
                             <m:t>𝑁</m:t>
@@ -6852,6 +6811,9 @@
                         <m:sub>
                           <m:r>
                             <a:rPr lang="en-US" b="0" i="1" smtClean="0">
+                              <a:solidFill>
+                                <a:schemeClr val="tx1"/>
+                              </a:solidFill>
                               <a:latin typeface="Cambria Math"/>
                             </a:rPr>
                             <m:t>𝑣𝑜𝑟𝑡𝑖𝑐𝑒𝑠</m:t>
@@ -6909,7 +6871,7 @@
                       <m:sSubPr>
                         <m:ctrlPr>
                           <a:rPr lang="en-US" sz="2600" b="0" i="1" smtClean="0">
-                            <a:latin typeface="Cambria Math"/>
+                            <a:latin typeface="Cambria Math" panose="02040503050406030204" pitchFamily="18" charset="0"/>
                           </a:rPr>
                         </m:ctrlPr>
                       </m:sSubPr>
@@ -6969,7 +6931,7 @@
             </p:txBody>
           </p:sp>
         </mc:Choice>
-        <mc:Fallback xmlns="">
+        <mc:Fallback>
           <p:sp>
             <p:nvSpPr>
               <p:cNvPr id="3" name="Content Placeholder 2"/>
@@ -6985,10 +6947,10 @@
                 <a:off x="457200" y="620688"/>
                 <a:ext cx="8229600" cy="5505475"/>
               </a:xfrm>
-              <a:blipFill rotWithShape="1">
+              <a:blipFill rotWithShape="0">
                 <a:blip r:embed="rId2"/>
                 <a:stretch>
-                  <a:fillRect l="-815" t="-3101" r="-1778"/>
+                  <a:fillRect t="-1772" r="-1407"/>
                 </a:stretch>
               </a:blipFill>
             </p:spPr>
@@ -6997,7 +6959,7 @@
               <a:lstStyle/>
               <a:p>
                 <a:r>
-                  <a:rPr lang="he-IL">
+                  <a:rPr lang="en-US">
                     <a:noFill/>
                   </a:rPr>
                   <a:t> </a:t>
@@ -7007,6 +6969,40 @@
           </p:sp>
         </mc:Fallback>
       </mc:AlternateContent>
+      <p:sp>
+        <p:nvSpPr>
+          <p:cNvPr id="4" name="TextBox 3"/>
+          <p:cNvSpPr txBox="1"/>
+          <p:nvPr/>
+        </p:nvSpPr>
+        <p:spPr>
+          <a:xfrm>
+            <a:off x="4860032" y="44624"/>
+            <a:ext cx="4104456" cy="523220"/>
+          </a:xfrm>
+          <a:prstGeom prst="rect">
+            <a:avLst/>
+          </a:prstGeom>
+          <a:noFill/>
+        </p:spPr>
+        <p:txBody>
+          <a:bodyPr wrap="square" rtlCol="0">
+            <a:spAutoFit/>
+          </a:bodyPr>
+          <a:lstStyle/>
+          <a:p>
+            <a:r>
+              <a:rPr lang="he-IL" sz="2800" dirty="0" smtClean="0"/>
+              <a:t>תנועת מערבולות </a:t>
+            </a:r>
+            <a:r>
+              <a:rPr lang="he-IL" sz="2800" dirty="0" err="1" smtClean="0"/>
+              <a:t>ודיסיפציה</a:t>
+            </a:r>
+            <a:endParaRPr lang="en-US" sz="2800" dirty="0"/>
+          </a:p>
+        </p:txBody>
+      </p:sp>
     </p:spTree>
     <p:extLst>
       <p:ext uri="{BB962C8B-B14F-4D97-AF65-F5344CB8AC3E}">
@@ -7027,7 +7023,7 @@
 </p:sld>
 </file>
 
-<file path=ppt/slides/slide6.xml><?xml version="1.0" encoding="utf-8"?>
+<file path=ppt/slides/slide5.xml><?xml version="1.0" encoding="utf-8"?>
 <p:sld xmlns:a="http://schemas.openxmlformats.org/drawingml/2006/main" xmlns:r="http://schemas.openxmlformats.org/officeDocument/2006/relationships" xmlns:p="http://schemas.openxmlformats.org/presentationml/2006/main">
   <p:cSld>
     <p:spTree>
@@ -7076,7 +7072,11 @@
                 </a:r>
                 <a:r>
                   <a:rPr lang="he-IL" dirty="0" smtClean="0"/>
-                  <a:t> בתוך התקן</a:t>
+                  <a:t> בתוך </a:t>
+                </a:r>
+                <a:r>
+                  <a:rPr lang="he-IL" dirty="0" smtClean="0"/>
+                  <a:t>התקן ייעודי</a:t>
                 </a:r>
                 <a:endParaRPr lang="en-US" dirty="0" smtClean="0"/>
               </a:p>
@@ -7085,10 +7085,16 @@
                   <a:rPr lang="he-IL" dirty="0" smtClean="0"/>
                   <a:t>מדידת </a:t>
                 </a:r>
-                <a:r>
-                  <a:rPr lang="en-US" dirty="0" smtClean="0"/>
-                  <a:t>V(I)</a:t>
-                </a:r>
+                <a14:m>
+                  <m:oMath xmlns:m="http://schemas.openxmlformats.org/officeDocument/2006/math">
+                    <m:r>
+                      <a:rPr lang="en-US" b="0" i="1" smtClean="0">
+                        <a:latin typeface="Cambria Math" panose="02040503050406030204" pitchFamily="18" charset="0"/>
+                      </a:rPr>
+                      <m:t>𝑉</m:t>
+                    </m:r>
+                  </m:oMath>
+                </a14:m>
                 <a:r>
                   <a:rPr lang="he-IL" dirty="0" smtClean="0"/>
                   <a:t> עם </a:t>
@@ -7102,11 +7108,19 @@
               <a:p>
                 <a:r>
                   <a:rPr lang="he-IL" dirty="0" smtClean="0"/>
-                  <a:t>קירור עם חנקן </a:t>
+                  <a:t>קירור </a:t>
                 </a:r>
                 <a:r>
                   <a:rPr lang="he-IL" dirty="0" smtClean="0"/>
-                  <a:t>נוזלי(</a:t>
+                  <a:t>ע"י </a:t>
+                </a:r>
+                <a:r>
+                  <a:rPr lang="he-IL" dirty="0" smtClean="0"/>
+                  <a:t>חנקן </a:t>
+                </a:r>
+                <a:r>
+                  <a:rPr lang="he-IL" dirty="0" smtClean="0"/>
+                  <a:t>נוזלי (</a:t>
                 </a:r>
                 <a14:m>
                   <m:oMath xmlns:m="http://schemas.openxmlformats.org/officeDocument/2006/math">
@@ -7134,7 +7148,6 @@
                   <a:rPr lang="he-IL" dirty="0" smtClean="0"/>
                   <a:t>)</a:t>
                 </a:r>
-                <a:endParaRPr lang="he-IL" dirty="0" smtClean="0"/>
               </a:p>
               <a:p>
                 <a:r>
@@ -7162,10 +7175,10 @@
                 <a:off x="4725245" y="836712"/>
                 <a:ext cx="4311251" cy="5260909"/>
               </a:xfrm>
-              <a:blipFill rotWithShape="1">
+              <a:blipFill rotWithShape="0">
                 <a:blip r:embed="rId2"/>
                 <a:stretch>
-                  <a:fillRect l="-2263" t="-1506" r="-3536"/>
+                  <a:fillRect l="-2263" t="-1506" r="-3395"/>
                 </a:stretch>
               </a:blipFill>
             </p:spPr>
@@ -7174,7 +7187,7 @@
               <a:lstStyle/>
               <a:p>
                 <a:r>
-                  <a:rPr lang="he-IL">
+                  <a:rPr lang="en-US">
                     <a:noFill/>
                   </a:rPr>
                   <a:t> </a:t>
@@ -9851,7 +9864,7 @@
                                 <m:sSubPr>
                                   <m:ctrlPr>
                                     <a:rPr lang="en-US" b="0" i="1" smtClean="0">
-                                      <a:latin typeface="Cambria Math"/>
+                                      <a:latin typeface="Cambria Math" panose="02040503050406030204" pitchFamily="18" charset="0"/>
                                     </a:rPr>
                                   </m:ctrlPr>
                                 </m:sSubPr>
@@ -10371,7 +10384,7 @@
                               <m:sSubPr>
                                 <m:ctrlPr>
                                   <a:rPr lang="en-US" b="0" i="1" smtClean="0">
-                                    <a:latin typeface="Cambria Math"/>
+                                    <a:latin typeface="Cambria Math" panose="02040503050406030204" pitchFamily="18" charset="0"/>
                                   </a:rPr>
                                 </m:ctrlPr>
                               </m:sSubPr>
@@ -25572,7 +25585,7 @@
                           <m:sSubPr>
                             <m:ctrlPr>
                               <a:rPr lang="en-US" b="0" i="1" smtClean="0">
-                                <a:latin typeface="Cambria Math"/>
+                                <a:latin typeface="Cambria Math" panose="02040503050406030204" pitchFamily="18" charset="0"/>
                               </a:rPr>
                             </m:ctrlPr>
                           </m:sSubPr>
@@ -25661,7 +25674,7 @@
 </p:sld>
 </file>
 
-<file path=ppt/slides/slide7.xml><?xml version="1.0" encoding="utf-8"?>
+<file path=ppt/slides/slide6.xml><?xml version="1.0" encoding="utf-8"?>
 <p:sld xmlns:a="http://schemas.openxmlformats.org/drawingml/2006/main" xmlns:r="http://schemas.openxmlformats.org/officeDocument/2006/relationships" xmlns:p="http://schemas.openxmlformats.org/presentationml/2006/main">
   <p:cSld>
     <p:spTree>
@@ -25680,69 +25693,33 @@
       </p:grpSpPr>
       <p:pic>
         <p:nvPicPr>
-          <p:cNvPr id="1026" name="Picture 2" descr="H:\physics\lab\sc3.git\figs\H_I_ext.png"/>
+          <p:cNvPr id="2" name="Content Placeholder 1"/>
           <p:cNvPicPr>
-            <a:picLocks noChangeAspect="1" noChangeArrowheads="1"/>
+            <a:picLocks noGrp="1" noChangeAspect="1"/>
           </p:cNvPicPr>
-          <p:nvPr/>
+          <p:nvPr>
+            <p:ph idx="1"/>
+          </p:nvPr>
         </p:nvPicPr>
         <p:blipFill>
-          <a:blip r:embed="rId2" cstate="print">
+          <a:blip r:embed="rId2">
             <a:extLst>
               <a:ext uri="{28A0092B-C50C-407E-A947-70E740481C1C}">
                 <a14:useLocalDpi xmlns:a14="http://schemas.microsoft.com/office/drawing/2010/main" val="0"/>
               </a:ext>
             </a:extLst>
           </a:blip>
-          <a:srcRect/>
           <a:stretch>
             <a:fillRect/>
           </a:stretch>
         </p:blipFill>
-        <p:spPr bwMode="auto">
+        <p:spPr>
           <a:xfrm>
-            <a:off x="1800950" y="3177506"/>
-            <a:ext cx="7788999" cy="3887738"/>
+            <a:off x="-214727" y="2132856"/>
+            <a:ext cx="5845164" cy="4525962"/>
           </a:xfrm>
-          <a:prstGeom prst="rect">
-            <a:avLst/>
-          </a:prstGeom>
-          <a:noFill/>
-          <a:extLst>
-            <a:ext uri="{909E8E84-426E-40DD-AFC4-6F175D3DCCD1}">
-              <a14:hiddenFill xmlns:a14="http://schemas.microsoft.com/office/drawing/2010/main">
-                <a:solidFill>
-                  <a:srgbClr val="FFFFFF"/>
-                </a:solidFill>
-              </a14:hiddenFill>
-            </a:ext>
-          </a:extLst>
         </p:spPr>
       </p:pic>
-      <p:sp>
-        <p:nvSpPr>
-          <p:cNvPr id="3" name="Content Placeholder 2"/>
-          <p:cNvSpPr>
-            <a:spLocks noGrp="1"/>
-          </p:cNvSpPr>
-          <p:nvPr>
-            <p:ph idx="1"/>
-          </p:nvPr>
-        </p:nvSpPr>
-        <p:spPr>
-          <a:xfrm>
-            <a:off x="8388424" y="2643035"/>
-            <a:ext cx="8229600" cy="4525963"/>
-          </a:xfrm>
-        </p:spPr>
-        <p:txBody>
-          <a:bodyPr/>
-          <a:lstStyle/>
-          <a:p>
-            <a:endParaRPr lang="he-IL" dirty="0"/>
-          </a:p>
-        </p:txBody>
-      </p:sp>
       <p:grpSp>
         <p:nvGrpSpPr>
           <p:cNvPr id="4" name="Group 3"/>
@@ -26184,7 +26161,7 @@
                             <m:sSubPr>
                               <m:ctrlPr>
                                 <a:rPr lang="en-US" b="0" i="1" smtClean="0">
-                                  <a:latin typeface="Cambria Math"/>
+                                  <a:latin typeface="Cambria Math" panose="02040503050406030204" pitchFamily="18" charset="0"/>
                                 </a:rPr>
                               </m:ctrlPr>
                             </m:sSubPr>
@@ -36208,7 +36185,7 @@
                             <m:sSubPr>
                               <m:ctrlPr>
                                 <a:rPr lang="en-US" b="0" i="1" smtClean="0">
-                                  <a:latin typeface="Cambria Math"/>
+                                  <a:latin typeface="Cambria Math" panose="02040503050406030204" pitchFamily="18" charset="0"/>
                                 </a:rPr>
                               </m:ctrlPr>
                             </m:sSubPr>
@@ -36545,7 +36522,7 @@
                             <m:chr m:val="̂"/>
                             <m:ctrlPr>
                               <a:rPr lang="en-US" i="1" smtClean="0">
-                                <a:latin typeface="Cambria Math"/>
+                                <a:latin typeface="Cambria Math" panose="02040503050406030204" pitchFamily="18" charset="0"/>
                               </a:rPr>
                             </m:ctrlPr>
                           </m:accPr>
@@ -36568,7 +36545,7 @@
                           <m:sSubPr>
                             <m:ctrlPr>
                               <a:rPr lang="en-US" b="0" i="1" smtClean="0">
-                                <a:latin typeface="Cambria Math"/>
+                                <a:latin typeface="Cambria Math" panose="02040503050406030204" pitchFamily="18" charset="0"/>
                               </a:rPr>
                             </m:ctrlPr>
                           </m:sSubPr>
@@ -36578,7 +36555,7 @@
                                 <m:chr m:val="⃑"/>
                                 <m:ctrlPr>
                                   <a:rPr lang="en-US" b="0" i="1" smtClean="0">
-                                    <a:latin typeface="Cambria Math"/>
+                                    <a:latin typeface="Cambria Math" panose="02040503050406030204" pitchFamily="18" charset="0"/>
                                   </a:rPr>
                                 </m:ctrlPr>
                               </m:accPr>
@@ -36778,7 +36755,7 @@
                             <m:chr m:val="̂"/>
                             <m:ctrlPr>
                               <a:rPr lang="en-US" i="1" smtClean="0">
-                                <a:latin typeface="Cambria Math"/>
+                                <a:latin typeface="Cambria Math" panose="02040503050406030204" pitchFamily="18" charset="0"/>
                               </a:rPr>
                             </m:ctrlPr>
                           </m:accPr>
@@ -36968,7 +36945,7 @@
                             <m:chr m:val="̂"/>
                             <m:ctrlPr>
                               <a:rPr lang="en-US" i="1" smtClean="0">
-                                <a:latin typeface="Cambria Math"/>
+                                <a:latin typeface="Cambria Math" panose="02040503050406030204" pitchFamily="18" charset="0"/>
                               </a:rPr>
                             </m:ctrlPr>
                           </m:accPr>
@@ -36991,7 +36968,7 @@
                           <m:sSubPr>
                             <m:ctrlPr>
                               <a:rPr lang="en-US" b="0" i="1" smtClean="0">
-                                <a:latin typeface="Cambria Math"/>
+                                <a:latin typeface="Cambria Math" panose="02040503050406030204" pitchFamily="18" charset="0"/>
                               </a:rPr>
                             </m:ctrlPr>
                           </m:sSubPr>
@@ -37001,7 +36978,7 @@
                                 <m:chr m:val="⃑"/>
                                 <m:ctrlPr>
                                   <a:rPr lang="en-US" b="0" i="1" smtClean="0">
-                                    <a:latin typeface="Cambria Math"/>
+                                    <a:latin typeface="Cambria Math" panose="02040503050406030204" pitchFamily="18" charset="0"/>
                                   </a:rPr>
                                 </m:ctrlPr>
                               </m:accPr>
@@ -37080,7 +37057,7 @@
         </p:nvSpPr>
         <p:spPr>
           <a:xfrm>
-            <a:off x="2446317" y="418800"/>
+            <a:off x="5439162" y="3584188"/>
             <a:ext cx="2760269" cy="1200329"/>
           </a:xfrm>
           <a:prstGeom prst="rect">
@@ -37099,12 +37076,12 @@
               <a:t>תילים משני </a:t>
             </a:r>
             <a:r>
-              <a:rPr lang="he-IL" sz="2400" dirty="0" err="1" smtClean="0"/>
-              <a:t>צידי</a:t>
+              <a:rPr lang="he-IL" sz="2400" dirty="0" smtClean="0"/>
+              <a:t>צדי </a:t>
             </a:r>
             <a:r>
               <a:rPr lang="he-IL" sz="2400" dirty="0" smtClean="0"/>
-              <a:t> הדוגמה משרים שדה המשתנה לרוחבה</a:t>
+              <a:t>הדוגמה משרים שדה המשתנה לרוחבה</a:t>
             </a:r>
             <a:endParaRPr lang="he-IL" sz="2400" dirty="0"/>
           </a:p>
@@ -37130,7 +37107,7 @@
 </p:sld>
 </file>
 
-<file path=ppt/slides/slide8.xml><?xml version="1.0" encoding="utf-8"?>
+<file path=ppt/slides/slide7.xml><?xml version="1.0" encoding="utf-8"?>
 <p:sld xmlns:a="http://schemas.openxmlformats.org/drawingml/2006/main" xmlns:r="http://schemas.openxmlformats.org/officeDocument/2006/relationships" xmlns:p="http://schemas.openxmlformats.org/presentationml/2006/main">
   <p:cSld>
     <p:spTree>
@@ -37147,6 +37124,36 @@
           <a:chExt cx="0" cy="0"/>
         </a:xfrm>
       </p:grpSpPr>
+      <p:pic>
+        <p:nvPicPr>
+          <p:cNvPr id="2" name="Picture 1"/>
+          <p:cNvPicPr>
+            <a:picLocks noChangeAspect="1"/>
+          </p:cNvPicPr>
+          <p:nvPr/>
+        </p:nvPicPr>
+        <p:blipFill>
+          <a:blip r:embed="rId2" cstate="print">
+            <a:extLst>
+              <a:ext uri="{28A0092B-C50C-407E-A947-70E740481C1C}">
+                <a14:useLocalDpi xmlns:a14="http://schemas.microsoft.com/office/drawing/2010/main" val="0"/>
+              </a:ext>
+            </a:extLst>
+          </a:blip>
+          <a:stretch>
+            <a:fillRect/>
+          </a:stretch>
+        </p:blipFill>
+        <p:spPr>
+          <a:xfrm>
+            <a:off x="-108521" y="2852936"/>
+            <a:ext cx="5079441" cy="3933056"/>
+          </a:xfrm>
+          <a:prstGeom prst="rect">
+            <a:avLst/>
+          </a:prstGeom>
+        </p:spPr>
+      </p:pic>
       <mc:AlternateContent xmlns:mc="http://schemas.openxmlformats.org/markup-compatibility/2006">
         <mc:Choice xmlns:a14="http://schemas.microsoft.com/office/drawing/2010/main" Requires="a14">
           <p:sp>
@@ -37161,16 +37168,17 @@
             </p:nvSpPr>
             <p:spPr>
               <a:xfrm>
-                <a:off x="4361795" y="908719"/>
-                <a:ext cx="4618856" cy="4608513"/>
+                <a:off x="179512" y="548680"/>
+                <a:ext cx="8801139" cy="5472609"/>
               </a:xfrm>
             </p:spPr>
             <p:txBody>
               <a:bodyPr>
-                <a:normAutofit lnSpcReduction="10000"/>
+                <a:normAutofit/>
               </a:bodyPr>
               <a:lstStyle/>
               <a:p>
+                <a:pPr/>
                 <a:r>
                   <a:rPr lang="he-IL" dirty="0" smtClean="0"/>
                   <a:t>מדדנו פרופיל </a:t>
@@ -37185,7 +37193,7 @@
                       <m:sSubPr>
                         <m:ctrlPr>
                           <a:rPr lang="en-US" i="1" dirty="0" smtClean="0">
-                            <a:latin typeface="Cambria Math"/>
+                            <a:latin typeface="Cambria Math" panose="02040503050406030204" pitchFamily="18" charset="0"/>
                           </a:rPr>
                         </m:ctrlPr>
                       </m:sSubPr>
@@ -37214,7 +37222,7 @@
                 </a:r>
                 <a:r>
                   <a:rPr lang="he-IL" dirty="0" smtClean="0"/>
-                  <a:t> ומצאנו את </a:t>
+                  <a:t> ומצאנו </a:t>
                 </a:r>
                 <a14:m>
                   <m:oMath xmlns:m="http://schemas.openxmlformats.org/officeDocument/2006/math">
@@ -37222,7 +37230,7 @@
                       <m:sSubPr>
                         <m:ctrlPr>
                           <a:rPr lang="en-US" b="0" i="1" smtClean="0">
-                            <a:latin typeface="Cambria Math"/>
+                            <a:latin typeface="Cambria Math" panose="02040503050406030204" pitchFamily="18" charset="0"/>
                           </a:rPr>
                         </m:ctrlPr>
                       </m:sSubPr>
@@ -37304,7 +37312,7 @@
                       <a:rPr lang="en-US" b="0" i="1" smtClean="0">
                         <a:latin typeface="Cambria Math"/>
                       </a:rPr>
-                      <m:t>𝐴𝑚𝑝</m:t>
+                      <m:t>𝐴</m:t>
                     </m:r>
                   </m:oMath>
                 </a14:m>
@@ -37321,7 +37329,7 @@
                       <m:sSubPr>
                         <m:ctrlPr>
                           <a:rPr lang="en-US" i="1" dirty="0">
-                            <a:latin typeface="Cambria Math"/>
+                            <a:latin typeface="Cambria Math" panose="02040503050406030204" pitchFamily="18" charset="0"/>
                           </a:rPr>
                         </m:ctrlPr>
                       </m:sSubPr>
@@ -37358,7 +37366,7 @@
                       <m:sSubPr>
                         <m:ctrlPr>
                           <a:rPr lang="en-US" i="1">
-                            <a:latin typeface="Cambria Math"/>
+                            <a:latin typeface="Cambria Math" panose="02040503050406030204" pitchFamily="18" charset="0"/>
                           </a:rPr>
                         </m:ctrlPr>
                       </m:sSubPr>
@@ -37386,7 +37394,11 @@
                 </a14:m>
                 <a:r>
                   <a:rPr lang="he-IL" dirty="0" smtClean="0"/>
-                  <a:t>, מדדנו את </a:t>
+                  <a:t>, </a:t>
+                </a:r>
+                <a:r>
+                  <a:rPr lang="he-IL" dirty="0" smtClean="0"/>
+                  <a:t>מדדנו את </a:t>
                 </a:r>
                 <a14:m>
                   <m:oMath xmlns:m="http://schemas.openxmlformats.org/officeDocument/2006/math">
@@ -37409,7 +37421,22 @@
                 </a14:m>
                 <a:r>
                   <a:rPr lang="he-IL" dirty="0" smtClean="0"/>
-                  <a:t> שנגרם ע"י השפעת </a:t>
+                  <a:t> שנגרם ע"י </a:t>
+                </a:r>
+                <a:r>
+                  <a:rPr lang="he-IL" dirty="0" smtClean="0"/>
+                  <a:t>השפעת</a:t>
+                </a:r>
+                <a:r>
+                  <a:rPr lang="en-US" dirty="0" smtClean="0"/>
+                  <a:t/>
+                </a:r>
+                <a:br>
+                  <a:rPr lang="en-US" dirty="0" smtClean="0"/>
+                </a:br>
+                <a:r>
+                  <a:rPr lang="he-IL" dirty="0" smtClean="0"/>
+                  <a:t> </a:t>
                 </a:r>
                 <a14:m>
                   <m:oMath xmlns:m="http://schemas.openxmlformats.org/officeDocument/2006/math">
@@ -37417,7 +37444,7 @@
                       <m:sSubPr>
                         <m:ctrlPr>
                           <a:rPr lang="en-US" i="1" dirty="0" smtClean="0">
-                            <a:latin typeface="Cambria Math"/>
+                            <a:latin typeface="Cambria Math" panose="02040503050406030204" pitchFamily="18" charset="0"/>
                           </a:rPr>
                         </m:ctrlPr>
                       </m:sSubPr>
@@ -37460,7 +37487,7 @@
                       <a:rPr lang="en-US" i="1" dirty="0" smtClean="0">
                         <a:latin typeface="Cambria Math"/>
                       </a:rPr>
-                      <m:t>𝐴𝑚𝑝</m:t>
+                      <m:t>𝐴</m:t>
                     </m:r>
                   </m:oMath>
                 </a14:m>
@@ -37477,7 +37504,7 @@
                       <m:sSubPr>
                         <m:ctrlPr>
                           <a:rPr lang="en-US" i="1">
-                            <a:latin typeface="Cambria Math"/>
+                            <a:latin typeface="Cambria Math" panose="02040503050406030204" pitchFamily="18" charset="0"/>
                           </a:rPr>
                         </m:ctrlPr>
                       </m:sSubPr>
@@ -37513,7 +37540,7 @@
                       <m:sSubPr>
                         <m:ctrlPr>
                           <a:rPr lang="en-US" i="1" dirty="0">
-                            <a:latin typeface="Cambria Math"/>
+                            <a:latin typeface="Cambria Math" panose="02040503050406030204" pitchFamily="18" charset="0"/>
                           </a:rPr>
                         </m:ctrlPr>
                       </m:sSubPr>
@@ -37546,7 +37573,7 @@
                       <m:sSubPr>
                         <m:ctrlPr>
                           <a:rPr lang="en-US" i="1" dirty="0">
-                            <a:latin typeface="Cambria Math"/>
+                            <a:latin typeface="Cambria Math" panose="02040503050406030204" pitchFamily="18" charset="0"/>
                           </a:rPr>
                         </m:ctrlPr>
                       </m:sSubPr>
@@ -37593,13 +37620,13 @@
             </p:nvSpPr>
             <p:spPr>
               <a:xfrm>
-                <a:off x="4361795" y="908719"/>
-                <a:ext cx="4618856" cy="4608513"/>
+                <a:off x="179512" y="548680"/>
+                <a:ext cx="8801139" cy="5472609"/>
               </a:xfrm>
-              <a:blipFill rotWithShape="1">
-                <a:blip r:embed="rId2"/>
+              <a:blipFill rotWithShape="0">
+                <a:blip r:embed="rId3"/>
                 <a:stretch>
-                  <a:fillRect l="-4359" t="-3042" r="-3303"/>
+                  <a:fillRect l="-1524" t="-1670" r="-1662"/>
                 </a:stretch>
               </a:blipFill>
             </p:spPr>
@@ -37608,7 +37635,7 @@
               <a:lstStyle/>
               <a:p>
                 <a:r>
-                  <a:rPr lang="he-IL">
+                  <a:rPr lang="en-US">
                     <a:noFill/>
                   </a:rPr>
                   <a:t> </a:t>
@@ -37618,40 +37645,6 @@
           </p:sp>
         </mc:Fallback>
       </mc:AlternateContent>
-      <p:sp>
-        <p:nvSpPr>
-          <p:cNvPr id="4" name="TextBox 3"/>
-          <p:cNvSpPr txBox="1"/>
-          <p:nvPr/>
-        </p:nvSpPr>
-        <p:spPr>
-          <a:xfrm>
-            <a:off x="539552" y="2564904"/>
-            <a:ext cx="2232248" cy="369332"/>
-          </a:xfrm>
-          <a:prstGeom prst="rect">
-            <a:avLst/>
-          </a:prstGeom>
-          <a:noFill/>
-        </p:spPr>
-        <p:txBody>
-          <a:bodyPr wrap="square" rtlCol="1">
-            <a:spAutoFit/>
-          </a:bodyPr>
-          <a:lstStyle/>
-          <a:p>
-            <a:r>
-              <a:rPr lang="he-IL" dirty="0" smtClean="0"/>
-              <a:t>גרף </a:t>
-            </a:r>
-            <a:r>
-              <a:rPr lang="en-US" dirty="0" smtClean="0"/>
-              <a:t>V(I)</a:t>
-            </a:r>
-            <a:endParaRPr lang="he-IL" dirty="0"/>
-          </a:p>
-        </p:txBody>
-      </p:sp>
     </p:spTree>
     <p:extLst>
       <p:ext uri="{BB962C8B-B14F-4D97-AF65-F5344CB8AC3E}">
@@ -37672,7 +37665,7 @@
 </p:sld>
 </file>
 
-<file path=ppt/slides/slide9.xml><?xml version="1.0" encoding="utf-8"?>
+<file path=ppt/slides/slide8.xml><?xml version="1.0" encoding="utf-8"?>
 <p:sld xmlns:a="http://schemas.openxmlformats.org/drawingml/2006/main" xmlns:r="http://schemas.openxmlformats.org/officeDocument/2006/relationships" xmlns:p="http://schemas.openxmlformats.org/presentationml/2006/main">
   <p:cSld>
     <p:spTree>
@@ -37689,8 +37682,38 @@
           <a:chExt cx="0" cy="0"/>
         </a:xfrm>
       </p:grpSpPr>
-      <mc:AlternateContent xmlns:mc="http://schemas.openxmlformats.org/markup-compatibility/2006">
-        <mc:Choice xmlns:a14="http://schemas.microsoft.com/office/drawing/2010/main" Requires="a14">
+      <p:pic>
+        <p:nvPicPr>
+          <p:cNvPr id="2" name="Picture 1"/>
+          <p:cNvPicPr>
+            <a:picLocks noChangeAspect="1"/>
+          </p:cNvPicPr>
+          <p:nvPr/>
+        </p:nvPicPr>
+        <p:blipFill>
+          <a:blip r:embed="rId2" cstate="print">
+            <a:extLst>
+              <a:ext uri="{28A0092B-C50C-407E-A947-70E740481C1C}">
+                <a14:useLocalDpi xmlns:a14="http://schemas.microsoft.com/office/drawing/2010/main" val="0"/>
+              </a:ext>
+            </a:extLst>
+          </a:blip>
+          <a:stretch>
+            <a:fillRect/>
+          </a:stretch>
+        </p:blipFill>
+        <p:spPr>
+          <a:xfrm>
+            <a:off x="1475656" y="2823473"/>
+            <a:ext cx="7848872" cy="3917895"/>
+          </a:xfrm>
+          <a:prstGeom prst="rect">
+            <a:avLst/>
+          </a:prstGeom>
+        </p:spPr>
+      </p:pic>
+      <mc:AlternateContent xmlns:mc="http://schemas.openxmlformats.org/markup-compatibility/2006" xmlns:a14="http://schemas.microsoft.com/office/drawing/2010/main">
+        <mc:Choice Requires="a14">
           <p:sp>
             <p:nvSpPr>
               <p:cNvPr id="3" name="Content Placeholder 2"/>
@@ -37721,7 +37744,7 @@
                       <m:sSubPr>
                         <m:ctrlPr>
                           <a:rPr lang="en-US" b="0" i="1" smtClean="0">
-                            <a:latin typeface="Cambria Math"/>
+                            <a:latin typeface="Cambria Math" panose="02040503050406030204" pitchFamily="18" charset="0"/>
                           </a:rPr>
                         </m:ctrlPr>
                       </m:sSubPr>
@@ -37753,7 +37776,7 @@
             </p:txBody>
           </p:sp>
         </mc:Choice>
-        <mc:Fallback>
+        <mc:Fallback xmlns="">
           <p:sp>
             <p:nvSpPr>
               <p:cNvPr id="3" name="Content Placeholder 2"/>
@@ -37770,7 +37793,7 @@
                 <a:ext cx="3981128" cy="2952328"/>
               </a:xfrm>
               <a:blipFill rotWithShape="1">
-                <a:blip r:embed="rId2"/>
+                <a:blip r:embed="rId3"/>
                 <a:stretch>
                   <a:fillRect t="-2686" r="-3828"/>
                 </a:stretch>
@@ -37791,47 +37814,6 @@
           </p:sp>
         </mc:Fallback>
       </mc:AlternateContent>
-      <p:pic>
-        <p:nvPicPr>
-          <p:cNvPr id="4" name="Picture 2" descr="H:\physics\lab\sc3.git\figs\v_shift_detrand.png"/>
-          <p:cNvPicPr>
-            <a:picLocks noChangeAspect="1" noChangeArrowheads="1"/>
-          </p:cNvPicPr>
-          <p:nvPr/>
-        </p:nvPicPr>
-        <p:blipFill>
-          <a:blip r:embed="rId3" cstate="print">
-            <a:extLst>
-              <a:ext uri="{28A0092B-C50C-407E-A947-70E740481C1C}">
-                <a14:useLocalDpi xmlns:a14="http://schemas.microsoft.com/office/drawing/2010/main" val="0"/>
-              </a:ext>
-            </a:extLst>
-          </a:blip>
-          <a:srcRect/>
-          <a:stretch>
-            <a:fillRect/>
-          </a:stretch>
-        </p:blipFill>
-        <p:spPr bwMode="auto">
-          <a:xfrm>
-            <a:off x="2123728" y="2708920"/>
-            <a:ext cx="7501856" cy="3744416"/>
-          </a:xfrm>
-          <a:prstGeom prst="rect">
-            <a:avLst/>
-          </a:prstGeom>
-          <a:noFill/>
-          <a:extLst>
-            <a:ext uri="{909E8E84-426E-40DD-AFC4-6F175D3DCCD1}">
-              <a14:hiddenFill xmlns:a14="http://schemas.microsoft.com/office/drawing/2010/main">
-                <a:solidFill>
-                  <a:srgbClr val="FFFFFF"/>
-                </a:solidFill>
-              </a14:hiddenFill>
-            </a:ext>
-          </a:extLst>
-        </p:spPr>
-      </p:pic>
       <p:pic>
         <p:nvPicPr>
           <p:cNvPr id="5" name="Picture 3"/>
@@ -37906,6 +37888,622 @@
   <p:clrMapOvr>
     <a:masterClrMapping/>
   </p:clrMapOvr>
+</p:sld>
+</file>
+
+<file path=ppt/slides/slide9.xml><?xml version="1.0" encoding="utf-8"?>
+<p:sld xmlns:a="http://schemas.openxmlformats.org/drawingml/2006/main" xmlns:r="http://schemas.openxmlformats.org/officeDocument/2006/relationships" xmlns:p="http://schemas.openxmlformats.org/presentationml/2006/main">
+  <p:cSld>
+    <p:spTree>
+      <p:nvGrpSpPr>
+        <p:cNvPr id="1" name=""/>
+        <p:cNvGrpSpPr/>
+        <p:nvPr/>
+      </p:nvGrpSpPr>
+      <p:grpSpPr>
+        <a:xfrm>
+          <a:off x="0" y="0"/>
+          <a:ext cx="0" cy="0"/>
+          <a:chOff x="0" y="0"/>
+          <a:chExt cx="0" cy="0"/>
+        </a:xfrm>
+      </p:grpSpPr>
+      <p:pic>
+        <p:nvPicPr>
+          <p:cNvPr id="2" name="Picture 1"/>
+          <p:cNvPicPr>
+            <a:picLocks noChangeAspect="1"/>
+          </p:cNvPicPr>
+          <p:nvPr/>
+        </p:nvPicPr>
+        <p:blipFill>
+          <a:blip r:embed="rId2" cstate="print">
+            <a:extLst>
+              <a:ext uri="{28A0092B-C50C-407E-A947-70E740481C1C}">
+                <a14:useLocalDpi xmlns:a14="http://schemas.microsoft.com/office/drawing/2010/main" val="0"/>
+              </a:ext>
+            </a:extLst>
+          </a:blip>
+          <a:stretch>
+            <a:fillRect/>
+          </a:stretch>
+        </p:blipFill>
+        <p:spPr>
+          <a:xfrm>
+            <a:off x="2703021" y="3647356"/>
+            <a:ext cx="6224955" cy="3107290"/>
+          </a:xfrm>
+          <a:prstGeom prst="rect">
+            <a:avLst/>
+          </a:prstGeom>
+        </p:spPr>
+      </p:pic>
+      <mc:AlternateContent xmlns:mc="http://schemas.openxmlformats.org/markup-compatibility/2006">
+        <mc:Choice xmlns:a14="http://schemas.microsoft.com/office/drawing/2010/main" Requires="a14">
+          <p:sp>
+            <p:nvSpPr>
+              <p:cNvPr id="3" name="Content Placeholder 2"/>
+              <p:cNvSpPr>
+                <a:spLocks noGrp="1"/>
+              </p:cNvSpPr>
+              <p:nvPr>
+                <p:ph idx="1"/>
+              </p:nvPr>
+            </p:nvSpPr>
+            <p:spPr>
+              <a:xfrm>
+                <a:off x="4067944" y="692696"/>
+                <a:ext cx="4829999" cy="2808312"/>
+              </a:xfrm>
+            </p:spPr>
+            <p:txBody>
+              <a:bodyPr>
+                <a:normAutofit fontScale="92500" lnSpcReduction="10000"/>
+              </a:bodyPr>
+              <a:lstStyle/>
+              <a:p>
+                <a:pPr marL="0" indent="0">
+                  <a:buNone/>
+                </a:pPr>
+                <a:r>
+                  <a:rPr lang="he-IL" dirty="0" smtClean="0"/>
+                  <a:t>ממצעים את </a:t>
+                </a:r>
+                <a14:m>
+                  <m:oMath xmlns:m="http://schemas.openxmlformats.org/officeDocument/2006/math">
+                    <m:r>
+                      <a:rPr lang="en-US" b="0" i="1" smtClean="0">
+                        <a:latin typeface="Cambria Math" panose="02040503050406030204" pitchFamily="18" charset="0"/>
+                      </a:rPr>
+                      <m:t>𝐻</m:t>
+                    </m:r>
+                  </m:oMath>
+                </a14:m>
+                <a:r>
+                  <a:rPr lang="he-IL" dirty="0" smtClean="0"/>
+                  <a:t> לאורך ציר </a:t>
+                </a:r>
+                <a:r>
+                  <a:rPr lang="en-US" dirty="0" smtClean="0"/>
+                  <a:t>Z</a:t>
+                </a:r>
+                <a:endParaRPr lang="he-IL" i="1" dirty="0" smtClean="0">
+                  <a:latin typeface="Cambria Math"/>
+                </a:endParaRPr>
+              </a:p>
+              <a:p>
+                <a:pPr marL="0" indent="0">
+                  <a:buNone/>
+                </a:pPr>
+                <a14:m>
+                  <m:oMathPara xmlns:m="http://schemas.openxmlformats.org/officeDocument/2006/math">
+                    <m:oMathParaPr>
+                      <m:jc m:val="centerGroup"/>
+                    </m:oMathParaPr>
+                    <m:oMath xmlns:m="http://schemas.openxmlformats.org/officeDocument/2006/math">
+                      <m:r>
+                        <a:rPr lang="en-US" i="1" dirty="0" smtClean="0">
+                          <a:latin typeface="Cambria Math"/>
+                        </a:rPr>
+                        <m:t>𝑑𝑥</m:t>
+                      </m:r>
+                      <m:r>
+                        <a:rPr lang="en-US" i="1" dirty="0" smtClean="0">
+                          <a:latin typeface="Cambria Math"/>
+                        </a:rPr>
+                        <m:t>=</m:t>
+                      </m:r>
+                      <m:r>
+                        <a:rPr lang="en-US" i="1" dirty="0" smtClean="0">
+                          <a:latin typeface="Cambria Math"/>
+                        </a:rPr>
+                        <m:t>600</m:t>
+                      </m:r>
+                      <m:d>
+                        <m:dPr>
+                          <m:begChr m:val="["/>
+                          <m:endChr m:val="]"/>
+                          <m:ctrlPr>
+                            <a:rPr lang="en-US" i="1" dirty="0" smtClean="0">
+                              <a:latin typeface="Cambria Math" panose="02040503050406030204" pitchFamily="18" charset="0"/>
+                            </a:rPr>
+                          </m:ctrlPr>
+                        </m:dPr>
+                        <m:e>
+                          <m:r>
+                            <a:rPr lang="en-US" i="1" dirty="0" smtClean="0">
+                              <a:latin typeface="Cambria Math"/>
+                            </a:rPr>
+                            <m:t>𝑛</m:t>
+                          </m:r>
+                          <m:r>
+                            <a:rPr lang="en-US" b="0" i="1" dirty="0" smtClean="0">
+                              <a:latin typeface="Cambria Math"/>
+                            </a:rPr>
+                            <m:t>𝑚</m:t>
+                          </m:r>
+                        </m:e>
+                      </m:d>
+                      <m:r>
+                        <a:rPr lang="en-US" b="0" i="1" dirty="0" smtClean="0">
+                          <a:latin typeface="Cambria Math"/>
+                        </a:rPr>
+                        <m:t>≈</m:t>
+                      </m:r>
+                      <m:r>
+                        <a:rPr lang="en-US" b="0" i="1" dirty="0" smtClean="0">
+                          <a:latin typeface="Cambria Math"/>
+                        </a:rPr>
+                        <m:t>2</m:t>
+                      </m:r>
+                      <m:r>
+                        <a:rPr lang="en-US" b="0" i="1" dirty="0" smtClean="0">
+                          <a:latin typeface="Cambria Math"/>
+                        </a:rPr>
+                        <m:t>𝜆</m:t>
+                      </m:r>
+                    </m:oMath>
+                    <m:oMath xmlns:m="http://schemas.openxmlformats.org/officeDocument/2006/math">
+                      <m:r>
+                        <a:rPr lang="en-US" b="0" i="1" dirty="0" smtClean="0">
+                          <a:latin typeface="Cambria Math"/>
+                        </a:rPr>
+                        <m:t>𝑑𝑧</m:t>
+                      </m:r>
+                      <m:r>
+                        <a:rPr lang="en-US" b="0" i="1" dirty="0" smtClean="0">
+                          <a:latin typeface="Cambria Math"/>
+                        </a:rPr>
+                        <m:t>=</m:t>
+                      </m:r>
+                      <m:r>
+                        <a:rPr lang="en-US" b="0" i="1" dirty="0" smtClean="0">
+                          <a:latin typeface="Cambria Math"/>
+                        </a:rPr>
+                        <m:t>28</m:t>
+                      </m:r>
+                      <m:r>
+                        <a:rPr lang="en-US" b="0" i="1" dirty="0" smtClean="0">
+                          <a:latin typeface="Cambria Math"/>
+                        </a:rPr>
+                        <m:t>[</m:t>
+                      </m:r>
+                      <m:r>
+                        <a:rPr lang="en-US" b="0" i="1" dirty="0" smtClean="0">
+                          <a:latin typeface="Cambria Math"/>
+                        </a:rPr>
+                        <m:t>𝜇</m:t>
+                      </m:r>
+                      <m:r>
+                        <a:rPr lang="en-US" b="0" i="1" dirty="0" smtClean="0">
+                          <a:latin typeface="Cambria Math"/>
+                        </a:rPr>
+                        <m:t>𝑚</m:t>
+                      </m:r>
+                      <m:r>
+                        <a:rPr lang="en-US" b="0" i="1" dirty="0" smtClean="0">
+                          <a:latin typeface="Cambria Math"/>
+                        </a:rPr>
+                        <m:t>]</m:t>
+                      </m:r>
+                    </m:oMath>
+                  </m:oMathPara>
+                </a14:m>
+                <a:endParaRPr lang="he-IL" dirty="0" smtClean="0"/>
+              </a:p>
+              <a:p>
+                <a:pPr marL="0" indent="0">
+                  <a:buNone/>
+                </a:pPr>
+                <a:r>
+                  <a:rPr lang="he-IL" dirty="0" smtClean="0"/>
+                  <a:t>עבור </a:t>
+                </a:r>
+                <a14:m>
+                  <m:oMath xmlns:m="http://schemas.openxmlformats.org/officeDocument/2006/math">
+                    <m:sSub>
+                      <m:sSubPr>
+                        <m:ctrlPr>
+                          <a:rPr lang="he-IL" i="1">
+                            <a:latin typeface="Cambria Math" panose="02040503050406030204" pitchFamily="18" charset="0"/>
+                          </a:rPr>
+                        </m:ctrlPr>
+                      </m:sSubPr>
+                      <m:e>
+                        <m:r>
+                          <a:rPr lang="en-US" i="1">
+                            <a:latin typeface="Cambria Math"/>
+                          </a:rPr>
+                          <m:t>𝐼</m:t>
+                        </m:r>
+                      </m:e>
+                      <m:sub>
+                        <m:r>
+                          <a:rPr lang="en-US" b="0" i="1" smtClean="0">
+                            <a:latin typeface="Cambria Math"/>
+                          </a:rPr>
+                          <m:t>𝑖𝑛</m:t>
+                        </m:r>
+                        <m:r>
+                          <a:rPr lang="en-US" i="1">
+                            <a:latin typeface="Cambria Math"/>
+                          </a:rPr>
+                          <m:t>𝑡</m:t>
+                        </m:r>
+                      </m:sub>
+                    </m:sSub>
+                  </m:oMath>
+                </a14:m>
+                <a:r>
+                  <a:rPr lang="he-IL" dirty="0" smtClean="0"/>
+                  <a:t> נבדקו התפלגות זרם קבועה, או אקראית על חלק קטן </a:t>
+                </a:r>
+                <a14:m>
+                  <m:oMath xmlns:m="http://schemas.openxmlformats.org/officeDocument/2006/math">
+                    <m:r>
+                      <a:rPr lang="en-US" b="0" i="1" smtClean="0">
+                        <a:latin typeface="Cambria Math" panose="02040503050406030204" pitchFamily="18" charset="0"/>
+                      </a:rPr>
+                      <m:t>𝑎</m:t>
+                    </m:r>
+                  </m:oMath>
+                </a14:m>
+                <a:r>
+                  <a:rPr lang="he-IL" dirty="0" smtClean="0"/>
+                  <a:t> מחתך הדוגמא </a:t>
+                </a:r>
+                <a14:m>
+                  <m:oMath xmlns:m="http://schemas.openxmlformats.org/officeDocument/2006/math">
+                    <m:r>
+                      <a:rPr lang="en-US" b="0" i="1" smtClean="0">
+                        <a:latin typeface="Cambria Math" panose="02040503050406030204" pitchFamily="18" charset="0"/>
+                      </a:rPr>
+                      <m:t>𝐴</m:t>
+                    </m:r>
+                  </m:oMath>
+                </a14:m>
+                <a:r>
+                  <a:rPr lang="he-IL" dirty="0" smtClean="0"/>
+                  <a:t> </a:t>
+                </a:r>
+                <a:endParaRPr lang="he-IL" dirty="0"/>
+              </a:p>
+            </p:txBody>
+          </p:sp>
+        </mc:Choice>
+        <mc:Fallback>
+          <p:sp>
+            <p:nvSpPr>
+              <p:cNvPr id="3" name="Content Placeholder 2"/>
+              <p:cNvSpPr>
+                <a:spLocks noGrp="1" noRot="1" noChangeAspect="1" noMove="1" noResize="1" noEditPoints="1" noAdjustHandles="1" noChangeArrowheads="1" noChangeShapeType="1" noTextEdit="1"/>
+              </p:cNvSpPr>
+              <p:nvPr>
+                <p:ph idx="1"/>
+              </p:nvPr>
+            </p:nvSpPr>
+            <p:spPr>
+              <a:xfrm>
+                <a:off x="4067944" y="692696"/>
+                <a:ext cx="4829999" cy="2808312"/>
+              </a:xfrm>
+              <a:blipFill rotWithShape="0">
+                <a:blip r:embed="rId3"/>
+                <a:stretch>
+                  <a:fillRect l="-3657" t="-5000" r="-2900" b="-4565"/>
+                </a:stretch>
+              </a:blipFill>
+            </p:spPr>
+            <p:txBody>
+              <a:bodyPr/>
+              <a:lstStyle/>
+              <a:p>
+                <a:r>
+                  <a:rPr lang="en-US">
+                    <a:noFill/>
+                  </a:rPr>
+                  <a:t> </a:t>
+                </a:r>
+              </a:p>
+            </p:txBody>
+          </p:sp>
+        </mc:Fallback>
+      </mc:AlternateContent>
+      <p:pic>
+        <p:nvPicPr>
+          <p:cNvPr id="1026" name="Picture 2" descr="http://www.math.uiuc.edu/~kkirkpat/perc2.png"/>
+          <p:cNvPicPr>
+            <a:picLocks noChangeAspect="1" noChangeArrowheads="1"/>
+          </p:cNvPicPr>
+          <p:nvPr/>
+        </p:nvPicPr>
+        <p:blipFill>
+          <a:blip r:embed="rId4">
+            <a:extLst>
+              <a:ext uri="{28A0092B-C50C-407E-A947-70E740481C1C}">
+                <a14:useLocalDpi xmlns:a14="http://schemas.microsoft.com/office/drawing/2010/main" val="0"/>
+              </a:ext>
+            </a:extLst>
+          </a:blip>
+          <a:srcRect/>
+          <a:stretch>
+            <a:fillRect/>
+          </a:stretch>
+        </p:blipFill>
+        <p:spPr bwMode="auto">
+          <a:xfrm>
+            <a:off x="395536" y="332656"/>
+            <a:ext cx="3333750" cy="3314700"/>
+          </a:xfrm>
+          <a:prstGeom prst="rect">
+            <a:avLst/>
+          </a:prstGeom>
+          <a:noFill/>
+          <a:extLst>
+            <a:ext uri="{909E8E84-426E-40DD-AFC4-6F175D3DCCD1}">
+              <a14:hiddenFill xmlns:a14="http://schemas.microsoft.com/office/drawing/2010/main">
+                <a:solidFill>
+                  <a:srgbClr val="FFFFFF"/>
+                </a:solidFill>
+              </a14:hiddenFill>
+            </a:ext>
+          </a:extLst>
+        </p:spPr>
+      </p:pic>
+      <mc:AlternateContent xmlns:mc="http://schemas.openxmlformats.org/markup-compatibility/2006">
+        <mc:Choice xmlns:a14="http://schemas.microsoft.com/office/drawing/2010/main" Requires="a14">
+          <p:sp>
+            <p:nvSpPr>
+              <p:cNvPr id="4" name="TextBox 3"/>
+              <p:cNvSpPr txBox="1"/>
+              <p:nvPr/>
+            </p:nvSpPr>
+            <p:spPr>
+              <a:xfrm>
+                <a:off x="4196879" y="3491143"/>
+                <a:ext cx="3096344" cy="491288"/>
+              </a:xfrm>
+              <a:prstGeom prst="rect">
+                <a:avLst/>
+              </a:prstGeom>
+              <a:noFill/>
+            </p:spPr>
+            <p:txBody>
+              <a:bodyPr wrap="square" rtlCol="0">
+                <a:spAutoFit/>
+              </a:bodyPr>
+              <a:lstStyle/>
+              <a:p>
+                <a:pPr algn="ctr"/>
+                <a14:m>
+                  <m:oMath xmlns:m="http://schemas.openxmlformats.org/officeDocument/2006/math">
+                    <m:f>
+                      <m:fPr>
+                        <m:ctrlPr>
+                          <a:rPr lang="en-US" b="0" i="1" smtClean="0">
+                            <a:latin typeface="Cambria Math" panose="02040503050406030204" pitchFamily="18" charset="0"/>
+                          </a:rPr>
+                        </m:ctrlPr>
+                      </m:fPr>
+                      <m:num>
+                        <m:r>
+                          <a:rPr lang="en-US" b="0" i="1" smtClean="0">
+                            <a:latin typeface="Cambria Math" panose="02040503050406030204" pitchFamily="18" charset="0"/>
+                          </a:rPr>
+                          <m:t>𝑑</m:t>
+                        </m:r>
+                      </m:num>
+                      <m:den>
+                        <m:r>
+                          <a:rPr lang="en-US" b="0" i="1" smtClean="0">
+                            <a:latin typeface="Cambria Math" panose="02040503050406030204" pitchFamily="18" charset="0"/>
+                          </a:rPr>
+                          <m:t>𝑑𝑥</m:t>
+                        </m:r>
+                      </m:den>
+                    </m:f>
+                    <m:r>
+                      <a:rPr lang="en-US" b="0" i="1" smtClean="0">
+                        <a:latin typeface="Cambria Math" panose="02040503050406030204" pitchFamily="18" charset="0"/>
+                      </a:rPr>
+                      <m:t>&lt;</m:t>
+                    </m:r>
+                    <m:r>
+                      <a:rPr lang="en-US" b="0" i="1" smtClean="0">
+                        <a:latin typeface="Cambria Math" panose="02040503050406030204" pitchFamily="18" charset="0"/>
+                      </a:rPr>
+                      <m:t>𝐻</m:t>
+                    </m:r>
+                    <m:sSub>
+                      <m:sSubPr>
+                        <m:ctrlPr>
+                          <a:rPr lang="en-US" b="0" i="1" smtClean="0">
+                            <a:latin typeface="Cambria Math" panose="02040503050406030204" pitchFamily="18" charset="0"/>
+                          </a:rPr>
+                        </m:ctrlPr>
+                      </m:sSubPr>
+                      <m:e>
+                        <m:r>
+                          <a:rPr lang="en-US" b="0" i="1" smtClean="0">
+                            <a:latin typeface="Cambria Math" panose="02040503050406030204" pitchFamily="18" charset="0"/>
+                          </a:rPr>
+                          <m:t>&gt;</m:t>
+                        </m:r>
+                      </m:e>
+                      <m:sub>
+                        <m:r>
+                          <a:rPr lang="en-US" b="0" i="1" smtClean="0">
+                            <a:latin typeface="Cambria Math" panose="02040503050406030204" pitchFamily="18" charset="0"/>
+                          </a:rPr>
+                          <m:t>𝑧</m:t>
+                        </m:r>
+                      </m:sub>
+                    </m:sSub>
+                  </m:oMath>
+                </a14:m>
+                <a:r>
+                  <a:rPr lang="en-US" dirty="0" smtClean="0"/>
+                  <a:t>  at  </a:t>
+                </a:r>
+                <a14:m>
+                  <m:oMath xmlns:m="http://schemas.openxmlformats.org/officeDocument/2006/math">
+                    <m:f>
+                      <m:fPr>
+                        <m:ctrlPr>
+                          <a:rPr lang="en-US" b="0" i="1" smtClean="0">
+                            <a:latin typeface="Cambria Math" panose="02040503050406030204" pitchFamily="18" charset="0"/>
+                          </a:rPr>
+                        </m:ctrlPr>
+                      </m:fPr>
+                      <m:num>
+                        <m:r>
+                          <a:rPr lang="en-US" b="0" i="1" smtClean="0">
+                            <a:latin typeface="Cambria Math" panose="02040503050406030204" pitchFamily="18" charset="0"/>
+                          </a:rPr>
+                          <m:t>𝑎</m:t>
+                        </m:r>
+                      </m:num>
+                      <m:den>
+                        <m:r>
+                          <a:rPr lang="en-US" b="0" i="1" smtClean="0">
+                            <a:latin typeface="Cambria Math" panose="02040503050406030204" pitchFamily="18" charset="0"/>
+                          </a:rPr>
+                          <m:t>𝐴</m:t>
+                        </m:r>
+                      </m:den>
+                    </m:f>
+                    <m:r>
+                      <a:rPr lang="en-US" b="0" i="1" smtClean="0">
+                        <a:latin typeface="Cambria Math" panose="02040503050406030204" pitchFamily="18" charset="0"/>
+                      </a:rPr>
+                      <m:t>=</m:t>
+                    </m:r>
+                    <m:sSup>
+                      <m:sSupPr>
+                        <m:ctrlPr>
+                          <a:rPr lang="en-US" b="0" i="1" smtClean="0">
+                            <a:latin typeface="Cambria Math" panose="02040503050406030204" pitchFamily="18" charset="0"/>
+                          </a:rPr>
+                        </m:ctrlPr>
+                      </m:sSupPr>
+                      <m:e>
+                        <m:r>
+                          <a:rPr lang="en-US" b="0" i="1" smtClean="0">
+                            <a:latin typeface="Cambria Math" panose="02040503050406030204" pitchFamily="18" charset="0"/>
+                          </a:rPr>
+                          <m:t>10</m:t>
+                        </m:r>
+                      </m:e>
+                      <m:sup>
+                        <m:r>
+                          <a:rPr lang="en-US" b="0" i="1" smtClean="0">
+                            <a:latin typeface="Cambria Math" panose="02040503050406030204" pitchFamily="18" charset="0"/>
+                          </a:rPr>
+                          <m:t>−</m:t>
+                        </m:r>
+                        <m:r>
+                          <a:rPr lang="en-US" b="0" i="1" smtClean="0">
+                            <a:latin typeface="Cambria Math" panose="02040503050406030204" pitchFamily="18" charset="0"/>
+                          </a:rPr>
+                          <m:t>4</m:t>
+                        </m:r>
+                      </m:sup>
+                    </m:sSup>
+                  </m:oMath>
+                </a14:m>
+                <a:r>
+                  <a:rPr lang="en-US" dirty="0" smtClean="0"/>
+                  <a:t> </a:t>
+                </a:r>
+                <a:r>
+                  <a:rPr lang="he-IL" dirty="0" smtClean="0"/>
+                  <a:t> </a:t>
+                </a:r>
+                <a:r>
+                  <a:rPr lang="en-US" dirty="0" smtClean="0"/>
+                  <a:t> </a:t>
+                </a:r>
+                <a:endParaRPr lang="en-US" dirty="0"/>
+              </a:p>
+            </p:txBody>
+          </p:sp>
+        </mc:Choice>
+        <mc:Fallback>
+          <p:sp>
+            <p:nvSpPr>
+              <p:cNvPr id="4" name="TextBox 3"/>
+              <p:cNvSpPr txBox="1">
+                <a:spLocks noRot="1" noChangeAspect="1" noMove="1" noResize="1" noEditPoints="1" noAdjustHandles="1" noChangeArrowheads="1" noChangeShapeType="1" noTextEdit="1"/>
+              </p:cNvSpPr>
+              <p:nvPr/>
+            </p:nvSpPr>
+            <p:spPr>
+              <a:xfrm>
+                <a:off x="4196879" y="3491143"/>
+                <a:ext cx="3096344" cy="491288"/>
+              </a:xfrm>
+              <a:prstGeom prst="rect">
+                <a:avLst/>
+              </a:prstGeom>
+              <a:blipFill rotWithShape="0">
+                <a:blip r:embed="rId5"/>
+                <a:stretch>
+                  <a:fillRect b="-8750"/>
+                </a:stretch>
+              </a:blipFill>
+            </p:spPr>
+            <p:txBody>
+              <a:bodyPr/>
+              <a:lstStyle/>
+              <a:p>
+                <a:r>
+                  <a:rPr lang="en-US">
+                    <a:noFill/>
+                  </a:rPr>
+                  <a:t> </a:t>
+                </a:r>
+              </a:p>
+            </p:txBody>
+          </p:sp>
+        </mc:Fallback>
+      </mc:AlternateContent>
+    </p:spTree>
+    <p:extLst>
+      <p:ext uri="{BB962C8B-B14F-4D97-AF65-F5344CB8AC3E}">
+        <p14:creationId xmlns:p14="http://schemas.microsoft.com/office/powerpoint/2010/main" val="235184282"/>
+      </p:ext>
+    </p:extLst>
+  </p:cSld>
+  <p:clrMapOvr>
+    <a:masterClrMapping/>
+  </p:clrMapOvr>
+  <p:timing>
+    <p:tnLst>
+      <p:par>
+        <p:cTn id="1" dur="indefinite" restart="never" nodeType="tmRoot"/>
+      </p:par>
+    </p:tnLst>
+  </p:timing>
 </p:sld>
 </file>
 

--- a/poster.pptx
+++ b/poster.pptx
@@ -218,7 +218,7 @@
           <a:p>
             <a:fld id="{1E85E515-09CF-4A79-9E3E-7BA494E91A78}" type="datetimeFigureOut">
               <a:rPr lang="he-IL" smtClean="0"/>
-              <a:t>י"א/סיון/תשע"ו</a:t>
+              <a:t>י"ב/סיון/תשע"ו</a:t>
             </a:fld>
             <a:endParaRPr lang="he-IL"/>
           </a:p>
@@ -777,7 +777,7 @@
           <a:p>
             <a:fld id="{EF45E86C-8F83-45BC-8EDB-389DFE21BAD7}" type="datetimeFigureOut">
               <a:rPr lang="he-IL" smtClean="0"/>
-              <a:t>י"א/סיון/תשע"ו</a:t>
+              <a:t>י"ב/סיון/תשע"ו</a:t>
             </a:fld>
             <a:endParaRPr lang="he-IL"/>
           </a:p>
@@ -947,7 +947,7 @@
           <a:p>
             <a:fld id="{EF45E86C-8F83-45BC-8EDB-389DFE21BAD7}" type="datetimeFigureOut">
               <a:rPr lang="he-IL" smtClean="0"/>
-              <a:t>י"א/סיון/תשע"ו</a:t>
+              <a:t>י"ב/סיון/תשע"ו</a:t>
             </a:fld>
             <a:endParaRPr lang="he-IL"/>
           </a:p>
@@ -1127,7 +1127,7 @@
           <a:p>
             <a:fld id="{EF45E86C-8F83-45BC-8EDB-389DFE21BAD7}" type="datetimeFigureOut">
               <a:rPr lang="he-IL" smtClean="0"/>
-              <a:t>י"א/סיון/תשע"ו</a:t>
+              <a:t>י"ב/סיון/תשע"ו</a:t>
             </a:fld>
             <a:endParaRPr lang="he-IL"/>
           </a:p>
@@ -1297,7 +1297,7 @@
           <a:p>
             <a:fld id="{EF45E86C-8F83-45BC-8EDB-389DFE21BAD7}" type="datetimeFigureOut">
               <a:rPr lang="he-IL" smtClean="0"/>
-              <a:t>י"א/סיון/תשע"ו</a:t>
+              <a:t>י"ב/סיון/תשע"ו</a:t>
             </a:fld>
             <a:endParaRPr lang="he-IL"/>
           </a:p>
@@ -1543,7 +1543,7 @@
           <a:p>
             <a:fld id="{EF45E86C-8F83-45BC-8EDB-389DFE21BAD7}" type="datetimeFigureOut">
               <a:rPr lang="he-IL" smtClean="0"/>
-              <a:t>י"א/סיון/תשע"ו</a:t>
+              <a:t>י"ב/סיון/תשע"ו</a:t>
             </a:fld>
             <a:endParaRPr lang="he-IL"/>
           </a:p>
@@ -1831,7 +1831,7 @@
           <a:p>
             <a:fld id="{EF45E86C-8F83-45BC-8EDB-389DFE21BAD7}" type="datetimeFigureOut">
               <a:rPr lang="he-IL" smtClean="0"/>
-              <a:t>י"א/סיון/תשע"ו</a:t>
+              <a:t>י"ב/סיון/תשע"ו</a:t>
             </a:fld>
             <a:endParaRPr lang="he-IL"/>
           </a:p>
@@ -2253,7 +2253,7 @@
           <a:p>
             <a:fld id="{EF45E86C-8F83-45BC-8EDB-389DFE21BAD7}" type="datetimeFigureOut">
               <a:rPr lang="he-IL" smtClean="0"/>
-              <a:t>י"א/סיון/תשע"ו</a:t>
+              <a:t>י"ב/סיון/תשע"ו</a:t>
             </a:fld>
             <a:endParaRPr lang="he-IL"/>
           </a:p>
@@ -2371,7 +2371,7 @@
           <a:p>
             <a:fld id="{EF45E86C-8F83-45BC-8EDB-389DFE21BAD7}" type="datetimeFigureOut">
               <a:rPr lang="he-IL" smtClean="0"/>
-              <a:t>י"א/סיון/תשע"ו</a:t>
+              <a:t>י"ב/סיון/תשע"ו</a:t>
             </a:fld>
             <a:endParaRPr lang="he-IL"/>
           </a:p>
@@ -2466,7 +2466,7 @@
           <a:p>
             <a:fld id="{EF45E86C-8F83-45BC-8EDB-389DFE21BAD7}" type="datetimeFigureOut">
               <a:rPr lang="he-IL" smtClean="0"/>
-              <a:t>י"א/סיון/תשע"ו</a:t>
+              <a:t>י"ב/סיון/תשע"ו</a:t>
             </a:fld>
             <a:endParaRPr lang="he-IL"/>
           </a:p>
@@ -2743,7 +2743,7 @@
           <a:p>
             <a:fld id="{EF45E86C-8F83-45BC-8EDB-389DFE21BAD7}" type="datetimeFigureOut">
               <a:rPr lang="he-IL" smtClean="0"/>
-              <a:t>י"א/סיון/תשע"ו</a:t>
+              <a:t>י"ב/סיון/תשע"ו</a:t>
             </a:fld>
             <a:endParaRPr lang="he-IL"/>
           </a:p>
@@ -2996,7 +2996,7 @@
           <a:p>
             <a:fld id="{EF45E86C-8F83-45BC-8EDB-389DFE21BAD7}" type="datetimeFigureOut">
               <a:rPr lang="he-IL" smtClean="0"/>
-              <a:t>י"א/סיון/תשע"ו</a:t>
+              <a:t>י"ב/סיון/תשע"ו</a:t>
             </a:fld>
             <a:endParaRPr lang="he-IL"/>
           </a:p>
@@ -3209,7 +3209,7 @@
           <a:p>
             <a:fld id="{EF45E86C-8F83-45BC-8EDB-389DFE21BAD7}" type="datetimeFigureOut">
               <a:rPr lang="he-IL" smtClean="0"/>
-              <a:t>י"א/סיון/תשע"ו</a:t>
+              <a:t>י"ב/סיון/תשע"ו</a:t>
             </a:fld>
             <a:endParaRPr lang="he-IL"/>
           </a:p>
@@ -4203,8 +4203,8 @@
           <a:chExt cx="0" cy="0"/>
         </a:xfrm>
       </p:grpSpPr>
-      <mc:AlternateContent xmlns:mc="http://schemas.openxmlformats.org/markup-compatibility/2006">
-        <mc:Choice xmlns:a14="http://schemas.microsoft.com/office/drawing/2010/main" Requires="a14">
+      <mc:AlternateContent xmlns:mc="http://schemas.openxmlformats.org/markup-compatibility/2006" xmlns:a14="http://schemas.microsoft.com/office/drawing/2010/main">
+        <mc:Choice Requires="a14">
           <p:sp>
             <p:nvSpPr>
               <p:cNvPr id="3" name="Content Placeholder 2"/>
@@ -4458,7 +4458,7 @@
             </p:txBody>
           </p:sp>
         </mc:Choice>
-        <mc:Fallback>
+        <mc:Fallback xmlns="">
           <p:sp>
             <p:nvSpPr>
               <p:cNvPr id="3" name="Content Placeholder 2"/>
@@ -5603,10 +5603,6 @@
               <a:rPr lang="he-IL" dirty="0" smtClean="0"/>
               <a:t> מתנועת מערבולות בעל מוליך</a:t>
             </a:r>
-            <a:r>
-              <a:rPr lang="he-IL" dirty="0" smtClean="0"/>
-              <a:t/>
-            </a:r>
             <a:br>
               <a:rPr lang="he-IL" dirty="0" smtClean="0"/>
             </a:br>
@@ -5630,8 +5626,8 @@
           </a:p>
         </p:txBody>
       </p:sp>
-      <mc:AlternateContent xmlns:mc="http://schemas.openxmlformats.org/markup-compatibility/2006">
-        <mc:Choice xmlns:a14="http://schemas.microsoft.com/office/drawing/2010/main" Requires="a14">
+      <mc:AlternateContent xmlns:mc="http://schemas.openxmlformats.org/markup-compatibility/2006" xmlns:a14="http://schemas.microsoft.com/office/drawing/2010/main">
+        <mc:Choice Requires="a14">
           <p:sp>
             <p:nvSpPr>
               <p:cNvPr id="3" name="Content Placeholder 2"/>
@@ -5903,7 +5899,7 @@
             </p:txBody>
           </p:sp>
         </mc:Choice>
-        <mc:Fallback>
+        <mc:Fallback xmlns="">
           <p:sp>
             <p:nvSpPr>
               <p:cNvPr id="3" name="Content Placeholder 2"/>
@@ -6015,8 +6011,8 @@
           </a:extLst>
         </p:spPr>
       </p:pic>
-      <mc:AlternateContent xmlns:mc="http://schemas.openxmlformats.org/markup-compatibility/2006">
-        <mc:Choice xmlns:a14="http://schemas.microsoft.com/office/drawing/2010/main" Requires="a14">
+      <mc:AlternateContent xmlns:mc="http://schemas.openxmlformats.org/markup-compatibility/2006" xmlns:a14="http://schemas.microsoft.com/office/drawing/2010/main">
+        <mc:Choice Requires="a14">
           <p:sp>
             <p:nvSpPr>
               <p:cNvPr id="3" name="Content Placeholder 2"/>
@@ -6259,11 +6255,7 @@
                 </a:br>
                 <a:r>
                   <a:rPr lang="he-IL" dirty="0" smtClean="0"/>
-                  <a:t>במרחב שיגרום לתנועת </a:t>
-                </a:r>
-                <a:r>
-                  <a:rPr lang="he-IL" dirty="0" smtClean="0"/>
-                  <a:t>מערבולות</a:t>
+                  <a:t>במרחב שיגרום לתנועת מערבולות</a:t>
                 </a:r>
                 <a:r>
                   <a:rPr lang="en-US" dirty="0" smtClean="0"/>
@@ -6280,7 +6272,7 @@
             </p:txBody>
           </p:sp>
         </mc:Choice>
-        <mc:Fallback>
+        <mc:Fallback xmlns="">
           <p:sp>
             <p:nvSpPr>
               <p:cNvPr id="3" name="Content Placeholder 2"/>
@@ -6385,8 +6377,8 @@
           <a:chExt cx="0" cy="0"/>
         </a:xfrm>
       </p:grpSpPr>
-      <mc:AlternateContent xmlns:mc="http://schemas.openxmlformats.org/markup-compatibility/2006">
-        <mc:Choice xmlns:a14="http://schemas.microsoft.com/office/drawing/2010/main" Requires="a14">
+      <mc:AlternateContent xmlns:mc="http://schemas.openxmlformats.org/markup-compatibility/2006" xmlns:a14="http://schemas.microsoft.com/office/drawing/2010/main">
+        <mc:Choice Requires="a14">
           <p:sp>
             <p:nvSpPr>
               <p:cNvPr id="3" name="Content Placeholder 2"/>
@@ -6450,11 +6442,7 @@
                 </a:r>
                 <a:r>
                   <a:rPr lang="he-IL" dirty="0" smtClean="0"/>
-                  <a:t>התנועה משרה שדה חשמלי. </a:t>
-                </a:r>
-                <a:r>
-                  <a:rPr lang="he-IL" dirty="0" smtClean="0"/>
-                  <a:t>מודל </a:t>
+                  <a:t>התנועה משרה שדה חשמלי. מודל </a:t>
                 </a:r>
                 <a:r>
                   <a:rPr lang="en-US" dirty="0" smtClean="0"/>
@@ -6540,7 +6528,6 @@
                   <a:rPr lang="he-IL" b="1" dirty="0" smtClean="0"/>
                   <a:t>.</a:t>
                 </a:r>
-                <a:endParaRPr lang="he-IL" b="1" dirty="0" smtClean="0"/>
               </a:p>
               <a:p>
                 <a:pPr marL="0" indent="0">
@@ -6931,7 +6918,7 @@
             </p:txBody>
           </p:sp>
         </mc:Choice>
-        <mc:Fallback>
+        <mc:Fallback xmlns="">
           <p:sp>
             <p:nvSpPr>
               <p:cNvPr id="3" name="Content Placeholder 2"/>
@@ -7040,8 +7027,8 @@
           <a:chExt cx="0" cy="0"/>
         </a:xfrm>
       </p:grpSpPr>
-      <mc:AlternateContent xmlns:mc="http://schemas.openxmlformats.org/markup-compatibility/2006">
-        <mc:Choice xmlns:a14="http://schemas.microsoft.com/office/drawing/2010/main" Requires="a14">
+      <mc:AlternateContent xmlns:mc="http://schemas.openxmlformats.org/markup-compatibility/2006" xmlns:a14="http://schemas.microsoft.com/office/drawing/2010/main">
+        <mc:Choice Requires="a14">
           <p:sp>
             <p:nvSpPr>
               <p:cNvPr id="3" name="Content Placeholder 2"/>
@@ -7072,11 +7059,7 @@
                 </a:r>
                 <a:r>
                   <a:rPr lang="he-IL" dirty="0" smtClean="0"/>
-                  <a:t> בתוך </a:t>
-                </a:r>
-                <a:r>
-                  <a:rPr lang="he-IL" dirty="0" smtClean="0"/>
-                  <a:t>התקן ייעודי</a:t>
+                  <a:t> בתוך התקן ייעודי</a:t>
                 </a:r>
                 <a:endParaRPr lang="en-US" dirty="0" smtClean="0"/>
               </a:p>
@@ -7108,19 +7091,7 @@
               <a:p>
                 <a:r>
                   <a:rPr lang="he-IL" dirty="0" smtClean="0"/>
-                  <a:t>קירור </a:t>
-                </a:r>
-                <a:r>
-                  <a:rPr lang="he-IL" dirty="0" smtClean="0"/>
-                  <a:t>ע"י </a:t>
-                </a:r>
-                <a:r>
-                  <a:rPr lang="he-IL" dirty="0" smtClean="0"/>
-                  <a:t>חנקן </a:t>
-                </a:r>
-                <a:r>
-                  <a:rPr lang="he-IL" dirty="0" smtClean="0"/>
-                  <a:t>נוזלי (</a:t>
+                  <a:t>קירור ע"י חנקן נוזלי (</a:t>
                 </a:r>
                 <a14:m>
                   <m:oMath xmlns:m="http://schemas.openxmlformats.org/officeDocument/2006/math">
@@ -7159,7 +7130,7 @@
             </p:txBody>
           </p:sp>
         </mc:Choice>
-        <mc:Fallback>
+        <mc:Fallback xmlns="">
           <p:sp>
             <p:nvSpPr>
               <p:cNvPr id="3" name="Content Placeholder 2"/>
@@ -37073,15 +37044,7 @@
           <a:p>
             <a:r>
               <a:rPr lang="he-IL" sz="2400" dirty="0" smtClean="0"/>
-              <a:t>תילים משני </a:t>
-            </a:r>
-            <a:r>
-              <a:rPr lang="he-IL" sz="2400" dirty="0" smtClean="0"/>
-              <a:t>צדי </a:t>
-            </a:r>
-            <a:r>
-              <a:rPr lang="he-IL" sz="2400" dirty="0" smtClean="0"/>
-              <a:t>הדוגמה משרים שדה המשתנה לרוחבה</a:t>
+              <a:t>תילים משני צדי הדוגמה משרים שדה המשתנה לרוחבה</a:t>
             </a:r>
             <a:endParaRPr lang="he-IL" sz="2400" dirty="0"/>
           </a:p>
@@ -37154,8 +37117,8 @@
           </a:prstGeom>
         </p:spPr>
       </p:pic>
-      <mc:AlternateContent xmlns:mc="http://schemas.openxmlformats.org/markup-compatibility/2006">
-        <mc:Choice xmlns:a14="http://schemas.microsoft.com/office/drawing/2010/main" Requires="a14">
+      <mc:AlternateContent xmlns:mc="http://schemas.openxmlformats.org/markup-compatibility/2006" xmlns:a14="http://schemas.microsoft.com/office/drawing/2010/main">
+        <mc:Choice Requires="a14">
           <p:sp>
             <p:nvSpPr>
               <p:cNvPr id="3" name="Content Placeholder 2"/>
@@ -37178,7 +37141,6 @@
               </a:bodyPr>
               <a:lstStyle/>
               <a:p>
-                <a:pPr/>
                 <a:r>
                   <a:rPr lang="he-IL" dirty="0" smtClean="0"/>
                   <a:t>מדדנו פרופיל </a:t>
@@ -37394,11 +37356,7 @@
                 </a14:m>
                 <a:r>
                   <a:rPr lang="he-IL" dirty="0" smtClean="0"/>
-                  <a:t>, </a:t>
-                </a:r>
-                <a:r>
-                  <a:rPr lang="he-IL" dirty="0" smtClean="0"/>
-                  <a:t>מדדנו את </a:t>
+                  <a:t>, מדדנו את </a:t>
                 </a:r>
                 <a14:m>
                   <m:oMath xmlns:m="http://schemas.openxmlformats.org/officeDocument/2006/math">
@@ -37421,11 +37379,7 @@
                 </a14:m>
                 <a:r>
                   <a:rPr lang="he-IL" dirty="0" smtClean="0"/>
-                  <a:t> שנגרם ע"י </a:t>
-                </a:r>
-                <a:r>
-                  <a:rPr lang="he-IL" dirty="0" smtClean="0"/>
-                  <a:t>השפעת</a:t>
+                  <a:t> שנגרם ע"י השפעת</a:t>
                 </a:r>
                 <a:r>
                   <a:rPr lang="en-US" dirty="0" smtClean="0"/>
@@ -37607,7 +37561,7 @@
             </p:txBody>
           </p:sp>
         </mc:Choice>
-        <mc:Fallback>
+        <mc:Fallback xmlns="">
           <p:sp>
             <p:nvSpPr>
               <p:cNvPr id="3" name="Content Placeholder 2"/>
@@ -37938,8 +37892,8 @@
           </a:prstGeom>
         </p:spPr>
       </p:pic>
-      <mc:AlternateContent xmlns:mc="http://schemas.openxmlformats.org/markup-compatibility/2006">
-        <mc:Choice xmlns:a14="http://schemas.microsoft.com/office/drawing/2010/main" Requires="a14">
+      <mc:AlternateContent xmlns:mc="http://schemas.openxmlformats.org/markup-compatibility/2006" xmlns:a14="http://schemas.microsoft.com/office/drawing/2010/main">
+        <mc:Choice Requires="a14">
           <p:sp>
             <p:nvSpPr>
               <p:cNvPr id="3" name="Content Placeholder 2"/>
@@ -38191,7 +38145,7 @@
             </p:txBody>
           </p:sp>
         </mc:Choice>
-        <mc:Fallback>
+        <mc:Fallback xmlns="">
           <p:sp>
             <p:nvSpPr>
               <p:cNvPr id="3" name="Content Placeholder 2"/>
@@ -38229,49 +38183,8 @@
           </p:sp>
         </mc:Fallback>
       </mc:AlternateContent>
-      <p:pic>
-        <p:nvPicPr>
-          <p:cNvPr id="1026" name="Picture 2" descr="http://www.math.uiuc.edu/~kkirkpat/perc2.png"/>
-          <p:cNvPicPr>
-            <a:picLocks noChangeAspect="1" noChangeArrowheads="1"/>
-          </p:cNvPicPr>
-          <p:nvPr/>
-        </p:nvPicPr>
-        <p:blipFill>
-          <a:blip r:embed="rId4">
-            <a:extLst>
-              <a:ext uri="{28A0092B-C50C-407E-A947-70E740481C1C}">
-                <a14:useLocalDpi xmlns:a14="http://schemas.microsoft.com/office/drawing/2010/main" val="0"/>
-              </a:ext>
-            </a:extLst>
-          </a:blip>
-          <a:srcRect/>
-          <a:stretch>
-            <a:fillRect/>
-          </a:stretch>
-        </p:blipFill>
-        <p:spPr bwMode="auto">
-          <a:xfrm>
-            <a:off x="395536" y="332656"/>
-            <a:ext cx="3333750" cy="3314700"/>
-          </a:xfrm>
-          <a:prstGeom prst="rect">
-            <a:avLst/>
-          </a:prstGeom>
-          <a:noFill/>
-          <a:extLst>
-            <a:ext uri="{909E8E84-426E-40DD-AFC4-6F175D3DCCD1}">
-              <a14:hiddenFill xmlns:a14="http://schemas.microsoft.com/office/drawing/2010/main">
-                <a:solidFill>
-                  <a:srgbClr val="FFFFFF"/>
-                </a:solidFill>
-              </a14:hiddenFill>
-            </a:ext>
-          </a:extLst>
-        </p:spPr>
-      </p:pic>
-      <mc:AlternateContent xmlns:mc="http://schemas.openxmlformats.org/markup-compatibility/2006">
-        <mc:Choice xmlns:a14="http://schemas.microsoft.com/office/drawing/2010/main" Requires="a14">
+      <mc:AlternateContent xmlns:mc="http://schemas.openxmlformats.org/markup-compatibility/2006" xmlns:a14="http://schemas.microsoft.com/office/drawing/2010/main">
+        <mc:Choice Requires="a14">
           <p:sp>
             <p:nvSpPr>
               <p:cNvPr id="4" name="TextBox 3"/>
@@ -38448,7 +38361,7 @@
             </p:txBody>
           </p:sp>
         </mc:Choice>
-        <mc:Fallback>
+        <mc:Fallback xmlns="">
           <p:sp>
             <p:nvSpPr>
               <p:cNvPr id="4" name="TextBox 3"/>
@@ -38487,6 +38400,339 @@
           </p:sp>
         </mc:Fallback>
       </mc:AlternateContent>
+      <p:grpSp>
+        <p:nvGrpSpPr>
+          <p:cNvPr id="15" name="Group 14"/>
+          <p:cNvGrpSpPr/>
+          <p:nvPr/>
+        </p:nvGrpSpPr>
+        <p:grpSpPr>
+          <a:xfrm>
+            <a:off x="186605" y="-8319"/>
+            <a:ext cx="3895628" cy="3684128"/>
+            <a:chOff x="186605" y="-8319"/>
+            <a:chExt cx="3895628" cy="3684128"/>
+          </a:xfrm>
+        </p:grpSpPr>
+        <p:pic>
+          <p:nvPicPr>
+            <p:cNvPr id="1026" name="Picture 2" descr="http://www.math.uiuc.edu/~kkirkpat/perc2.png"/>
+            <p:cNvPicPr>
+              <a:picLocks noChangeAspect="1" noChangeArrowheads="1"/>
+            </p:cNvPicPr>
+            <p:nvPr/>
+          </p:nvPicPr>
+          <p:blipFill>
+            <a:blip r:embed="rId6">
+              <a:extLst>
+                <a:ext uri="{28A0092B-C50C-407E-A947-70E740481C1C}">
+                  <a14:useLocalDpi xmlns:a14="http://schemas.microsoft.com/office/drawing/2010/main" val="0"/>
+                </a:ext>
+              </a:extLst>
+            </a:blip>
+            <a:srcRect/>
+            <a:stretch>
+              <a:fillRect/>
+            </a:stretch>
+          </p:blipFill>
+          <p:spPr bwMode="auto">
+            <a:xfrm>
+              <a:off x="395536" y="332656"/>
+              <a:ext cx="3333750" cy="3314700"/>
+            </a:xfrm>
+            <a:prstGeom prst="rect">
+              <a:avLst/>
+            </a:prstGeom>
+            <a:noFill/>
+            <a:extLst>
+              <a:ext uri="{909E8E84-426E-40DD-AFC4-6F175D3DCCD1}">
+                <a14:hiddenFill xmlns:a14="http://schemas.microsoft.com/office/drawing/2010/main">
+                  <a:solidFill>
+                    <a:srgbClr val="FFFFFF"/>
+                  </a:solidFill>
+                </a14:hiddenFill>
+              </a:ext>
+            </a:extLst>
+          </p:spPr>
+        </p:pic>
+        <p:grpSp>
+          <p:nvGrpSpPr>
+            <p:cNvPr id="13" name="Group 12"/>
+            <p:cNvGrpSpPr/>
+            <p:nvPr/>
+          </p:nvGrpSpPr>
+          <p:grpSpPr>
+            <a:xfrm>
+              <a:off x="186605" y="-8319"/>
+              <a:ext cx="3895628" cy="3684128"/>
+              <a:chOff x="186605" y="-8319"/>
+              <a:chExt cx="3895628" cy="3684128"/>
+            </a:xfrm>
+          </p:grpSpPr>
+          <p:cxnSp>
+            <p:nvCxnSpPr>
+              <p:cNvPr id="6" name="Straight Arrow Connector 5"/>
+              <p:cNvCxnSpPr/>
+              <p:nvPr/>
+            </p:nvCxnSpPr>
+            <p:spPr>
+              <a:xfrm>
+                <a:off x="409825" y="3640261"/>
+                <a:ext cx="3528392" cy="0"/>
+              </a:xfrm>
+              <a:prstGeom prst="straightConnector1">
+                <a:avLst/>
+              </a:prstGeom>
+              <a:ln w="12700">
+                <a:solidFill>
+                  <a:schemeClr val="tx1"/>
+                </a:solidFill>
+                <a:tailEnd type="triangle"/>
+              </a:ln>
+            </p:spPr>
+            <p:style>
+              <a:lnRef idx="1">
+                <a:schemeClr val="accent1"/>
+              </a:lnRef>
+              <a:fillRef idx="0">
+                <a:schemeClr val="accent1"/>
+              </a:fillRef>
+              <a:effectRef idx="0">
+                <a:schemeClr val="accent1"/>
+              </a:effectRef>
+              <a:fontRef idx="minor">
+                <a:schemeClr val="tx1"/>
+              </a:fontRef>
+            </p:style>
+          </p:cxnSp>
+          <p:cxnSp>
+            <p:nvCxnSpPr>
+              <p:cNvPr id="8" name="Straight Arrow Connector 7"/>
+              <p:cNvCxnSpPr/>
+              <p:nvPr/>
+            </p:nvCxnSpPr>
+            <p:spPr>
+              <a:xfrm flipV="1">
+                <a:off x="414588" y="188640"/>
+                <a:ext cx="0" cy="3451622"/>
+              </a:xfrm>
+              <a:prstGeom prst="straightConnector1">
+                <a:avLst/>
+              </a:prstGeom>
+              <a:ln w="12700">
+                <a:solidFill>
+                  <a:schemeClr val="tx1"/>
+                </a:solidFill>
+                <a:tailEnd type="triangle"/>
+              </a:ln>
+            </p:spPr>
+            <p:style>
+              <a:lnRef idx="1">
+                <a:schemeClr val="accent1"/>
+              </a:lnRef>
+              <a:fillRef idx="0">
+                <a:schemeClr val="accent1"/>
+              </a:fillRef>
+              <a:effectRef idx="0">
+                <a:schemeClr val="accent1"/>
+              </a:effectRef>
+              <a:fontRef idx="minor">
+                <a:schemeClr val="tx1"/>
+              </a:fontRef>
+            </p:style>
+          </p:cxnSp>
+          <mc:AlternateContent xmlns:mc="http://schemas.openxmlformats.org/markup-compatibility/2006">
+            <mc:Choice xmlns:a14="http://schemas.microsoft.com/office/drawing/2010/main" Requires="a14">
+              <p:sp>
+                <p:nvSpPr>
+                  <p:cNvPr id="10" name="TextBox 9"/>
+                  <p:cNvSpPr txBox="1"/>
+                  <p:nvPr/>
+                </p:nvSpPr>
+                <p:spPr>
+                  <a:xfrm>
+                    <a:off x="186605" y="-8319"/>
+                    <a:ext cx="288032" cy="369332"/>
+                  </a:xfrm>
+                  <a:prstGeom prst="rect">
+                    <a:avLst/>
+                  </a:prstGeom>
+                  <a:noFill/>
+                </p:spPr>
+                <p:txBody>
+                  <a:bodyPr wrap="square" rtlCol="0">
+                    <a:spAutoFit/>
+                  </a:bodyPr>
+                  <a:lstStyle/>
+                  <a:p>
+                    <a14:m>
+                      <m:oMathPara xmlns:m="http://schemas.openxmlformats.org/officeDocument/2006/math">
+                        <m:oMathParaPr>
+                          <m:jc m:val="centerGroup"/>
+                        </m:oMathParaPr>
+                        <m:oMath xmlns:m="http://schemas.openxmlformats.org/officeDocument/2006/math">
+                          <m:acc>
+                            <m:accPr>
+                              <m:chr m:val="̂"/>
+                              <m:ctrlPr>
+                                <a:rPr lang="en-US" b="0" i="1" smtClean="0">
+                                  <a:latin typeface="Cambria Math" panose="02040503050406030204" pitchFamily="18" charset="0"/>
+                                </a:rPr>
+                              </m:ctrlPr>
+                            </m:accPr>
+                            <m:e>
+                              <m:r>
+                                <a:rPr lang="en-US" b="0" i="1" smtClean="0">
+                                  <a:latin typeface="Cambria Math" panose="02040503050406030204" pitchFamily="18" charset="0"/>
+                                </a:rPr>
+                                <m:t>𝑧</m:t>
+                              </m:r>
+                            </m:e>
+                          </m:acc>
+                        </m:oMath>
+                      </m:oMathPara>
+                    </a14:m>
+                    <a:endParaRPr lang="en-US" dirty="0"/>
+                  </a:p>
+                </p:txBody>
+              </p:sp>
+            </mc:Choice>
+            <mc:Fallback>
+              <p:sp>
+                <p:nvSpPr>
+                  <p:cNvPr id="10" name="TextBox 9"/>
+                  <p:cNvSpPr txBox="1">
+                    <a:spLocks noRot="1" noChangeAspect="1" noMove="1" noResize="1" noEditPoints="1" noAdjustHandles="1" noChangeArrowheads="1" noChangeShapeType="1" noTextEdit="1"/>
+                  </p:cNvSpPr>
+                  <p:nvPr/>
+                </p:nvSpPr>
+                <p:spPr>
+                  <a:xfrm>
+                    <a:off x="186605" y="-8319"/>
+                    <a:ext cx="288032" cy="369332"/>
+                  </a:xfrm>
+                  <a:prstGeom prst="rect">
+                    <a:avLst/>
+                  </a:prstGeom>
+                  <a:blipFill rotWithShape="0">
+                    <a:blip r:embed="rId7"/>
+                    <a:stretch>
+                      <a:fillRect t="-6667" r="-34043"/>
+                    </a:stretch>
+                  </a:blipFill>
+                </p:spPr>
+                <p:txBody>
+                  <a:bodyPr/>
+                  <a:lstStyle/>
+                  <a:p>
+                    <a:r>
+                      <a:rPr lang="en-US">
+                        <a:noFill/>
+                      </a:rPr>
+                      <a:t> </a:t>
+                    </a:r>
+                  </a:p>
+                </p:txBody>
+              </p:sp>
+            </mc:Fallback>
+          </mc:AlternateContent>
+          <mc:AlternateContent xmlns:mc="http://schemas.openxmlformats.org/markup-compatibility/2006">
+            <mc:Choice xmlns:a14="http://schemas.microsoft.com/office/drawing/2010/main" Requires="a14">
+              <p:sp>
+                <p:nvSpPr>
+                  <p:cNvPr id="14" name="TextBox 13"/>
+                  <p:cNvSpPr txBox="1"/>
+                  <p:nvPr/>
+                </p:nvSpPr>
+                <p:spPr>
+                  <a:xfrm>
+                    <a:off x="3794201" y="3306477"/>
+                    <a:ext cx="288032" cy="369332"/>
+                  </a:xfrm>
+                  <a:prstGeom prst="rect">
+                    <a:avLst/>
+                  </a:prstGeom>
+                  <a:noFill/>
+                </p:spPr>
+                <p:txBody>
+                  <a:bodyPr wrap="square" rtlCol="0">
+                    <a:spAutoFit/>
+                  </a:bodyPr>
+                  <a:lstStyle/>
+                  <a:p>
+                    <a14:m>
+                      <m:oMathPara xmlns:m="http://schemas.openxmlformats.org/officeDocument/2006/math">
+                        <m:oMathParaPr>
+                          <m:jc m:val="centerGroup"/>
+                        </m:oMathParaPr>
+                        <m:oMath xmlns:m="http://schemas.openxmlformats.org/officeDocument/2006/math">
+                          <m:acc>
+                            <m:accPr>
+                              <m:chr m:val="̂"/>
+                              <m:ctrlPr>
+                                <a:rPr lang="en-US" b="0" i="1" smtClean="0">
+                                  <a:latin typeface="Cambria Math" panose="02040503050406030204" pitchFamily="18" charset="0"/>
+                                </a:rPr>
+                              </m:ctrlPr>
+                            </m:accPr>
+                            <m:e>
+                              <m:r>
+                                <a:rPr lang="en-US" b="0" i="1" smtClean="0">
+                                  <a:latin typeface="Cambria Math" panose="02040503050406030204" pitchFamily="18" charset="0"/>
+                                </a:rPr>
+                                <m:t>𝑥</m:t>
+                              </m:r>
+                            </m:e>
+                          </m:acc>
+                        </m:oMath>
+                      </m:oMathPara>
+                    </a14:m>
+                    <a:endParaRPr lang="en-US" dirty="0"/>
+                  </a:p>
+                </p:txBody>
+              </p:sp>
+            </mc:Choice>
+            <mc:Fallback>
+              <p:sp>
+                <p:nvSpPr>
+                  <p:cNvPr id="14" name="TextBox 13"/>
+                  <p:cNvSpPr txBox="1">
+                    <a:spLocks noRot="1" noChangeAspect="1" noMove="1" noResize="1" noEditPoints="1" noAdjustHandles="1" noChangeArrowheads="1" noChangeShapeType="1" noTextEdit="1"/>
+                  </p:cNvSpPr>
+                  <p:nvPr/>
+                </p:nvSpPr>
+                <p:spPr>
+                  <a:xfrm>
+                    <a:off x="3794201" y="3306477"/>
+                    <a:ext cx="288032" cy="369332"/>
+                  </a:xfrm>
+                  <a:prstGeom prst="rect">
+                    <a:avLst/>
+                  </a:prstGeom>
+                  <a:blipFill rotWithShape="0">
+                    <a:blip r:embed="rId8"/>
+                    <a:stretch>
+                      <a:fillRect t="-6557" r="-8333"/>
+                    </a:stretch>
+                  </a:blipFill>
+                </p:spPr>
+                <p:txBody>
+                  <a:bodyPr/>
+                  <a:lstStyle/>
+                  <a:p>
+                    <a:r>
+                      <a:rPr lang="en-US">
+                        <a:noFill/>
+                      </a:rPr>
+                      <a:t> </a:t>
+                    </a:r>
+                  </a:p>
+                </p:txBody>
+              </p:sp>
+            </mc:Fallback>
+          </mc:AlternateContent>
+        </p:grpSp>
+      </p:grpSp>
     </p:spTree>
     <p:extLst>
       <p:ext uri="{BB962C8B-B14F-4D97-AF65-F5344CB8AC3E}">
